--- a/Algo_Coding_Java/Presentations/Statements_and_Conditions.pptx
+++ b/Algo_Coding_Java/Presentations/Statements_and_Conditions.pptx
@@ -16,10 +16,10 @@
     <p:sldId id="264" r:id="rId10"/>
     <p:sldId id="265" r:id="rId11"/>
     <p:sldId id="266" r:id="rId12"/>
-    <p:sldId id="267" r:id="rId13"/>
-    <p:sldId id="268" r:id="rId14"/>
-    <p:sldId id="269" r:id="rId15"/>
-    <p:sldId id="270" r:id="rId16"/>
+    <p:sldId id="268" r:id="rId13"/>
+    <p:sldId id="269" r:id="rId14"/>
+    <p:sldId id="270" r:id="rId15"/>
+    <p:sldId id="275" r:id="rId16"/>
     <p:sldId id="271" r:id="rId17"/>
     <p:sldId id="272" r:id="rId18"/>
     <p:sldId id="273" r:id="rId19"/>
@@ -261,7 +261,7 @@
           <a:p>
             <a:fld id="{E1CEDC59-3853-4717-9AE1-3CCAC803990E}" type="datetimeFigureOut">
               <a:rPr lang="bg-BG" smtClean="0"/>
-              <a:t>21.10.2020 г.</a:t>
+              <a:t>22.10.2020 г.</a:t>
             </a:fld>
             <a:endParaRPr lang="bg-BG"/>
           </a:p>
@@ -443,7 +443,7 @@
           <a:p>
             <a:fld id="{E1CEDC59-3853-4717-9AE1-3CCAC803990E}" type="datetimeFigureOut">
               <a:rPr lang="bg-BG" smtClean="0"/>
-              <a:t>21.10.2020 г.</a:t>
+              <a:t>22.10.2020 г.</a:t>
             </a:fld>
             <a:endParaRPr lang="bg-BG"/>
           </a:p>
@@ -635,7 +635,7 @@
           <a:p>
             <a:fld id="{E1CEDC59-3853-4717-9AE1-3CCAC803990E}" type="datetimeFigureOut">
               <a:rPr lang="bg-BG" smtClean="0"/>
-              <a:t>21.10.2020 г.</a:t>
+              <a:t>22.10.2020 г.</a:t>
             </a:fld>
             <a:endParaRPr lang="bg-BG"/>
           </a:p>
@@ -817,7 +817,7 @@
           <a:p>
             <a:fld id="{E1CEDC59-3853-4717-9AE1-3CCAC803990E}" type="datetimeFigureOut">
               <a:rPr lang="bg-BG" smtClean="0"/>
-              <a:t>21.10.2020 г.</a:t>
+              <a:t>22.10.2020 г.</a:t>
             </a:fld>
             <a:endParaRPr lang="bg-BG"/>
           </a:p>
@@ -1075,7 +1075,7 @@
           <a:p>
             <a:fld id="{E1CEDC59-3853-4717-9AE1-3CCAC803990E}" type="datetimeFigureOut">
               <a:rPr lang="bg-BG" smtClean="0"/>
-              <a:t>21.10.2020 г.</a:t>
+              <a:t>22.10.2020 г.</a:t>
             </a:fld>
             <a:endParaRPr lang="bg-BG"/>
           </a:p>
@@ -1319,7 +1319,7 @@
           <a:p>
             <a:fld id="{E1CEDC59-3853-4717-9AE1-3CCAC803990E}" type="datetimeFigureOut">
               <a:rPr lang="bg-BG" smtClean="0"/>
-              <a:t>21.10.2020 г.</a:t>
+              <a:t>22.10.2020 г.</a:t>
             </a:fld>
             <a:endParaRPr lang="bg-BG"/>
           </a:p>
@@ -1698,7 +1698,7 @@
           <a:p>
             <a:fld id="{E1CEDC59-3853-4717-9AE1-3CCAC803990E}" type="datetimeFigureOut">
               <a:rPr lang="bg-BG" smtClean="0"/>
-              <a:t>21.10.2020 г.</a:t>
+              <a:t>22.10.2020 г.</a:t>
             </a:fld>
             <a:endParaRPr lang="bg-BG"/>
           </a:p>
@@ -1828,7 +1828,7 @@
           <a:p>
             <a:fld id="{E1CEDC59-3853-4717-9AE1-3CCAC803990E}" type="datetimeFigureOut">
               <a:rPr lang="bg-BG" smtClean="0"/>
-              <a:t>21.10.2020 г.</a:t>
+              <a:t>22.10.2020 г.</a:t>
             </a:fld>
             <a:endParaRPr lang="bg-BG"/>
           </a:p>
@@ -1935,7 +1935,7 @@
           <a:p>
             <a:fld id="{E1CEDC59-3853-4717-9AE1-3CCAC803990E}" type="datetimeFigureOut">
               <a:rPr lang="bg-BG" smtClean="0"/>
-              <a:t>21.10.2020 г.</a:t>
+              <a:t>22.10.2020 г.</a:t>
             </a:fld>
             <a:endParaRPr lang="bg-BG"/>
           </a:p>
@@ -2224,7 +2224,7 @@
           <a:p>
             <a:fld id="{E1CEDC59-3853-4717-9AE1-3CCAC803990E}" type="datetimeFigureOut">
               <a:rPr lang="bg-BG" smtClean="0"/>
-              <a:t>21.10.2020 г.</a:t>
+              <a:t>22.10.2020 г.</a:t>
             </a:fld>
             <a:endParaRPr lang="bg-BG"/>
           </a:p>
@@ -2489,7 +2489,7 @@
           <a:p>
             <a:fld id="{E1CEDC59-3853-4717-9AE1-3CCAC803990E}" type="datetimeFigureOut">
               <a:rPr lang="bg-BG" smtClean="0"/>
-              <a:t>21.10.2020 г.</a:t>
+              <a:t>22.10.2020 г.</a:t>
             </a:fld>
             <a:endParaRPr lang="bg-BG"/>
           </a:p>
@@ -2723,7 +2723,7 @@
           <a:p>
             <a:fld id="{E1CEDC59-3853-4717-9AE1-3CCAC803990E}" type="datetimeFigureOut">
               <a:rPr lang="bg-BG" smtClean="0"/>
-              <a:t>21.10.2020 г.</a:t>
+              <a:t>22.10.2020 г.</a:t>
             </a:fld>
             <a:endParaRPr lang="bg-BG"/>
           </a:p>
@@ -3615,11 +3615,23 @@
           <a:p>
             <a:r>
               <a:rPr lang="en-US" dirty="0" smtClean="0"/>
-              <a:t>If - </a:t>
+              <a:t>If </a:t>
             </a:r>
             <a:r>
               <a:rPr lang="bg-BG" dirty="0" smtClean="0"/>
-              <a:t>Ако</a:t>
+              <a:t>и </a:t>
+            </a:r>
+            <a:r>
+              <a:rPr lang="en-US" dirty="0" smtClean="0"/>
+              <a:t>Else – </a:t>
+            </a:r>
+            <a:r>
+              <a:rPr lang="bg-BG" dirty="0" smtClean="0"/>
+              <a:t>Ак</a:t>
+            </a:r>
+            <a:r>
+              <a:rPr lang="bg-BG" dirty="0" smtClean="0"/>
+              <a:t>о и иначе</a:t>
             </a:r>
             <a:endParaRPr lang="bg-BG" dirty="0"/>
           </a:p>
@@ -3627,14 +3639,14 @@
       </p:sp>
       <p:sp>
         <p:nvSpPr>
-          <p:cNvPr id="4" name="TextBox 3"/>
+          <p:cNvPr id="5" name="TextBox 4"/>
           <p:cNvSpPr txBox="1"/>
           <p:nvPr/>
         </p:nvSpPr>
         <p:spPr>
           <a:xfrm>
-            <a:off x="2501660" y="1759789"/>
-            <a:ext cx="5287993" cy="3046988"/>
+            <a:off x="2193805" y="1828800"/>
+            <a:ext cx="6070300" cy="3416320"/>
           </a:xfrm>
           <a:prstGeom prst="rect">
             <a:avLst/>
@@ -3734,7 +3746,15 @@
             </a:r>
             <a:r>
               <a:rPr lang="en-US" sz="2400" dirty="0" smtClean="0"/>
-              <a:t>) {</a:t>
+              <a:t>) </a:t>
+            </a:r>
+            <a:r>
+              <a:rPr lang="en-US" sz="2400" dirty="0" smtClean="0">
+                <a:solidFill>
+                  <a:srgbClr val="FF0000"/>
+                </a:solidFill>
+              </a:rPr>
+              <a:t>{</a:t>
             </a:r>
           </a:p>
           <a:p>
@@ -3780,35 +3800,143 @@
                   <a:srgbClr val="00B050"/>
                 </a:solidFill>
               </a:rPr>
-              <a:t>	//true</a:t>
-            </a:r>
-          </a:p>
-          <a:p>
+              <a:t>true</a:t>
+            </a:r>
+            <a:endParaRPr lang="en-US" sz="2400" dirty="0" smtClean="0">
+              <a:solidFill>
+                <a:srgbClr val="00B050"/>
+              </a:solidFill>
+            </a:endParaRPr>
+          </a:p>
+          <a:p>
+            <a:r>
+              <a:rPr lang="en-US" sz="2400" dirty="0" smtClean="0">
+                <a:solidFill>
+                  <a:srgbClr val="FF0000"/>
+                </a:solidFill>
+              </a:rPr>
+              <a:t>}</a:t>
+            </a:r>
+            <a:r>
+              <a:rPr lang="en-US" sz="2400" dirty="0"/>
+              <a:t> </a:t>
+            </a:r>
+            <a:r>
+              <a:rPr lang="en-US" sz="2400" b="1" dirty="0" smtClean="0">
+                <a:solidFill>
+                  <a:srgbClr val="0070C0"/>
+                </a:solidFill>
+              </a:rPr>
+              <a:t>else</a:t>
+            </a:r>
             <a:r>
               <a:rPr lang="en-US" sz="2400" dirty="0" smtClean="0"/>
+              <a:t> </a:t>
+            </a:r>
+            <a:r>
+              <a:rPr lang="en-US" sz="2400" dirty="0" smtClean="0">
+                <a:solidFill>
+                  <a:srgbClr val="FF0000"/>
+                </a:solidFill>
+              </a:rPr>
+              <a:t>{</a:t>
+            </a:r>
+          </a:p>
+          <a:p>
+            <a:r>
+              <a:rPr lang="en-US" sz="2400" dirty="0" smtClean="0"/>
+              <a:t>	</a:t>
+            </a:r>
+            <a:r>
+              <a:rPr lang="en-US" sz="2400" dirty="0" smtClean="0">
+                <a:solidFill>
+                  <a:srgbClr val="00B050"/>
+                </a:solidFill>
+              </a:rPr>
+              <a:t>//</a:t>
+            </a:r>
+            <a:r>
+              <a:rPr lang="bg-BG" sz="2400" dirty="0" smtClean="0">
+                <a:solidFill>
+                  <a:srgbClr val="00B050"/>
+                </a:solidFill>
+              </a:rPr>
+              <a:t>код, изпълняван ако </a:t>
+            </a:r>
+            <a:r>
+              <a:rPr lang="en-US" sz="2400" dirty="0" smtClean="0">
+                <a:solidFill>
+                  <a:srgbClr val="00B050"/>
+                </a:solidFill>
+              </a:rPr>
+              <a:t>bool </a:t>
+            </a:r>
+            <a:r>
+              <a:rPr lang="en-US" sz="2400" dirty="0" smtClean="0">
+                <a:solidFill>
+                  <a:srgbClr val="00B050"/>
+                </a:solidFill>
+              </a:rPr>
+              <a:t>==</a:t>
+            </a:r>
+            <a:r>
+              <a:rPr lang="bg-BG" sz="2400" dirty="0" smtClean="0">
+                <a:solidFill>
+                  <a:srgbClr val="00B050"/>
+                </a:solidFill>
+              </a:rPr>
+              <a:t> </a:t>
+            </a:r>
+            <a:r>
+              <a:rPr lang="en-US" sz="2400" dirty="0" smtClean="0">
+                <a:solidFill>
+                  <a:srgbClr val="00B050"/>
+                </a:solidFill>
+              </a:rPr>
+              <a:t>false</a:t>
+            </a:r>
+            <a:endParaRPr lang="en-US" sz="2400" dirty="0">
+              <a:solidFill>
+                <a:srgbClr val="00B050"/>
+              </a:solidFill>
+            </a:endParaRPr>
+          </a:p>
+          <a:p>
+            <a:r>
+              <a:rPr lang="en-US" sz="2400" dirty="0" smtClean="0">
+                <a:solidFill>
+                  <a:srgbClr val="FF0000"/>
+                </a:solidFill>
+              </a:rPr>
               <a:t>}</a:t>
             </a:r>
-            <a:endParaRPr lang="bg-BG" sz="2400" dirty="0"/>
+            <a:endParaRPr lang="bg-BG" sz="2400" dirty="0">
+              <a:solidFill>
+                <a:srgbClr val="FF0000"/>
+              </a:solidFill>
+            </a:endParaRPr>
           </a:p>
         </p:txBody>
       </p:sp>
       <p:pic>
         <p:nvPicPr>
-          <p:cNvPr id="1026" name="Picture 2" descr="Making Decisions in Scratch"/>
+          <p:cNvPr id="6" name="Picture 2" descr="Scratch Decisions"/>
           <p:cNvPicPr>
             <a:picLocks noChangeAspect="1" noChangeArrowheads="1"/>
           </p:cNvPicPr>
           <p:nvPr/>
         </p:nvPicPr>
-        <p:blipFill rotWithShape="1">
+        <p:blipFill>
           <a:blip r:embed="rId2">
             <a:extLst>
               <a:ext uri="{BEBA8EAE-BF5A-486C-A8C5-ECC9F3942E4B}">
                 <a14:imgProps xmlns:a14="http://schemas.microsoft.com/office/drawing/2010/main">
                   <a14:imgLayer r:embed="rId3">
                     <a14:imgEffect>
-                      <a14:backgroundRemoval t="0" b="76301" l="33805" r="65347">
-                        <a14:foregroundMark x1="36068" y1="17919" x2="62659" y2="19653"/>
+                      <a14:backgroundRemoval t="0" b="100000" l="0" r="100000">
+                        <a14:foregroundMark x1="9048" y1="14198" x2="86190" y2="17901"/>
+                        <a14:foregroundMark x1="4762" y1="44444" x2="10476" y2="58025"/>
+                        <a14:foregroundMark x1="14286" y1="53704" x2="34762" y2="54321"/>
                       </a14:backgroundRemoval>
                     </a14:imgEffect>
                   </a14:imgLayer>
@@ -3819,13 +3947,15 @@
               </a:ext>
             </a:extLst>
           </a:blip>
-          <a:srcRect l="33394" r="34325" b="23092"/>
-          <a:stretch/>
+          <a:srcRect/>
+          <a:stretch>
+            <a:fillRect/>
+          </a:stretch>
         </p:blipFill>
         <p:spPr bwMode="auto">
           <a:xfrm>
-            <a:off x="8367623" y="2076386"/>
-            <a:ext cx="3506943" cy="2044461"/>
+            <a:off x="8666030" y="2401283"/>
+            <a:ext cx="2944346" cy="2271354"/>
           </a:xfrm>
           <a:prstGeom prst="rect">
             <a:avLst/>
@@ -3884,387 +4014,6 @@
 </file>
 
 <file path=ppt/slides/slide12.xml><?xml version="1.0" encoding="utf-8"?>
-<p:sld xmlns:a="http://schemas.openxmlformats.org/drawingml/2006/main" xmlns:r="http://schemas.openxmlformats.org/officeDocument/2006/relationships" xmlns:p="http://schemas.openxmlformats.org/presentationml/2006/main">
-  <p:cSld>
-    <p:spTree>
-      <p:nvGrpSpPr>
-        <p:cNvPr id="1" name=""/>
-        <p:cNvGrpSpPr/>
-        <p:nvPr/>
-      </p:nvGrpSpPr>
-      <p:grpSpPr>
-        <a:xfrm>
-          <a:off x="0" y="0"/>
-          <a:ext cx="0" cy="0"/>
-          <a:chOff x="0" y="0"/>
-          <a:chExt cx="0" cy="0"/>
-        </a:xfrm>
-      </p:grpSpPr>
-      <p:sp>
-        <p:nvSpPr>
-          <p:cNvPr id="2" name="Title 1"/>
-          <p:cNvSpPr>
-            <a:spLocks noGrp="1"/>
-          </p:cNvSpPr>
-          <p:nvPr>
-            <p:ph type="title"/>
-          </p:nvPr>
-        </p:nvSpPr>
-        <p:spPr/>
-        <p:txBody>
-          <a:bodyPr/>
-          <a:lstStyle/>
-          <a:p>
-            <a:r>
-              <a:rPr lang="en-US" dirty="0" smtClean="0"/>
-              <a:t>Else - </a:t>
-            </a:r>
-            <a:r>
-              <a:rPr lang="bg-BG" dirty="0" smtClean="0"/>
-              <a:t>Иначе</a:t>
-            </a:r>
-            <a:endParaRPr lang="bg-BG" dirty="0"/>
-          </a:p>
-        </p:txBody>
-      </p:sp>
-      <p:sp>
-        <p:nvSpPr>
-          <p:cNvPr id="4" name="TextBox 3"/>
-          <p:cNvSpPr txBox="1"/>
-          <p:nvPr/>
-        </p:nvSpPr>
-        <p:spPr>
-          <a:xfrm>
-            <a:off x="2314575" y="2009955"/>
-            <a:ext cx="5287993" cy="4154984"/>
-          </a:xfrm>
-          <a:prstGeom prst="rect">
-            <a:avLst/>
-          </a:prstGeom>
-          <a:solidFill>
-            <a:schemeClr val="bg1">
-              <a:lumMod val="95000"/>
-            </a:schemeClr>
-          </a:solidFill>
-          <a:ln>
-            <a:solidFill>
-              <a:schemeClr val="tx1"/>
-            </a:solidFill>
-          </a:ln>
-        </p:spPr>
-        <p:txBody>
-          <a:bodyPr wrap="square" rtlCol="0">
-            <a:spAutoFit/>
-          </a:bodyPr>
-          <a:lstStyle/>
-          <a:p>
-            <a:r>
-              <a:rPr lang="en-US" sz="2400" b="1" dirty="0" err="1" smtClean="0">
-                <a:solidFill>
-                  <a:srgbClr val="0070C0"/>
-                </a:solidFill>
-              </a:rPr>
-              <a:t>boolean</a:t>
-            </a:r>
-            <a:r>
-              <a:rPr lang="en-US" sz="2400" dirty="0" smtClean="0"/>
-              <a:t> bool </a:t>
-            </a:r>
-            <a:r>
-              <a:rPr lang="en-US" sz="2400" dirty="0" smtClean="0">
-                <a:solidFill>
-                  <a:srgbClr val="FF0000"/>
-                </a:solidFill>
-              </a:rPr>
-              <a:t>=</a:t>
-            </a:r>
-            <a:r>
-              <a:rPr lang="en-US" sz="2400" dirty="0" smtClean="0"/>
-              <a:t> </a:t>
-            </a:r>
-            <a:r>
-              <a:rPr lang="en-US" sz="2400" b="1" dirty="0" smtClean="0">
-                <a:solidFill>
-                  <a:srgbClr val="0070C0"/>
-                </a:solidFill>
-              </a:rPr>
-              <a:t>true</a:t>
-            </a:r>
-            <a:r>
-              <a:rPr lang="en-US" sz="2400" dirty="0" smtClean="0">
-                <a:solidFill>
-                  <a:srgbClr val="FF0000"/>
-                </a:solidFill>
-              </a:rPr>
-              <a:t>;</a:t>
-            </a:r>
-            <a:endParaRPr lang="bg-BG" sz="2400" dirty="0" smtClean="0">
-              <a:solidFill>
-                <a:srgbClr val="FF0000"/>
-              </a:solidFill>
-            </a:endParaRPr>
-          </a:p>
-          <a:p>
-            <a:endParaRPr lang="en-US" sz="2400" dirty="0" smtClean="0"/>
-          </a:p>
-          <a:p>
-            <a:r>
-              <a:rPr lang="en-US" sz="2400" dirty="0" smtClean="0"/>
-              <a:t>…</a:t>
-            </a:r>
-            <a:endParaRPr lang="en-US" sz="2400" dirty="0"/>
-          </a:p>
-          <a:p>
-            <a:endParaRPr lang="bg-BG" sz="2400" dirty="0"/>
-          </a:p>
-          <a:p>
-            <a:r>
-              <a:rPr lang="en-US" sz="2400" b="1" dirty="0" smtClean="0">
-                <a:solidFill>
-                  <a:srgbClr val="0070C0"/>
-                </a:solidFill>
-              </a:rPr>
-              <a:t>If</a:t>
-            </a:r>
-            <a:r>
-              <a:rPr lang="en-US" sz="2400" dirty="0" smtClean="0"/>
-              <a:t> (</a:t>
-            </a:r>
-            <a:r>
-              <a:rPr lang="en-US" sz="2400" i="1" dirty="0" smtClean="0"/>
-              <a:t>bool</a:t>
-            </a:r>
-            <a:r>
-              <a:rPr lang="en-US" sz="2400" dirty="0" smtClean="0"/>
-              <a:t>) {</a:t>
-            </a:r>
-          </a:p>
-          <a:p>
-            <a:r>
-              <a:rPr lang="en-US" sz="2400" dirty="0" smtClean="0"/>
-              <a:t>	</a:t>
-            </a:r>
-            <a:r>
-              <a:rPr lang="en-US" sz="2400" dirty="0" smtClean="0">
-                <a:solidFill>
-                  <a:srgbClr val="00B050"/>
-                </a:solidFill>
-              </a:rPr>
-              <a:t>//</a:t>
-            </a:r>
-            <a:r>
-              <a:rPr lang="bg-BG" sz="2400" dirty="0" smtClean="0">
-                <a:solidFill>
-                  <a:srgbClr val="00B050"/>
-                </a:solidFill>
-              </a:rPr>
-              <a:t>код, изпълняван ако </a:t>
-            </a:r>
-            <a:r>
-              <a:rPr lang="en-US" sz="2400" dirty="0" smtClean="0">
-                <a:solidFill>
-                  <a:srgbClr val="00B050"/>
-                </a:solidFill>
-              </a:rPr>
-              <a:t>bool</a:t>
-            </a:r>
-            <a:r>
-              <a:rPr lang="bg-BG" sz="2400" dirty="0" smtClean="0">
-                <a:solidFill>
-                  <a:srgbClr val="00B050"/>
-                </a:solidFill>
-              </a:rPr>
-              <a:t> == </a:t>
-            </a:r>
-            <a:r>
-              <a:rPr lang="en-US" sz="2400" dirty="0" smtClean="0">
-                <a:solidFill>
-                  <a:srgbClr val="00B050"/>
-                </a:solidFill>
-              </a:rPr>
-              <a:t>	//true</a:t>
-            </a:r>
-          </a:p>
-          <a:p>
-            <a:r>
-              <a:rPr lang="en-US" sz="2400" dirty="0" smtClean="0"/>
-              <a:t>}</a:t>
-            </a:r>
-            <a:r>
-              <a:rPr lang="en-US" sz="2400" dirty="0"/>
-              <a:t> </a:t>
-            </a:r>
-            <a:r>
-              <a:rPr lang="en-US" sz="2400" b="1" dirty="0" smtClean="0">
-                <a:solidFill>
-                  <a:srgbClr val="0070C0"/>
-                </a:solidFill>
-              </a:rPr>
-              <a:t>else</a:t>
-            </a:r>
-            <a:r>
-              <a:rPr lang="en-US" sz="2400" dirty="0" smtClean="0"/>
-              <a:t> {</a:t>
-            </a:r>
-          </a:p>
-          <a:p>
-            <a:r>
-              <a:rPr lang="en-US" sz="2400" dirty="0" smtClean="0"/>
-              <a:t>	</a:t>
-            </a:r>
-            <a:r>
-              <a:rPr lang="en-US" sz="2400" dirty="0" smtClean="0">
-                <a:solidFill>
-                  <a:srgbClr val="00B050"/>
-                </a:solidFill>
-              </a:rPr>
-              <a:t>//</a:t>
-            </a:r>
-            <a:r>
-              <a:rPr lang="bg-BG" sz="2400" dirty="0" smtClean="0">
-                <a:solidFill>
-                  <a:srgbClr val="00B050"/>
-                </a:solidFill>
-              </a:rPr>
-              <a:t>код, изпълняван ако </a:t>
-            </a:r>
-            <a:r>
-              <a:rPr lang="en-US" sz="2400" dirty="0" smtClean="0">
-                <a:solidFill>
-                  <a:srgbClr val="00B050"/>
-                </a:solidFill>
-              </a:rPr>
-              <a:t>bool ==</a:t>
-            </a:r>
-          </a:p>
-          <a:p>
-            <a:r>
-              <a:rPr lang="en-US" sz="2400" dirty="0">
-                <a:solidFill>
-                  <a:srgbClr val="00B050"/>
-                </a:solidFill>
-              </a:rPr>
-              <a:t>	</a:t>
-            </a:r>
-            <a:r>
-              <a:rPr lang="en-US" sz="2400" dirty="0" smtClean="0">
-                <a:solidFill>
-                  <a:srgbClr val="00B050"/>
-                </a:solidFill>
-              </a:rPr>
-              <a:t>//false</a:t>
-            </a:r>
-            <a:endParaRPr lang="en-US" sz="2400" dirty="0">
-              <a:solidFill>
-                <a:srgbClr val="00B050"/>
-              </a:solidFill>
-            </a:endParaRPr>
-          </a:p>
-          <a:p>
-            <a:r>
-              <a:rPr lang="en-US" sz="2400" dirty="0" smtClean="0"/>
-              <a:t>}</a:t>
-            </a:r>
-            <a:endParaRPr lang="bg-BG" sz="2400" dirty="0"/>
-          </a:p>
-        </p:txBody>
-      </p:sp>
-      <p:pic>
-        <p:nvPicPr>
-          <p:cNvPr id="2050" name="Picture 2" descr="Scratch Decisions"/>
-          <p:cNvPicPr>
-            <a:picLocks noChangeAspect="1" noChangeArrowheads="1"/>
-          </p:cNvPicPr>
-          <p:nvPr/>
-        </p:nvPicPr>
-        <p:blipFill>
-          <a:blip r:embed="rId2">
-            <a:extLst>
-              <a:ext uri="{BEBA8EAE-BF5A-486C-A8C5-ECC9F3942E4B}">
-                <a14:imgProps xmlns:a14="http://schemas.microsoft.com/office/drawing/2010/main">
-                  <a14:imgLayer r:embed="rId3">
-                    <a14:imgEffect>
-                      <a14:backgroundRemoval t="0" b="100000" l="0" r="100000">
-                        <a14:foregroundMark x1="9048" y1="14198" x2="86190" y2="17901"/>
-                        <a14:foregroundMark x1="4762" y1="44444" x2="10476" y2="58025"/>
-                        <a14:foregroundMark x1="14286" y1="53704" x2="34762" y2="54321"/>
-                      </a14:backgroundRemoval>
-                    </a14:imgEffect>
-                  </a14:imgLayer>
-                </a14:imgProps>
-              </a:ext>
-              <a:ext uri="{28A0092B-C50C-407E-A947-70E740481C1C}">
-                <a14:useLocalDpi xmlns:a14="http://schemas.microsoft.com/office/drawing/2010/main" val="0"/>
-              </a:ext>
-            </a:extLst>
-          </a:blip>
-          <a:srcRect/>
-          <a:stretch>
-            <a:fillRect/>
-          </a:stretch>
-        </p:blipFill>
-        <p:spPr bwMode="auto">
-          <a:xfrm>
-            <a:off x="8424491" y="2951770"/>
-            <a:ext cx="2944346" cy="2271354"/>
-          </a:xfrm>
-          <a:prstGeom prst="rect">
-            <a:avLst/>
-          </a:prstGeom>
-          <a:ln>
-            <a:noFill/>
-          </a:ln>
-          <a:effectLst>
-            <a:outerShdw blurRad="292100" dist="139700" dir="2700000" algn="tl" rotWithShape="0">
-              <a:srgbClr val="333333">
-                <a:alpha val="65000"/>
-              </a:srgbClr>
-            </a:outerShdw>
-          </a:effectLst>
-          <a:extLst>
-            <a:ext uri="{909E8E84-426E-40DD-AFC4-6F175D3DCCD1}">
-              <a14:hiddenFill xmlns:a14="http://schemas.microsoft.com/office/drawing/2010/main">
-                <a:solidFill>
-                  <a:srgbClr val="FFFFFF"/>
-                </a:solidFill>
-              </a14:hiddenFill>
-            </a:ext>
-          </a:extLst>
-        </p:spPr>
-      </p:pic>
-    </p:spTree>
-    <p:extLst>
-      <p:ext uri="{BB962C8B-B14F-4D97-AF65-F5344CB8AC3E}">
-        <p14:creationId xmlns:p14="http://schemas.microsoft.com/office/powerpoint/2010/main" val="4009260156"/>
-      </p:ext>
-    </p:extLst>
-  </p:cSld>
-  <p:clrMapOvr>
-    <a:masterClrMapping/>
-  </p:clrMapOvr>
-  <mc:AlternateContent xmlns:mc="http://schemas.openxmlformats.org/markup-compatibility/2006" xmlns:p14="http://schemas.microsoft.com/office/powerpoint/2010/main">
-    <mc:Choice Requires="p14">
-      <p:transition spd="slow" p14:dur="1200">
-        <p:dissolve/>
-      </p:transition>
-    </mc:Choice>
-    <mc:Fallback xmlns="">
-      <p:transition spd="slow">
-        <p:dissolve/>
-      </p:transition>
-    </mc:Fallback>
-  </mc:AlternateContent>
-  <p:timing>
-    <p:tnLst>
-      <p:par>
-        <p:cTn id="1" dur="indefinite" restart="never" nodeType="tmRoot"/>
-      </p:par>
-    </p:tnLst>
-  </p:timing>
-</p:sld>
-</file>
-
-<file path=ppt/slides/slide13.xml><?xml version="1.0" encoding="utf-8"?>
 <p:sld xmlns:a="http://schemas.openxmlformats.org/drawingml/2006/main" xmlns:r="http://schemas.openxmlformats.org/officeDocument/2006/relationships" xmlns:p="http://schemas.openxmlformats.org/presentationml/2006/main">
   <p:cSld>
     <p:spTree>
@@ -4462,7 +4211,7 @@
 </p:sld>
 </file>
 
-<file path=ppt/slides/slide14.xml><?xml version="1.0" encoding="utf-8"?>
+<file path=ppt/slides/slide13.xml><?xml version="1.0" encoding="utf-8"?>
 <p:sld xmlns:a="http://schemas.openxmlformats.org/drawingml/2006/main" xmlns:r="http://schemas.openxmlformats.org/officeDocument/2006/relationships" xmlns:p="http://schemas.openxmlformats.org/presentationml/2006/main">
   <p:cSld>
     <p:spTree>
@@ -4573,7 +4322,7 @@
 </p:sld>
 </file>
 
-<file path=ppt/slides/slide15.xml><?xml version="1.0" encoding="utf-8"?>
+<file path=ppt/slides/slide14.xml><?xml version="1.0" encoding="utf-8"?>
 <p:sld xmlns:a="http://schemas.openxmlformats.org/drawingml/2006/main" xmlns:r="http://schemas.openxmlformats.org/officeDocument/2006/relationships" xmlns:p="http://schemas.openxmlformats.org/presentationml/2006/main">
   <p:cSld>
     <p:spTree>
@@ -4768,6 +4517,441 @@
       </p:par>
     </p:tnLst>
   </p:timing>
+</p:sld>
+</file>
+
+<file path=ppt/slides/slide15.xml><?xml version="1.0" encoding="utf-8"?>
+<p:sld xmlns:a="http://schemas.openxmlformats.org/drawingml/2006/main" xmlns:r="http://schemas.openxmlformats.org/officeDocument/2006/relationships" xmlns:p="http://schemas.openxmlformats.org/presentationml/2006/main">
+  <p:cSld>
+    <p:spTree>
+      <p:nvGrpSpPr>
+        <p:cNvPr id="1" name=""/>
+        <p:cNvGrpSpPr/>
+        <p:nvPr/>
+      </p:nvGrpSpPr>
+      <p:grpSpPr>
+        <a:xfrm>
+          <a:off x="0" y="0"/>
+          <a:ext cx="0" cy="0"/>
+          <a:chOff x="0" y="0"/>
+          <a:chExt cx="0" cy="0"/>
+        </a:xfrm>
+      </p:grpSpPr>
+      <p:sp>
+        <p:nvSpPr>
+          <p:cNvPr id="2" name="Title 1"/>
+          <p:cNvSpPr>
+            <a:spLocks noGrp="1"/>
+          </p:cNvSpPr>
+          <p:nvPr>
+            <p:ph type="title"/>
+          </p:nvPr>
+        </p:nvSpPr>
+        <p:spPr/>
+        <p:txBody>
+          <a:bodyPr/>
+          <a:lstStyle/>
+          <a:p>
+            <a:r>
+              <a:rPr lang="en-US" dirty="0" smtClean="0"/>
+              <a:t>Switch – Case - Break</a:t>
+            </a:r>
+            <a:endParaRPr lang="bg-BG" dirty="0"/>
+          </a:p>
+        </p:txBody>
+      </p:sp>
+      <p:sp>
+        <p:nvSpPr>
+          <p:cNvPr id="4" name="TextBox 3"/>
+          <p:cNvSpPr txBox="1"/>
+          <p:nvPr/>
+        </p:nvSpPr>
+        <p:spPr>
+          <a:xfrm>
+            <a:off x="2193805" y="1483744"/>
+            <a:ext cx="9796912" cy="4893647"/>
+          </a:xfrm>
+          <a:prstGeom prst="rect">
+            <a:avLst/>
+          </a:prstGeom>
+          <a:solidFill>
+            <a:schemeClr val="bg1">
+              <a:lumMod val="95000"/>
+            </a:schemeClr>
+          </a:solidFill>
+          <a:ln>
+            <a:solidFill>
+              <a:schemeClr val="tx1"/>
+            </a:solidFill>
+          </a:ln>
+        </p:spPr>
+        <p:txBody>
+          <a:bodyPr wrap="square" rtlCol="0">
+            <a:spAutoFit/>
+          </a:bodyPr>
+          <a:lstStyle/>
+          <a:p>
+            <a:r>
+              <a:rPr lang="en-US" sz="2400" b="1" dirty="0" err="1" smtClean="0">
+                <a:solidFill>
+                  <a:srgbClr val="0070C0"/>
+                </a:solidFill>
+              </a:rPr>
+              <a:t>int</a:t>
+            </a:r>
+            <a:r>
+              <a:rPr lang="en-US" sz="2400" b="1" dirty="0" smtClean="0">
+                <a:solidFill>
+                  <a:srgbClr val="0070C0"/>
+                </a:solidFill>
+              </a:rPr>
+              <a:t> </a:t>
+            </a:r>
+            <a:r>
+              <a:rPr lang="en-US" sz="2400" dirty="0" smtClean="0"/>
+              <a:t>number</a:t>
+            </a:r>
+            <a:r>
+              <a:rPr lang="en-US" sz="2400" b="1" dirty="0" smtClean="0">
+                <a:solidFill>
+                  <a:srgbClr val="0070C0"/>
+                </a:solidFill>
+              </a:rPr>
+              <a:t> </a:t>
+            </a:r>
+            <a:r>
+              <a:rPr lang="en-US" sz="2400" b="1" dirty="0" smtClean="0">
+                <a:solidFill>
+                  <a:srgbClr val="FF0000"/>
+                </a:solidFill>
+              </a:rPr>
+              <a:t>=</a:t>
+            </a:r>
+            <a:r>
+              <a:rPr lang="en-US" sz="2400" b="1" dirty="0" smtClean="0">
+                <a:solidFill>
+                  <a:srgbClr val="0070C0"/>
+                </a:solidFill>
+              </a:rPr>
+              <a:t> 5</a:t>
+            </a:r>
+            <a:r>
+              <a:rPr lang="en-US" sz="2400" b="1" dirty="0" smtClean="0">
+                <a:solidFill>
+                  <a:srgbClr val="FF0000"/>
+                </a:solidFill>
+              </a:rPr>
+              <a:t>;</a:t>
+            </a:r>
+            <a:endParaRPr lang="bg-BG" sz="2400" dirty="0" smtClean="0">
+              <a:solidFill>
+                <a:srgbClr val="FF0000"/>
+              </a:solidFill>
+            </a:endParaRPr>
+          </a:p>
+          <a:p>
+            <a:endParaRPr lang="en-US" sz="2400" dirty="0" smtClean="0"/>
+          </a:p>
+          <a:p>
+            <a:r>
+              <a:rPr lang="en-US" sz="2400" dirty="0" smtClean="0"/>
+              <a:t>…</a:t>
+            </a:r>
+            <a:endParaRPr lang="en-US" sz="2400" dirty="0"/>
+          </a:p>
+          <a:p>
+            <a:endParaRPr lang="bg-BG" sz="2400" dirty="0"/>
+          </a:p>
+          <a:p>
+            <a:r>
+              <a:rPr lang="en-US" sz="2400" b="1" dirty="0" smtClean="0">
+                <a:solidFill>
+                  <a:srgbClr val="0070C0"/>
+                </a:solidFill>
+              </a:rPr>
+              <a:t>switch </a:t>
+            </a:r>
+            <a:r>
+              <a:rPr lang="en-US" sz="2400" b="1" dirty="0" smtClean="0"/>
+              <a:t>(</a:t>
+            </a:r>
+            <a:r>
+              <a:rPr lang="en-US" sz="2400" i="1" dirty="0" smtClean="0"/>
+              <a:t>number</a:t>
+            </a:r>
+            <a:r>
+              <a:rPr lang="en-US" sz="2400" b="1" dirty="0" smtClean="0"/>
+              <a:t>)</a:t>
+            </a:r>
+            <a:r>
+              <a:rPr lang="en-US" sz="2400" b="1" dirty="0" smtClean="0">
+                <a:solidFill>
+                  <a:srgbClr val="FF0000"/>
+                </a:solidFill>
+              </a:rPr>
+              <a:t>{</a:t>
+            </a:r>
+          </a:p>
+          <a:p>
+            <a:r>
+              <a:rPr lang="en-US" sz="2400" b="1" dirty="0" smtClean="0">
+                <a:solidFill>
+                  <a:srgbClr val="0070C0"/>
+                </a:solidFill>
+              </a:rPr>
+              <a:t>	case </a:t>
+            </a:r>
+            <a:r>
+              <a:rPr lang="en-US" sz="2400" dirty="0" smtClean="0"/>
+              <a:t>1</a:t>
+            </a:r>
+            <a:r>
+              <a:rPr lang="en-US" sz="2400" dirty="0" smtClean="0">
+                <a:solidFill>
+                  <a:srgbClr val="FF0000"/>
+                </a:solidFill>
+              </a:rPr>
+              <a:t>:</a:t>
+            </a:r>
+          </a:p>
+          <a:p>
+            <a:r>
+              <a:rPr lang="en-US" sz="2400" b="1" dirty="0">
+                <a:solidFill>
+                  <a:srgbClr val="0070C0"/>
+                </a:solidFill>
+              </a:rPr>
+              <a:t>	</a:t>
+            </a:r>
+            <a:r>
+              <a:rPr lang="en-US" sz="2400" b="1" dirty="0" smtClean="0">
+                <a:solidFill>
+                  <a:srgbClr val="0070C0"/>
+                </a:solidFill>
+              </a:rPr>
+              <a:t>	</a:t>
+            </a:r>
+            <a:r>
+              <a:rPr lang="en-US" sz="2400" dirty="0" smtClean="0">
+                <a:solidFill>
+                  <a:srgbClr val="00B050"/>
+                </a:solidFill>
+              </a:rPr>
+              <a:t>//</a:t>
+            </a:r>
+            <a:r>
+              <a:rPr lang="bg-BG" sz="2400" dirty="0" smtClean="0">
+                <a:solidFill>
+                  <a:srgbClr val="00B050"/>
+                </a:solidFill>
+              </a:rPr>
+              <a:t>код, който се изпълнява ако </a:t>
+            </a:r>
+            <a:r>
+              <a:rPr lang="en-US" sz="2400" dirty="0" smtClean="0">
+                <a:solidFill>
+                  <a:srgbClr val="00B050"/>
+                </a:solidFill>
+              </a:rPr>
+              <a:t>number == 1</a:t>
+            </a:r>
+            <a:endParaRPr lang="en-US" sz="2400" b="1" dirty="0" smtClean="0">
+              <a:solidFill>
+                <a:srgbClr val="0070C0"/>
+              </a:solidFill>
+            </a:endParaRPr>
+          </a:p>
+          <a:p>
+            <a:r>
+              <a:rPr lang="en-US" sz="2400" b="1" dirty="0">
+                <a:solidFill>
+                  <a:srgbClr val="0070C0"/>
+                </a:solidFill>
+              </a:rPr>
+              <a:t>	</a:t>
+            </a:r>
+            <a:r>
+              <a:rPr lang="en-US" sz="2400" b="1" dirty="0" smtClean="0">
+                <a:solidFill>
+                  <a:srgbClr val="0070C0"/>
+                </a:solidFill>
+              </a:rPr>
+              <a:t>	break</a:t>
+            </a:r>
+            <a:r>
+              <a:rPr lang="en-US" sz="2400" b="1" dirty="0" smtClean="0">
+                <a:solidFill>
+                  <a:srgbClr val="FF0000"/>
+                </a:solidFill>
+              </a:rPr>
+              <a:t>;</a:t>
+            </a:r>
+          </a:p>
+          <a:p>
+            <a:r>
+              <a:rPr lang="en-US" sz="2400" b="1" dirty="0">
+                <a:solidFill>
+                  <a:srgbClr val="0070C0"/>
+                </a:solidFill>
+              </a:rPr>
+              <a:t>	</a:t>
+            </a:r>
+            <a:r>
+              <a:rPr lang="en-US" sz="2400" b="1" dirty="0" smtClean="0">
+                <a:solidFill>
+                  <a:srgbClr val="0070C0"/>
+                </a:solidFill>
+              </a:rPr>
+              <a:t>…</a:t>
+            </a:r>
+          </a:p>
+          <a:p>
+            <a:r>
+              <a:rPr lang="en-US" sz="2400" b="1" dirty="0">
+                <a:solidFill>
+                  <a:srgbClr val="0070C0"/>
+                </a:solidFill>
+              </a:rPr>
+              <a:t>	</a:t>
+            </a:r>
+            <a:r>
+              <a:rPr lang="en-US" sz="2400" b="1" dirty="0" smtClean="0">
+                <a:solidFill>
+                  <a:srgbClr val="0070C0"/>
+                </a:solidFill>
+              </a:rPr>
+              <a:t>case </a:t>
+            </a:r>
+            <a:r>
+              <a:rPr lang="en-US" sz="2400" dirty="0" smtClean="0"/>
+              <a:t>5</a:t>
+            </a:r>
+            <a:r>
+              <a:rPr lang="en-US" sz="2400" dirty="0" smtClean="0">
+                <a:solidFill>
+                  <a:srgbClr val="FF0000"/>
+                </a:solidFill>
+              </a:rPr>
+              <a:t>:</a:t>
+            </a:r>
+          </a:p>
+          <a:p>
+            <a:r>
+              <a:rPr lang="en-US" sz="2400" b="1" dirty="0">
+                <a:solidFill>
+                  <a:srgbClr val="0070C0"/>
+                </a:solidFill>
+              </a:rPr>
+              <a:t>	</a:t>
+            </a:r>
+            <a:r>
+              <a:rPr lang="en-US" sz="2400" b="1" dirty="0" smtClean="0">
+                <a:solidFill>
+                  <a:srgbClr val="0070C0"/>
+                </a:solidFill>
+              </a:rPr>
+              <a:t>	</a:t>
+            </a:r>
+            <a:r>
+              <a:rPr lang="en-US" sz="2400" dirty="0" smtClean="0">
+                <a:solidFill>
+                  <a:srgbClr val="00B050"/>
+                </a:solidFill>
+              </a:rPr>
+              <a:t>//</a:t>
+            </a:r>
+            <a:r>
+              <a:rPr lang="bg-BG" sz="2400" dirty="0" smtClean="0">
+                <a:solidFill>
+                  <a:srgbClr val="00B050"/>
+                </a:solidFill>
+              </a:rPr>
+              <a:t>код, който се изпълнява ако </a:t>
+            </a:r>
+            <a:r>
+              <a:rPr lang="en-US" sz="2400" dirty="0" smtClean="0">
+                <a:solidFill>
+                  <a:srgbClr val="00B050"/>
+                </a:solidFill>
+              </a:rPr>
+              <a:t>number == 5</a:t>
+            </a:r>
+            <a:endParaRPr lang="en-US" sz="2400" b="1" dirty="0" smtClean="0">
+              <a:solidFill>
+                <a:srgbClr val="0070C0"/>
+              </a:solidFill>
+            </a:endParaRPr>
+          </a:p>
+          <a:p>
+            <a:r>
+              <a:rPr lang="en-US" sz="2400" b="1" dirty="0">
+                <a:solidFill>
+                  <a:srgbClr val="0070C0"/>
+                </a:solidFill>
+              </a:rPr>
+              <a:t>	</a:t>
+            </a:r>
+            <a:r>
+              <a:rPr lang="en-US" sz="2400" b="1" dirty="0" smtClean="0">
+                <a:solidFill>
+                  <a:srgbClr val="0070C0"/>
+                </a:solidFill>
+              </a:rPr>
+              <a:t>	break</a:t>
+            </a:r>
+            <a:r>
+              <a:rPr lang="en-US" sz="2400" b="1" dirty="0" smtClean="0">
+                <a:solidFill>
+                  <a:srgbClr val="FF0000"/>
+                </a:solidFill>
+              </a:rPr>
+              <a:t>;</a:t>
+            </a:r>
+            <a:endParaRPr lang="en-US" sz="2400" b="1" dirty="0">
+              <a:solidFill>
+                <a:srgbClr val="FF0000"/>
+              </a:solidFill>
+            </a:endParaRPr>
+          </a:p>
+          <a:p>
+            <a:r>
+              <a:rPr lang="en-US" sz="2400" b="1" dirty="0" smtClean="0">
+                <a:solidFill>
+                  <a:srgbClr val="FF0000"/>
+                </a:solidFill>
+              </a:rPr>
+              <a:t>}</a:t>
+            </a:r>
+            <a:endParaRPr lang="bg-BG" sz="2400" dirty="0">
+              <a:solidFill>
+                <a:srgbClr val="FF0000"/>
+              </a:solidFill>
+            </a:endParaRPr>
+          </a:p>
+        </p:txBody>
+      </p:sp>
+    </p:spTree>
+    <p:extLst>
+      <p:ext uri="{BB962C8B-B14F-4D97-AF65-F5344CB8AC3E}">
+        <p14:creationId xmlns:p14="http://schemas.microsoft.com/office/powerpoint/2010/main" val="1370583354"/>
+      </p:ext>
+    </p:extLst>
+  </p:cSld>
+  <p:clrMapOvr>
+    <a:masterClrMapping/>
+  </p:clrMapOvr>
+  <mc:AlternateContent xmlns:mc="http://schemas.openxmlformats.org/markup-compatibility/2006" xmlns:p14="http://schemas.microsoft.com/office/powerpoint/2010/main">
+    <mc:Choice Requires="p14">
+      <p:transition spd="slow" p14:dur="1200">
+        <p:dissolve/>
+      </p:transition>
+    </mc:Choice>
+    <mc:Fallback xmlns="">
+      <p:transition spd="slow">
+        <p:dissolve/>
+      </p:transition>
+    </mc:Fallback>
+  </mc:AlternateContent>
 </p:sld>
 </file>
 
@@ -6439,7 +6623,7 @@
           <a:p>
             <a:r>
               <a:rPr lang="bg-BG" dirty="0" smtClean="0"/>
-              <a:t>Алгоритъмът на Практическия пример</a:t>
+              <a:t>Изобразяване на алгоритми</a:t>
             </a:r>
             <a:endParaRPr lang="bg-BG" dirty="0"/>
           </a:p>
@@ -6467,7 +6651,7 @@
         </p:blipFill>
         <p:spPr>
           <a:xfrm>
-            <a:off x="4304582" y="1130061"/>
+            <a:off x="4304582" y="1138853"/>
             <a:ext cx="10058400" cy="5657850"/>
           </a:xfrm>
           <a:prstGeom prst="rect">

--- a/Algo_Coding_Java/Presentations/Statements_and_Conditions.pptx
+++ b/Algo_Coding_Java/Presentations/Statements_and_Conditions.pptx
@@ -5,25 +5,27 @@
     <p:sldMasterId id="2147483648" r:id="rId1"/>
   </p:sldMasterIdLst>
   <p:sldIdLst>
-    <p:sldId id="258" r:id="rId2"/>
-    <p:sldId id="257" r:id="rId3"/>
-    <p:sldId id="262" r:id="rId4"/>
-    <p:sldId id="256" r:id="rId5"/>
-    <p:sldId id="261" r:id="rId6"/>
-    <p:sldId id="263" r:id="rId7"/>
-    <p:sldId id="259" r:id="rId8"/>
-    <p:sldId id="260" r:id="rId9"/>
-    <p:sldId id="264" r:id="rId10"/>
-    <p:sldId id="265" r:id="rId11"/>
-    <p:sldId id="266" r:id="rId12"/>
-    <p:sldId id="268" r:id="rId13"/>
-    <p:sldId id="269" r:id="rId14"/>
-    <p:sldId id="270" r:id="rId15"/>
-    <p:sldId id="275" r:id="rId16"/>
-    <p:sldId id="271" r:id="rId17"/>
-    <p:sldId id="272" r:id="rId18"/>
-    <p:sldId id="273" r:id="rId19"/>
-    <p:sldId id="274" r:id="rId20"/>
+    <p:sldId id="277" r:id="rId2"/>
+    <p:sldId id="258" r:id="rId3"/>
+    <p:sldId id="257" r:id="rId4"/>
+    <p:sldId id="262" r:id="rId5"/>
+    <p:sldId id="256" r:id="rId6"/>
+    <p:sldId id="276" r:id="rId7"/>
+    <p:sldId id="261" r:id="rId8"/>
+    <p:sldId id="263" r:id="rId9"/>
+    <p:sldId id="259" r:id="rId10"/>
+    <p:sldId id="260" r:id="rId11"/>
+    <p:sldId id="264" r:id="rId12"/>
+    <p:sldId id="265" r:id="rId13"/>
+    <p:sldId id="266" r:id="rId14"/>
+    <p:sldId id="268" r:id="rId15"/>
+    <p:sldId id="269" r:id="rId16"/>
+    <p:sldId id="270" r:id="rId17"/>
+    <p:sldId id="275" r:id="rId18"/>
+    <p:sldId id="271" r:id="rId19"/>
+    <p:sldId id="272" r:id="rId20"/>
+    <p:sldId id="273" r:id="rId21"/>
+    <p:sldId id="274" r:id="rId22"/>
   </p:sldIdLst>
   <p:sldSz cx="12192000" cy="6858000"/>
   <p:notesSz cx="6858000" cy="9144000"/>
@@ -261,7 +263,7 @@
           <a:p>
             <a:fld id="{E1CEDC59-3853-4717-9AE1-3CCAC803990E}" type="datetimeFigureOut">
               <a:rPr lang="bg-BG" smtClean="0"/>
-              <a:t>22.10.2020 г.</a:t>
+              <a:t>23.10.2020 г.</a:t>
             </a:fld>
             <a:endParaRPr lang="bg-BG"/>
           </a:p>
@@ -319,18 +321,9 @@
   <p:clrMapOvr>
     <a:masterClrMapping/>
   </p:clrMapOvr>
-  <mc:AlternateContent xmlns:mc="http://schemas.openxmlformats.org/markup-compatibility/2006" xmlns:p14="http://schemas.microsoft.com/office/powerpoint/2010/main">
-    <mc:Choice Requires="p14">
-      <p:transition spd="slow" p14:dur="1200">
-        <p:dissolve/>
-      </p:transition>
-    </mc:Choice>
-    <mc:Fallback xmlns="">
-      <p:transition spd="slow">
-        <p:dissolve/>
-      </p:transition>
-    </mc:Fallback>
-  </mc:AlternateContent>
+  <p:transition>
+    <p:dissolve/>
+  </p:transition>
 </p:sldLayout>
 </file>
 
@@ -443,7 +436,7 @@
           <a:p>
             <a:fld id="{E1CEDC59-3853-4717-9AE1-3CCAC803990E}" type="datetimeFigureOut">
               <a:rPr lang="bg-BG" smtClean="0"/>
-              <a:t>22.10.2020 г.</a:t>
+              <a:t>23.10.2020 г.</a:t>
             </a:fld>
             <a:endParaRPr lang="bg-BG"/>
           </a:p>
@@ -501,18 +494,9 @@
   <p:clrMapOvr>
     <a:masterClrMapping/>
   </p:clrMapOvr>
-  <mc:AlternateContent xmlns:mc="http://schemas.openxmlformats.org/markup-compatibility/2006" xmlns:p14="http://schemas.microsoft.com/office/powerpoint/2010/main">
-    <mc:Choice Requires="p14">
-      <p:transition spd="slow" p14:dur="1200">
-        <p:dissolve/>
-      </p:transition>
-    </mc:Choice>
-    <mc:Fallback xmlns="">
-      <p:transition spd="slow">
-        <p:dissolve/>
-      </p:transition>
-    </mc:Fallback>
-  </mc:AlternateContent>
+  <p:transition>
+    <p:dissolve/>
+  </p:transition>
 </p:sldLayout>
 </file>
 
@@ -635,7 +619,7 @@
           <a:p>
             <a:fld id="{E1CEDC59-3853-4717-9AE1-3CCAC803990E}" type="datetimeFigureOut">
               <a:rPr lang="bg-BG" smtClean="0"/>
-              <a:t>22.10.2020 г.</a:t>
+              <a:t>23.10.2020 г.</a:t>
             </a:fld>
             <a:endParaRPr lang="bg-BG"/>
           </a:p>
@@ -693,18 +677,9 @@
   <p:clrMapOvr>
     <a:masterClrMapping/>
   </p:clrMapOvr>
-  <mc:AlternateContent xmlns:mc="http://schemas.openxmlformats.org/markup-compatibility/2006" xmlns:p14="http://schemas.microsoft.com/office/powerpoint/2010/main">
-    <mc:Choice Requires="p14">
-      <p:transition spd="slow" p14:dur="1200">
-        <p:dissolve/>
-      </p:transition>
-    </mc:Choice>
-    <mc:Fallback xmlns="">
-      <p:transition spd="slow">
-        <p:dissolve/>
-      </p:transition>
-    </mc:Fallback>
-  </mc:AlternateContent>
+  <p:transition>
+    <p:dissolve/>
+  </p:transition>
 </p:sldLayout>
 </file>
 
@@ -817,7 +792,7 @@
           <a:p>
             <a:fld id="{E1CEDC59-3853-4717-9AE1-3CCAC803990E}" type="datetimeFigureOut">
               <a:rPr lang="bg-BG" smtClean="0"/>
-              <a:t>22.10.2020 г.</a:t>
+              <a:t>23.10.2020 г.</a:t>
             </a:fld>
             <a:endParaRPr lang="bg-BG"/>
           </a:p>
@@ -875,18 +850,9 @@
   <p:clrMapOvr>
     <a:masterClrMapping/>
   </p:clrMapOvr>
-  <mc:AlternateContent xmlns:mc="http://schemas.openxmlformats.org/markup-compatibility/2006" xmlns:p14="http://schemas.microsoft.com/office/powerpoint/2010/main">
-    <mc:Choice Requires="p14">
-      <p:transition spd="slow" p14:dur="1200">
-        <p:dissolve/>
-      </p:transition>
-    </mc:Choice>
-    <mc:Fallback xmlns="">
-      <p:transition spd="slow">
-        <p:dissolve/>
-      </p:transition>
-    </mc:Fallback>
-  </mc:AlternateContent>
+  <p:transition>
+    <p:dissolve/>
+  </p:transition>
 </p:sldLayout>
 </file>
 
@@ -1075,7 +1041,7 @@
           <a:p>
             <a:fld id="{E1CEDC59-3853-4717-9AE1-3CCAC803990E}" type="datetimeFigureOut">
               <a:rPr lang="bg-BG" smtClean="0"/>
-              <a:t>22.10.2020 г.</a:t>
+              <a:t>23.10.2020 г.</a:t>
             </a:fld>
             <a:endParaRPr lang="bg-BG"/>
           </a:p>
@@ -1133,18 +1099,9 @@
   <p:clrMapOvr>
     <a:masterClrMapping/>
   </p:clrMapOvr>
-  <mc:AlternateContent xmlns:mc="http://schemas.openxmlformats.org/markup-compatibility/2006" xmlns:p14="http://schemas.microsoft.com/office/powerpoint/2010/main">
-    <mc:Choice Requires="p14">
-      <p:transition spd="slow" p14:dur="1200">
-        <p:dissolve/>
-      </p:transition>
-    </mc:Choice>
-    <mc:Fallback xmlns="">
-      <p:transition spd="slow">
-        <p:dissolve/>
-      </p:transition>
-    </mc:Fallback>
-  </mc:AlternateContent>
+  <p:transition>
+    <p:dissolve/>
+  </p:transition>
 </p:sldLayout>
 </file>
 
@@ -1319,7 +1276,7 @@
           <a:p>
             <a:fld id="{E1CEDC59-3853-4717-9AE1-3CCAC803990E}" type="datetimeFigureOut">
               <a:rPr lang="bg-BG" smtClean="0"/>
-              <a:t>22.10.2020 г.</a:t>
+              <a:t>23.10.2020 г.</a:t>
             </a:fld>
             <a:endParaRPr lang="bg-BG"/>
           </a:p>
@@ -1377,18 +1334,9 @@
   <p:clrMapOvr>
     <a:masterClrMapping/>
   </p:clrMapOvr>
-  <mc:AlternateContent xmlns:mc="http://schemas.openxmlformats.org/markup-compatibility/2006" xmlns:p14="http://schemas.microsoft.com/office/powerpoint/2010/main">
-    <mc:Choice Requires="p14">
-      <p:transition spd="slow" p14:dur="1200">
-        <p:dissolve/>
-      </p:transition>
-    </mc:Choice>
-    <mc:Fallback xmlns="">
-      <p:transition spd="slow">
-        <p:dissolve/>
-      </p:transition>
-    </mc:Fallback>
-  </mc:AlternateContent>
+  <p:transition>
+    <p:dissolve/>
+  </p:transition>
 </p:sldLayout>
 </file>
 
@@ -1698,7 +1646,7 @@
           <a:p>
             <a:fld id="{E1CEDC59-3853-4717-9AE1-3CCAC803990E}" type="datetimeFigureOut">
               <a:rPr lang="bg-BG" smtClean="0"/>
-              <a:t>22.10.2020 г.</a:t>
+              <a:t>23.10.2020 г.</a:t>
             </a:fld>
             <a:endParaRPr lang="bg-BG"/>
           </a:p>
@@ -1756,18 +1704,9 @@
   <p:clrMapOvr>
     <a:masterClrMapping/>
   </p:clrMapOvr>
-  <mc:AlternateContent xmlns:mc="http://schemas.openxmlformats.org/markup-compatibility/2006" xmlns:p14="http://schemas.microsoft.com/office/powerpoint/2010/main">
-    <mc:Choice Requires="p14">
-      <p:transition spd="slow" p14:dur="1200">
-        <p:dissolve/>
-      </p:transition>
-    </mc:Choice>
-    <mc:Fallback xmlns="">
-      <p:transition spd="slow">
-        <p:dissolve/>
-      </p:transition>
-    </mc:Fallback>
-  </mc:AlternateContent>
+  <p:transition>
+    <p:dissolve/>
+  </p:transition>
 </p:sldLayout>
 </file>
 
@@ -1828,7 +1767,7 @@
           <a:p>
             <a:fld id="{E1CEDC59-3853-4717-9AE1-3CCAC803990E}" type="datetimeFigureOut">
               <a:rPr lang="bg-BG" smtClean="0"/>
-              <a:t>22.10.2020 г.</a:t>
+              <a:t>23.10.2020 г.</a:t>
             </a:fld>
             <a:endParaRPr lang="bg-BG"/>
           </a:p>
@@ -1886,18 +1825,9 @@
   <p:clrMapOvr>
     <a:masterClrMapping/>
   </p:clrMapOvr>
-  <mc:AlternateContent xmlns:mc="http://schemas.openxmlformats.org/markup-compatibility/2006" xmlns:p14="http://schemas.microsoft.com/office/powerpoint/2010/main">
-    <mc:Choice Requires="p14">
-      <p:transition spd="slow" p14:dur="1200">
-        <p:dissolve/>
-      </p:transition>
-    </mc:Choice>
-    <mc:Fallback xmlns="">
-      <p:transition spd="slow">
-        <p:dissolve/>
-      </p:transition>
-    </mc:Fallback>
-  </mc:AlternateContent>
+  <p:transition>
+    <p:dissolve/>
+  </p:transition>
 </p:sldLayout>
 </file>
 
@@ -1935,7 +1865,7 @@
           <a:p>
             <a:fld id="{E1CEDC59-3853-4717-9AE1-3CCAC803990E}" type="datetimeFigureOut">
               <a:rPr lang="bg-BG" smtClean="0"/>
-              <a:t>22.10.2020 г.</a:t>
+              <a:t>23.10.2020 г.</a:t>
             </a:fld>
             <a:endParaRPr lang="bg-BG"/>
           </a:p>
@@ -1993,18 +1923,9 @@
   <p:clrMapOvr>
     <a:masterClrMapping/>
   </p:clrMapOvr>
-  <mc:AlternateContent xmlns:mc="http://schemas.openxmlformats.org/markup-compatibility/2006" xmlns:p14="http://schemas.microsoft.com/office/powerpoint/2010/main">
-    <mc:Choice Requires="p14">
-      <p:transition spd="slow" p14:dur="1200">
-        <p:dissolve/>
-      </p:transition>
-    </mc:Choice>
-    <mc:Fallback xmlns="">
-      <p:transition spd="slow">
-        <p:dissolve/>
-      </p:transition>
-    </mc:Fallback>
-  </mc:AlternateContent>
+  <p:transition>
+    <p:dissolve/>
+  </p:transition>
 </p:sldLayout>
 </file>
 
@@ -2224,7 +2145,7 @@
           <a:p>
             <a:fld id="{E1CEDC59-3853-4717-9AE1-3CCAC803990E}" type="datetimeFigureOut">
               <a:rPr lang="bg-BG" smtClean="0"/>
-              <a:t>22.10.2020 г.</a:t>
+              <a:t>23.10.2020 г.</a:t>
             </a:fld>
             <a:endParaRPr lang="bg-BG"/>
           </a:p>
@@ -2282,18 +2203,9 @@
   <p:clrMapOvr>
     <a:masterClrMapping/>
   </p:clrMapOvr>
-  <mc:AlternateContent xmlns:mc="http://schemas.openxmlformats.org/markup-compatibility/2006" xmlns:p14="http://schemas.microsoft.com/office/powerpoint/2010/main">
-    <mc:Choice Requires="p14">
-      <p:transition spd="slow" p14:dur="1200">
-        <p:dissolve/>
-      </p:transition>
-    </mc:Choice>
-    <mc:Fallback xmlns="">
-      <p:transition spd="slow">
-        <p:dissolve/>
-      </p:transition>
-    </mc:Fallback>
-  </mc:AlternateContent>
+  <p:transition>
+    <p:dissolve/>
+  </p:transition>
 </p:sldLayout>
 </file>
 
@@ -2489,7 +2401,7 @@
           <a:p>
             <a:fld id="{E1CEDC59-3853-4717-9AE1-3CCAC803990E}" type="datetimeFigureOut">
               <a:rPr lang="bg-BG" smtClean="0"/>
-              <a:t>22.10.2020 г.</a:t>
+              <a:t>23.10.2020 г.</a:t>
             </a:fld>
             <a:endParaRPr lang="bg-BG"/>
           </a:p>
@@ -2547,18 +2459,9 @@
   <p:clrMapOvr>
     <a:masterClrMapping/>
   </p:clrMapOvr>
-  <mc:AlternateContent xmlns:mc="http://schemas.openxmlformats.org/markup-compatibility/2006" xmlns:p14="http://schemas.microsoft.com/office/powerpoint/2010/main">
-    <mc:Choice Requires="p14">
-      <p:transition spd="slow" p14:dur="1200">
-        <p:dissolve/>
-      </p:transition>
-    </mc:Choice>
-    <mc:Fallback xmlns="">
-      <p:transition spd="slow">
-        <p:dissolve/>
-      </p:transition>
-    </mc:Fallback>
-  </mc:AlternateContent>
+  <p:transition>
+    <p:dissolve/>
+  </p:transition>
 </p:sldLayout>
 </file>
 
@@ -2723,7 +2626,7 @@
           <a:p>
             <a:fld id="{E1CEDC59-3853-4717-9AE1-3CCAC803990E}" type="datetimeFigureOut">
               <a:rPr lang="bg-BG" smtClean="0"/>
-              <a:t>22.10.2020 г.</a:t>
+              <a:t>23.10.2020 г.</a:t>
             </a:fld>
             <a:endParaRPr lang="bg-BG"/>
           </a:p>
@@ -2828,18 +2731,9 @@
     <p:sldLayoutId id="2147483658" r:id="rId10"/>
     <p:sldLayoutId id="2147483659" r:id="rId11"/>
   </p:sldLayoutIdLst>
-  <mc:AlternateContent xmlns:mc="http://schemas.openxmlformats.org/markup-compatibility/2006" xmlns:p14="http://schemas.microsoft.com/office/powerpoint/2010/main">
-    <mc:Choice Requires="p14">
-      <p:transition spd="slow" p14:dur="1200">
-        <p:dissolve/>
-      </p:transition>
-    </mc:Choice>
-    <mc:Fallback xmlns="">
-      <p:transition spd="slow">
-        <p:dissolve/>
-      </p:transition>
-    </mc:Fallback>
-  </mc:AlternateContent>
+  <p:transition>
+    <p:dissolve/>
+  </p:transition>
   <p:txStyles>
     <p:titleStyle>
       <a:lvl1pPr algn="l" defTabSz="914400" rtl="0" eaLnBrk="1" latinLnBrk="0" hangingPunct="1">
@@ -3126,6 +3020,14 @@
 <file path=ppt/slides/slide1.xml><?xml version="1.0" encoding="utf-8"?>
 <p:sld xmlns:a="http://schemas.openxmlformats.org/drawingml/2006/main" xmlns:r="http://schemas.openxmlformats.org/officeDocument/2006/relationships" xmlns:p="http://schemas.openxmlformats.org/presentationml/2006/main">
   <p:cSld>
+    <p:bg>
+      <p:bgPr>
+        <a:solidFill>
+          <a:schemeClr val="tx1"/>
+        </a:solidFill>
+        <a:effectLst/>
+      </p:bgPr>
+    </p:bg>
     <p:spTree>
       <p:nvGrpSpPr>
         <p:cNvPr id="1" name=""/>
@@ -3150,20 +3052,11 @@
             <p:ph type="title"/>
           </p:nvPr>
         </p:nvSpPr>
-        <p:spPr>
-          <a:xfrm>
-            <a:off x="2314575" y="391004"/>
-            <a:ext cx="10515600" cy="1325563"/>
-          </a:xfrm>
-        </p:spPr>
+        <p:spPr/>
         <p:txBody>
           <a:bodyPr/>
           <a:lstStyle/>
           <a:p>
-            <a:r>
-              <a:rPr lang="bg-BG" dirty="0" smtClean="0"/>
-              <a:t>Речник</a:t>
-            </a:r>
             <a:endParaRPr lang="bg-BG" dirty="0"/>
           </a:p>
         </p:txBody>
@@ -3178,201 +3071,28 @@
             <p:ph idx="1"/>
           </p:nvPr>
         </p:nvSpPr>
-        <p:spPr>
-          <a:xfrm>
-            <a:off x="2324100" y="1851504"/>
-            <a:ext cx="9269802" cy="4351338"/>
-          </a:xfrm>
-        </p:spPr>
+        <p:spPr/>
         <p:txBody>
           <a:bodyPr/>
           <a:lstStyle/>
           <a:p>
-            <a:pPr algn="just"/>
-            <a:r>
-              <a:rPr lang="bg-BG" b="1" dirty="0" smtClean="0"/>
-              <a:t>Алгоритъм </a:t>
-            </a:r>
-            <a:r>
-              <a:rPr lang="bg-BG" dirty="0" smtClean="0"/>
-              <a:t>– поредица от стъпки</a:t>
-            </a:r>
-          </a:p>
-          <a:p>
-            <a:pPr algn="just"/>
-            <a:r>
-              <a:rPr lang="bg-BG" b="1" dirty="0" smtClean="0"/>
-              <a:t>Код </a:t>
-            </a:r>
-            <a:r>
-              <a:rPr lang="bg-BG" dirty="0" smtClean="0"/>
-              <a:t>– </a:t>
-            </a:r>
-            <a:r>
-              <a:rPr lang="bg-BG" i="1" dirty="0" smtClean="0"/>
-              <a:t>Алгоритъм</a:t>
-            </a:r>
-            <a:r>
-              <a:rPr lang="bg-BG" dirty="0" smtClean="0"/>
-              <a:t>, записан в текстов файл на език за програмиране</a:t>
-            </a:r>
-            <a:endParaRPr lang="bg-BG" b="1" dirty="0" smtClean="0"/>
-          </a:p>
-          <a:p>
-            <a:pPr algn="just"/>
-            <a:r>
-              <a:rPr lang="bg-BG" b="1" dirty="0" smtClean="0"/>
-              <a:t>Променлива </a:t>
-            </a:r>
-            <a:r>
-              <a:rPr lang="bg-BG" dirty="0" smtClean="0"/>
-              <a:t>– стойност с име</a:t>
-            </a:r>
-            <a:endParaRPr lang="bg-BG" b="1" dirty="0"/>
-          </a:p>
-        </p:txBody>
-      </p:sp>
-      <p:pic>
-        <p:nvPicPr>
-          <p:cNvPr id="4" name="Picture 3"/>
-          <p:cNvPicPr>
-            <a:picLocks noChangeAspect="1"/>
-          </p:cNvPicPr>
-          <p:nvPr/>
-        </p:nvPicPr>
-        <p:blipFill>
-          <a:blip r:embed="rId2" cstate="print">
-            <a:extLst>
-              <a:ext uri="{BEBA8EAE-BF5A-486C-A8C5-ECC9F3942E4B}">
-                <a14:imgProps xmlns:a14="http://schemas.microsoft.com/office/drawing/2010/main">
-                  <a14:imgLayer r:embed="rId3">
-                    <a14:imgEffect>
-                      <a14:backgroundRemoval t="0" b="100000" l="10000" r="90000">
-                        <a14:foregroundMark x1="59277" y1="68605" x2="61325" y2="85271"/>
-                        <a14:foregroundMark x1="64819" y1="62791" x2="67952" y2="81589"/>
-                        <a14:foregroundMark x1="75301" y1="48643" x2="80361" y2="68605"/>
-                        <a14:foregroundMark x1="82048" y1="46899" x2="82892" y2="67248"/>
-                        <a14:foregroundMark x1="84337" y1="45930" x2="85422" y2="50969"/>
-                        <a14:foregroundMark x1="85663" y1="50581" x2="86747" y2="44767"/>
-                      </a14:backgroundRemoval>
-                    </a14:imgEffect>
-                  </a14:imgLayer>
-                </a14:imgProps>
-              </a:ext>
-              <a:ext uri="{28A0092B-C50C-407E-A947-70E740481C1C}">
-                <a14:useLocalDpi xmlns:a14="http://schemas.microsoft.com/office/drawing/2010/main" val="0"/>
-              </a:ext>
-            </a:extLst>
-          </a:blip>
-          <a:stretch>
-            <a:fillRect/>
-          </a:stretch>
-        </p:blipFill>
-        <p:spPr>
-          <a:xfrm rot="1693641">
-            <a:off x="7902746" y="4070841"/>
-            <a:ext cx="3393983" cy="2109994"/>
-          </a:xfrm>
-          <a:prstGeom prst="rect">
-            <a:avLst/>
-          </a:prstGeom>
-          <a:ln>
-            <a:noFill/>
-          </a:ln>
-          <a:effectLst>
-            <a:outerShdw blurRad="292100" dist="139700" dir="2700000" algn="tl" rotWithShape="0">
-              <a:srgbClr val="333333">
-                <a:alpha val="65000"/>
-              </a:srgbClr>
-            </a:outerShdw>
-          </a:effectLst>
-        </p:spPr>
-      </p:pic>
-      <p:pic>
-        <p:nvPicPr>
-          <p:cNvPr id="1026" name="Picture 2" descr="Google Code Icons - Code Icon Png Clipart (#1385368) - PinClipart"/>
-          <p:cNvPicPr>
-            <a:picLocks noChangeAspect="1" noChangeArrowheads="1"/>
-          </p:cNvPicPr>
-          <p:nvPr/>
-        </p:nvPicPr>
-        <p:blipFill>
-          <a:blip r:embed="rId4" cstate="print">
-            <a:extLst>
-              <a:ext uri="{BEBA8EAE-BF5A-486C-A8C5-ECC9F3942E4B}">
-                <a14:imgProps xmlns:a14="http://schemas.microsoft.com/office/drawing/2010/main">
-                  <a14:imgLayer r:embed="rId5">
-                    <a14:imgEffect>
-                      <a14:backgroundRemoval t="2211" b="96314" l="2500" r="97614">
-                        <a14:foregroundMark x1="23068" y1="48034" x2="23068" y2="48034"/>
-                        <a14:foregroundMark x1="52159" y1="43366" x2="52159" y2="43366"/>
-                        <a14:foregroundMark x1="70114" y1="44595" x2="70114" y2="44595"/>
-                      </a14:backgroundRemoval>
-                    </a14:imgEffect>
-                  </a14:imgLayer>
-                </a14:imgProps>
-              </a:ext>
-              <a:ext uri="{28A0092B-C50C-407E-A947-70E740481C1C}">
-                <a14:useLocalDpi xmlns:a14="http://schemas.microsoft.com/office/drawing/2010/main" val="0"/>
-              </a:ext>
-            </a:extLst>
-          </a:blip>
-          <a:srcRect/>
-          <a:stretch>
-            <a:fillRect/>
-          </a:stretch>
-        </p:blipFill>
-        <p:spPr bwMode="auto">
-          <a:xfrm rot="1185757">
-            <a:off x="3310080" y="4494843"/>
-            <a:ext cx="1727500" cy="1597938"/>
-          </a:xfrm>
-          <a:prstGeom prst="rect">
-            <a:avLst/>
-          </a:prstGeom>
-          <a:ln>
-            <a:noFill/>
-          </a:ln>
-          <a:effectLst>
-            <a:outerShdw blurRad="292100" dist="139700" dir="2700000" algn="tl" rotWithShape="0">
-              <a:srgbClr val="333333">
-                <a:alpha val="65000"/>
-              </a:srgbClr>
-            </a:outerShdw>
-          </a:effectLst>
-          <a:extLst>
-            <a:ext uri="{909E8E84-426E-40DD-AFC4-6F175D3DCCD1}">
-              <a14:hiddenFill xmlns:a14="http://schemas.microsoft.com/office/drawing/2010/main">
-                <a:solidFill>
-                  <a:srgbClr val="FFFFFF"/>
-                </a:solidFill>
-              </a14:hiddenFill>
-            </a:ext>
-          </a:extLst>
-        </p:spPr>
-      </p:pic>
+            <a:endParaRPr lang="bg-BG"/>
+          </a:p>
+        </p:txBody>
+      </p:sp>
     </p:spTree>
     <p:extLst>
       <p:ext uri="{BB962C8B-B14F-4D97-AF65-F5344CB8AC3E}">
-        <p14:creationId xmlns:p14="http://schemas.microsoft.com/office/powerpoint/2010/main" val="982441980"/>
+        <p14:creationId xmlns:p14="http://schemas.microsoft.com/office/powerpoint/2010/main" val="996779476"/>
       </p:ext>
     </p:extLst>
   </p:cSld>
   <p:clrMapOvr>
     <a:masterClrMapping/>
   </p:clrMapOvr>
-  <mc:AlternateContent xmlns:mc="http://schemas.openxmlformats.org/markup-compatibility/2006" xmlns:p14="http://schemas.microsoft.com/office/powerpoint/2010/main">
-    <mc:Choice Requires="p14">
-      <p:transition spd="slow" p14:dur="1200">
-        <p:dissolve/>
-      </p:transition>
-    </mc:Choice>
-    <mc:Fallback xmlns="">
-      <p:transition spd="slow">
-        <p:dissolve/>
-      </p:transition>
-    </mc:Fallback>
-  </mc:AlternateContent>
+  <p:transition>
+    <p:dissolve/>
+  </p:transition>
   <p:timing>
     <p:tnLst>
       <p:par>
@@ -3433,25 +3153,16 @@
     </p:spTree>
     <p:extLst>
       <p:ext uri="{BB962C8B-B14F-4D97-AF65-F5344CB8AC3E}">
-        <p14:creationId xmlns:p14="http://schemas.microsoft.com/office/powerpoint/2010/main" val="4023354032"/>
+        <p14:creationId xmlns:p14="http://schemas.microsoft.com/office/powerpoint/2010/main" val="3135747298"/>
       </p:ext>
     </p:extLst>
   </p:cSld>
   <p:clrMapOvr>
     <a:masterClrMapping/>
   </p:clrMapOvr>
-  <mc:AlternateContent xmlns:mc="http://schemas.openxmlformats.org/markup-compatibility/2006" xmlns:p14="http://schemas.microsoft.com/office/powerpoint/2010/main">
-    <mc:Choice Requires="p14">
-      <p:transition spd="slow" p14:dur="1200">
-        <p:dissolve/>
-      </p:transition>
-    </mc:Choice>
-    <mc:Fallback xmlns="">
-      <p:transition spd="slow">
-        <p:dissolve/>
-      </p:transition>
-    </mc:Fallback>
-  </mc:AlternateContent>
+  <p:transition>
+    <p:dissolve/>
+  </p:transition>
   <p:timing>
     <p:tnLst>
       <p:par>
@@ -3614,362 +3325,41 @@
           <a:lstStyle/>
           <a:p>
             <a:r>
-              <a:rPr lang="en-US" dirty="0" smtClean="0"/>
-              <a:t>If </a:t>
-            </a:r>
-            <a:r>
               <a:rPr lang="bg-BG" dirty="0" smtClean="0"/>
-              <a:t>и </a:t>
-            </a:r>
-            <a:r>
-              <a:rPr lang="en-US" dirty="0" smtClean="0"/>
-              <a:t>Else – </a:t>
-            </a:r>
-            <a:r>
-              <a:rPr lang="bg-BG" dirty="0" smtClean="0"/>
-              <a:t>Ак</a:t>
-            </a:r>
-            <a:r>
-              <a:rPr lang="bg-BG" dirty="0" smtClean="0"/>
-              <a:t>о и иначе</a:t>
+              <a:t>Оператори</a:t>
             </a:r>
             <a:endParaRPr lang="bg-BG" dirty="0"/>
-          </a:p>
-        </p:txBody>
-      </p:sp>
-      <p:sp>
-        <p:nvSpPr>
-          <p:cNvPr id="5" name="TextBox 4"/>
-          <p:cNvSpPr txBox="1"/>
-          <p:nvPr/>
-        </p:nvSpPr>
-        <p:spPr>
-          <a:xfrm>
-            <a:off x="2193805" y="1828800"/>
-            <a:ext cx="6070300" cy="3416320"/>
-          </a:xfrm>
-          <a:prstGeom prst="rect">
-            <a:avLst/>
-          </a:prstGeom>
-          <a:solidFill>
-            <a:schemeClr val="bg1">
-              <a:lumMod val="95000"/>
-            </a:schemeClr>
-          </a:solidFill>
-          <a:ln>
-            <a:solidFill>
-              <a:schemeClr val="tx1"/>
-            </a:solidFill>
-          </a:ln>
-        </p:spPr>
-        <p:txBody>
-          <a:bodyPr wrap="square" rtlCol="0">
-            <a:spAutoFit/>
-          </a:bodyPr>
-          <a:lstStyle/>
-          <a:p>
-            <a:r>
-              <a:rPr lang="en-US" sz="2400" b="1" dirty="0" err="1" smtClean="0">
-                <a:solidFill>
-                  <a:srgbClr val="0070C0"/>
-                </a:solidFill>
-              </a:rPr>
-              <a:t>boolean</a:t>
-            </a:r>
-            <a:r>
-              <a:rPr lang="en-US" sz="2400" dirty="0" smtClean="0"/>
-              <a:t> bool </a:t>
-            </a:r>
-            <a:r>
-              <a:rPr lang="en-US" sz="2400" dirty="0" smtClean="0">
-                <a:solidFill>
-                  <a:srgbClr val="FF0000"/>
-                </a:solidFill>
-              </a:rPr>
-              <a:t>=</a:t>
-            </a:r>
-            <a:r>
-              <a:rPr lang="en-US" sz="2400" dirty="0" smtClean="0"/>
-              <a:t> </a:t>
-            </a:r>
-            <a:r>
-              <a:rPr lang="en-US" sz="2400" b="1" dirty="0" smtClean="0">
-                <a:solidFill>
-                  <a:srgbClr val="0070C0"/>
-                </a:solidFill>
-              </a:rPr>
-              <a:t>true</a:t>
-            </a:r>
-            <a:r>
-              <a:rPr lang="en-US" sz="2400" dirty="0" smtClean="0">
-                <a:solidFill>
-                  <a:srgbClr val="FF0000"/>
-                </a:solidFill>
-              </a:rPr>
-              <a:t>;</a:t>
-            </a:r>
-            <a:endParaRPr lang="bg-BG" sz="2400" dirty="0" smtClean="0">
-              <a:solidFill>
-                <a:srgbClr val="FF0000"/>
-              </a:solidFill>
-            </a:endParaRPr>
-          </a:p>
-          <a:p>
-            <a:endParaRPr lang="en-US" sz="2400" dirty="0" smtClean="0"/>
-          </a:p>
-          <a:p>
-            <a:r>
-              <a:rPr lang="en-US" sz="2400" dirty="0" smtClean="0"/>
-              <a:t>…</a:t>
-            </a:r>
-            <a:endParaRPr lang="en-US" sz="2400" dirty="0"/>
-          </a:p>
-          <a:p>
-            <a:endParaRPr lang="bg-BG" sz="2400" dirty="0"/>
-          </a:p>
-          <a:p>
-            <a:r>
-              <a:rPr lang="en-US" sz="2400" b="1" dirty="0" smtClean="0">
-                <a:solidFill>
-                  <a:srgbClr val="0070C0"/>
-                </a:solidFill>
-              </a:rPr>
-              <a:t>If</a:t>
-            </a:r>
-            <a:r>
-              <a:rPr lang="en-US" sz="2400" dirty="0" smtClean="0"/>
-              <a:t> (</a:t>
-            </a:r>
-            <a:r>
-              <a:rPr lang="en-US" sz="2400" i="1" dirty="0" smtClean="0"/>
-              <a:t>bool</a:t>
-            </a:r>
-            <a:r>
-              <a:rPr lang="en-US" sz="2400" dirty="0" smtClean="0"/>
-              <a:t>) </a:t>
-            </a:r>
-            <a:r>
-              <a:rPr lang="en-US" sz="2400" dirty="0" smtClean="0">
-                <a:solidFill>
-                  <a:srgbClr val="FF0000"/>
-                </a:solidFill>
-              </a:rPr>
-              <a:t>{</a:t>
-            </a:r>
-          </a:p>
-          <a:p>
-            <a:r>
-              <a:rPr lang="en-US" sz="2400" dirty="0" smtClean="0"/>
-              <a:t>	</a:t>
-            </a:r>
-            <a:r>
-              <a:rPr lang="en-US" sz="2400" dirty="0" smtClean="0">
-                <a:solidFill>
-                  <a:srgbClr val="00B050"/>
-                </a:solidFill>
-              </a:rPr>
-              <a:t>//</a:t>
-            </a:r>
-            <a:r>
-              <a:rPr lang="bg-BG" sz="2400" dirty="0" smtClean="0">
-                <a:solidFill>
-                  <a:srgbClr val="00B050"/>
-                </a:solidFill>
-              </a:rPr>
-              <a:t>код, изпълняван ако </a:t>
-            </a:r>
-            <a:r>
-              <a:rPr lang="en-US" sz="2400" dirty="0" smtClean="0">
-                <a:solidFill>
-                  <a:srgbClr val="00B050"/>
-                </a:solidFill>
-              </a:rPr>
-              <a:t>bool</a:t>
-            </a:r>
-            <a:r>
-              <a:rPr lang="bg-BG" sz="2400" dirty="0" smtClean="0">
-                <a:solidFill>
-                  <a:srgbClr val="00B050"/>
-                </a:solidFill>
-              </a:rPr>
-              <a:t> == </a:t>
-            </a:r>
-            <a:r>
-              <a:rPr lang="en-US" sz="2400" dirty="0" smtClean="0">
-                <a:solidFill>
-                  <a:srgbClr val="00B050"/>
-                </a:solidFill>
-              </a:rPr>
-              <a:t>true</a:t>
-            </a:r>
-            <a:endParaRPr lang="en-US" sz="2400" dirty="0" smtClean="0">
-              <a:solidFill>
-                <a:srgbClr val="00B050"/>
-              </a:solidFill>
-            </a:endParaRPr>
-          </a:p>
-          <a:p>
-            <a:r>
-              <a:rPr lang="en-US" sz="2400" dirty="0" smtClean="0">
-                <a:solidFill>
-                  <a:srgbClr val="FF0000"/>
-                </a:solidFill>
-              </a:rPr>
-              <a:t>}</a:t>
-            </a:r>
-            <a:r>
-              <a:rPr lang="en-US" sz="2400" dirty="0"/>
-              <a:t> </a:t>
-            </a:r>
-            <a:r>
-              <a:rPr lang="en-US" sz="2400" b="1" dirty="0" smtClean="0">
-                <a:solidFill>
-                  <a:srgbClr val="0070C0"/>
-                </a:solidFill>
-              </a:rPr>
-              <a:t>else</a:t>
-            </a:r>
-            <a:r>
-              <a:rPr lang="en-US" sz="2400" dirty="0" smtClean="0"/>
-              <a:t> </a:t>
-            </a:r>
-            <a:r>
-              <a:rPr lang="en-US" sz="2400" dirty="0" smtClean="0">
-                <a:solidFill>
-                  <a:srgbClr val="FF0000"/>
-                </a:solidFill>
-              </a:rPr>
-              <a:t>{</a:t>
-            </a:r>
-          </a:p>
-          <a:p>
-            <a:r>
-              <a:rPr lang="en-US" sz="2400" dirty="0" smtClean="0"/>
-              <a:t>	</a:t>
-            </a:r>
-            <a:r>
-              <a:rPr lang="en-US" sz="2400" dirty="0" smtClean="0">
-                <a:solidFill>
-                  <a:srgbClr val="00B050"/>
-                </a:solidFill>
-              </a:rPr>
-              <a:t>//</a:t>
-            </a:r>
-            <a:r>
-              <a:rPr lang="bg-BG" sz="2400" dirty="0" smtClean="0">
-                <a:solidFill>
-                  <a:srgbClr val="00B050"/>
-                </a:solidFill>
-              </a:rPr>
-              <a:t>код, изпълняван ако </a:t>
-            </a:r>
-            <a:r>
-              <a:rPr lang="en-US" sz="2400" dirty="0" smtClean="0">
-                <a:solidFill>
-                  <a:srgbClr val="00B050"/>
-                </a:solidFill>
-              </a:rPr>
-              <a:t>bool </a:t>
-            </a:r>
-            <a:r>
-              <a:rPr lang="en-US" sz="2400" dirty="0" smtClean="0">
-                <a:solidFill>
-                  <a:srgbClr val="00B050"/>
-                </a:solidFill>
-              </a:rPr>
-              <a:t>==</a:t>
-            </a:r>
-            <a:r>
-              <a:rPr lang="bg-BG" sz="2400" dirty="0" smtClean="0">
-                <a:solidFill>
-                  <a:srgbClr val="00B050"/>
-                </a:solidFill>
-              </a:rPr>
-              <a:t> </a:t>
-            </a:r>
-            <a:r>
-              <a:rPr lang="en-US" sz="2400" dirty="0" smtClean="0">
-                <a:solidFill>
-                  <a:srgbClr val="00B050"/>
-                </a:solidFill>
-              </a:rPr>
-              <a:t>false</a:t>
-            </a:r>
-            <a:endParaRPr lang="en-US" sz="2400" dirty="0">
-              <a:solidFill>
-                <a:srgbClr val="00B050"/>
-              </a:solidFill>
-            </a:endParaRPr>
-          </a:p>
-          <a:p>
-            <a:r>
-              <a:rPr lang="en-US" sz="2400" dirty="0" smtClean="0">
-                <a:solidFill>
-                  <a:srgbClr val="FF0000"/>
-                </a:solidFill>
-              </a:rPr>
-              <a:t>}</a:t>
-            </a:r>
-            <a:endParaRPr lang="bg-BG" sz="2400" dirty="0">
-              <a:solidFill>
-                <a:srgbClr val="FF0000"/>
-              </a:solidFill>
-            </a:endParaRPr>
           </a:p>
         </p:txBody>
       </p:sp>
       <p:pic>
         <p:nvPicPr>
-          <p:cNvPr id="6" name="Picture 2" descr="Scratch Decisions"/>
+          <p:cNvPr id="4" name="Picture 2" descr="Java Beginners Tutorials #13 Operators and Precedence in Java - YouTube"/>
           <p:cNvPicPr>
             <a:picLocks noChangeAspect="1" noChangeArrowheads="1"/>
           </p:cNvPicPr>
           <p:nvPr/>
         </p:nvPicPr>
-        <p:blipFill>
+        <p:blipFill rotWithShape="1">
           <a:blip r:embed="rId2">
             <a:extLst>
-              <a:ext uri="{BEBA8EAE-BF5A-486C-A8C5-ECC9F3942E4B}">
-                <a14:imgProps xmlns:a14="http://schemas.microsoft.com/office/drawing/2010/main">
-                  <a14:imgLayer r:embed="rId3">
-                    <a14:imgEffect>
-                      <a14:backgroundRemoval t="0" b="100000" l="0" r="100000">
-                        <a14:foregroundMark x1="9048" y1="14198" x2="86190" y2="17901"/>
-                        <a14:foregroundMark x1="4762" y1="44444" x2="10476" y2="58025"/>
-                        <a14:foregroundMark x1="14286" y1="53704" x2="34762" y2="54321"/>
-                      </a14:backgroundRemoval>
-                    </a14:imgEffect>
-                  </a14:imgLayer>
-                </a14:imgProps>
-              </a:ext>
               <a:ext uri="{28A0092B-C50C-407E-A947-70E740481C1C}">
                 <a14:useLocalDpi xmlns:a14="http://schemas.microsoft.com/office/drawing/2010/main" val="0"/>
               </a:ext>
             </a:extLst>
           </a:blip>
-          <a:srcRect/>
-          <a:stretch>
-            <a:fillRect/>
-          </a:stretch>
+          <a:srcRect t="46540" b="26184"/>
+          <a:stretch/>
         </p:blipFill>
         <p:spPr bwMode="auto">
           <a:xfrm>
-            <a:off x="8666030" y="2401283"/>
-            <a:ext cx="2944346" cy="2271354"/>
+            <a:off x="2138696" y="1621677"/>
+            <a:ext cx="9727116" cy="1492370"/>
           </a:xfrm>
           <a:prstGeom prst="rect">
             <a:avLst/>
           </a:prstGeom>
-          <a:ln>
-            <a:noFill/>
-          </a:ln>
-          <a:effectLst>
-            <a:outerShdw blurRad="292100" dist="139700" dir="2700000" algn="tl" rotWithShape="0">
-              <a:srgbClr val="333333">
-                <a:alpha val="65000"/>
-              </a:srgbClr>
-            </a:outerShdw>
-          </a:effectLst>
+          <a:noFill/>
           <a:extLst>
             <a:ext uri="{909E8E84-426E-40DD-AFC4-6F175D3DCCD1}">
               <a14:hiddenFill xmlns:a14="http://schemas.microsoft.com/office/drawing/2010/main">
@@ -3981,28 +3371,79 @@
           </a:extLst>
         </p:spPr>
       </p:pic>
+      <p:pic>
+        <p:nvPicPr>
+          <p:cNvPr id="5" name="Picture 4"/>
+          <p:cNvPicPr>
+            <a:picLocks noChangeAspect="1"/>
+          </p:cNvPicPr>
+          <p:nvPr/>
+        </p:nvPicPr>
+        <p:blipFill>
+          <a:blip r:embed="rId3">
+            <a:extLst>
+              <a:ext uri="{28A0092B-C50C-407E-A947-70E740481C1C}">
+                <a14:useLocalDpi xmlns:a14="http://schemas.microsoft.com/office/drawing/2010/main" val="0"/>
+              </a:ext>
+            </a:extLst>
+          </a:blip>
+          <a:stretch>
+            <a:fillRect/>
+          </a:stretch>
+        </p:blipFill>
+        <p:spPr>
+          <a:xfrm>
+            <a:off x="2439871" y="3585296"/>
+            <a:ext cx="4150710" cy="2463647"/>
+          </a:xfrm>
+          <a:prstGeom prst="rect">
+            <a:avLst/>
+          </a:prstGeom>
+        </p:spPr>
+      </p:pic>
+      <p:pic>
+        <p:nvPicPr>
+          <p:cNvPr id="6" name="Picture 5"/>
+          <p:cNvPicPr>
+            <a:picLocks noChangeAspect="1"/>
+          </p:cNvPicPr>
+          <p:nvPr/>
+        </p:nvPicPr>
+        <p:blipFill>
+          <a:blip r:embed="rId4">
+            <a:extLst>
+              <a:ext uri="{28A0092B-C50C-407E-A947-70E740481C1C}">
+                <a14:useLocalDpi xmlns:a14="http://schemas.microsoft.com/office/drawing/2010/main" val="0"/>
+              </a:ext>
+            </a:extLst>
+          </a:blip>
+          <a:stretch>
+            <a:fillRect/>
+          </a:stretch>
+        </p:blipFill>
+        <p:spPr>
+          <a:xfrm>
+            <a:off x="7248946" y="3585296"/>
+            <a:ext cx="4140845" cy="2457792"/>
+          </a:xfrm>
+          <a:prstGeom prst="rect">
+            <a:avLst/>
+          </a:prstGeom>
+        </p:spPr>
+      </p:pic>
     </p:spTree>
     <p:extLst>
       <p:ext uri="{BB962C8B-B14F-4D97-AF65-F5344CB8AC3E}">
-        <p14:creationId xmlns:p14="http://schemas.microsoft.com/office/powerpoint/2010/main" val="217451944"/>
+        <p14:creationId xmlns:p14="http://schemas.microsoft.com/office/powerpoint/2010/main" val="2041450013"/>
       </p:ext>
     </p:extLst>
   </p:cSld>
   <p:clrMapOvr>
     <a:masterClrMapping/>
   </p:clrMapOvr>
-  <mc:AlternateContent xmlns:mc="http://schemas.openxmlformats.org/markup-compatibility/2006" xmlns:p14="http://schemas.microsoft.com/office/powerpoint/2010/main">
-    <mc:Choice Requires="p14">
-      <p:transition spd="slow" p14:dur="1200">
-        <p:dissolve/>
-      </p:transition>
-    </mc:Choice>
-    <mc:Fallback xmlns="">
-      <p:transition spd="slow">
-        <p:dissolve/>
-      </p:transition>
-    </mc:Fallback>
-  </mc:AlternateContent>
+  <p:transition>
+    <p:dissolve/>
+  </p:transition>
   <p:timing>
     <p:tnLst>
       <p:par>
@@ -4063,25 +3504,16 @@
     </p:spTree>
     <p:extLst>
       <p:ext uri="{BB962C8B-B14F-4D97-AF65-F5344CB8AC3E}">
-        <p14:creationId xmlns:p14="http://schemas.microsoft.com/office/powerpoint/2010/main" val="2151158472"/>
+        <p14:creationId xmlns:p14="http://schemas.microsoft.com/office/powerpoint/2010/main" val="4023354032"/>
       </p:ext>
     </p:extLst>
   </p:cSld>
   <p:clrMapOvr>
     <a:masterClrMapping/>
   </p:clrMapOvr>
-  <mc:AlternateContent xmlns:mc="http://schemas.openxmlformats.org/markup-compatibility/2006" xmlns:p14="http://schemas.microsoft.com/office/powerpoint/2010/main">
-    <mc:Choice Requires="p14">
-      <p:transition spd="slow" p14:dur="1200">
-        <p:dissolve/>
-      </p:transition>
-    </mc:Choice>
-    <mc:Fallback xmlns="">
-      <p:transition spd="slow">
-        <p:dissolve/>
-      </p:transition>
-    </mc:Fallback>
-  </mc:AlternateContent>
+  <p:transition>
+    <p:dissolve/>
+  </p:transition>
   <p:timing>
     <p:tnLst>
       <p:par>
@@ -4244,36 +3676,331 @@
           <a:lstStyle/>
           <a:p>
             <a:r>
+              <a:rPr lang="en-US" dirty="0" smtClean="0"/>
+              <a:t>If </a:t>
+            </a:r>
+            <a:r>
               <a:rPr lang="bg-BG" dirty="0" smtClean="0"/>
-              <a:t>Кога има дъга?</a:t>
+              <a:t>и </a:t>
+            </a:r>
+            <a:r>
+              <a:rPr lang="en-US" dirty="0" smtClean="0"/>
+              <a:t>Else – </a:t>
+            </a:r>
+            <a:r>
+              <a:rPr lang="bg-BG" dirty="0" smtClean="0"/>
+              <a:t>Ако и иначе</a:t>
             </a:r>
             <a:endParaRPr lang="bg-BG" dirty="0"/>
+          </a:p>
+        </p:txBody>
+      </p:sp>
+      <p:sp>
+        <p:nvSpPr>
+          <p:cNvPr id="5" name="TextBox 4"/>
+          <p:cNvSpPr txBox="1"/>
+          <p:nvPr/>
+        </p:nvSpPr>
+        <p:spPr>
+          <a:xfrm>
+            <a:off x="2193805" y="1828800"/>
+            <a:ext cx="6070300" cy="3416320"/>
+          </a:xfrm>
+          <a:prstGeom prst="rect">
+            <a:avLst/>
+          </a:prstGeom>
+          <a:solidFill>
+            <a:schemeClr val="bg1">
+              <a:lumMod val="95000"/>
+            </a:schemeClr>
+          </a:solidFill>
+          <a:ln>
+            <a:solidFill>
+              <a:schemeClr val="tx1"/>
+            </a:solidFill>
+          </a:ln>
+        </p:spPr>
+        <p:txBody>
+          <a:bodyPr wrap="square" rtlCol="0">
+            <a:spAutoFit/>
+          </a:bodyPr>
+          <a:lstStyle/>
+          <a:p>
+            <a:r>
+              <a:rPr lang="en-US" sz="2400" b="1" dirty="0" err="1" smtClean="0">
+                <a:solidFill>
+                  <a:srgbClr val="0070C0"/>
+                </a:solidFill>
+              </a:rPr>
+              <a:t>boolean</a:t>
+            </a:r>
+            <a:r>
+              <a:rPr lang="en-US" sz="2400" dirty="0" smtClean="0"/>
+              <a:t> bool </a:t>
+            </a:r>
+            <a:r>
+              <a:rPr lang="en-US" sz="2400" dirty="0" smtClean="0">
+                <a:solidFill>
+                  <a:srgbClr val="FF0000"/>
+                </a:solidFill>
+              </a:rPr>
+              <a:t>=</a:t>
+            </a:r>
+            <a:r>
+              <a:rPr lang="en-US" sz="2400" dirty="0" smtClean="0"/>
+              <a:t> </a:t>
+            </a:r>
+            <a:r>
+              <a:rPr lang="en-US" sz="2400" b="1" dirty="0" smtClean="0">
+                <a:solidFill>
+                  <a:srgbClr val="0070C0"/>
+                </a:solidFill>
+              </a:rPr>
+              <a:t>true</a:t>
+            </a:r>
+            <a:r>
+              <a:rPr lang="en-US" sz="2400" dirty="0" smtClean="0">
+                <a:solidFill>
+                  <a:srgbClr val="FF0000"/>
+                </a:solidFill>
+              </a:rPr>
+              <a:t>;</a:t>
+            </a:r>
+            <a:endParaRPr lang="bg-BG" sz="2400" dirty="0" smtClean="0">
+              <a:solidFill>
+                <a:srgbClr val="FF0000"/>
+              </a:solidFill>
+            </a:endParaRPr>
+          </a:p>
+          <a:p>
+            <a:endParaRPr lang="en-US" sz="2400" dirty="0" smtClean="0"/>
+          </a:p>
+          <a:p>
+            <a:r>
+              <a:rPr lang="en-US" sz="2400" dirty="0" smtClean="0"/>
+              <a:t>…</a:t>
+            </a:r>
+            <a:endParaRPr lang="en-US" sz="2400" dirty="0"/>
+          </a:p>
+          <a:p>
+            <a:endParaRPr lang="bg-BG" sz="2400" dirty="0"/>
+          </a:p>
+          <a:p>
+            <a:r>
+              <a:rPr lang="en-US" sz="2400" b="1" dirty="0" smtClean="0">
+                <a:solidFill>
+                  <a:srgbClr val="0070C0"/>
+                </a:solidFill>
+              </a:rPr>
+              <a:t>If</a:t>
+            </a:r>
+            <a:r>
+              <a:rPr lang="en-US" sz="2400" dirty="0" smtClean="0"/>
+              <a:t> (</a:t>
+            </a:r>
+            <a:r>
+              <a:rPr lang="en-US" sz="2400" i="1" dirty="0" smtClean="0"/>
+              <a:t>bool</a:t>
+            </a:r>
+            <a:r>
+              <a:rPr lang="en-US" sz="2400" dirty="0" smtClean="0"/>
+              <a:t>) </a:t>
+            </a:r>
+            <a:r>
+              <a:rPr lang="en-US" sz="2400" dirty="0" smtClean="0">
+                <a:solidFill>
+                  <a:srgbClr val="FF0000"/>
+                </a:solidFill>
+              </a:rPr>
+              <a:t>{</a:t>
+            </a:r>
+          </a:p>
+          <a:p>
+            <a:r>
+              <a:rPr lang="en-US" sz="2400" dirty="0" smtClean="0"/>
+              <a:t>	</a:t>
+            </a:r>
+            <a:r>
+              <a:rPr lang="en-US" sz="2400" dirty="0" smtClean="0">
+                <a:solidFill>
+                  <a:srgbClr val="00B050"/>
+                </a:solidFill>
+              </a:rPr>
+              <a:t>//</a:t>
+            </a:r>
+            <a:r>
+              <a:rPr lang="bg-BG" sz="2400" dirty="0" smtClean="0">
+                <a:solidFill>
+                  <a:srgbClr val="00B050"/>
+                </a:solidFill>
+              </a:rPr>
+              <a:t>код, изпълняван ако </a:t>
+            </a:r>
+            <a:r>
+              <a:rPr lang="en-US" sz="2400" dirty="0" smtClean="0">
+                <a:solidFill>
+                  <a:srgbClr val="00B050"/>
+                </a:solidFill>
+              </a:rPr>
+              <a:t>bool</a:t>
+            </a:r>
+            <a:r>
+              <a:rPr lang="bg-BG" sz="2400" dirty="0" smtClean="0">
+                <a:solidFill>
+                  <a:srgbClr val="00B050"/>
+                </a:solidFill>
+              </a:rPr>
+              <a:t> == </a:t>
+            </a:r>
+            <a:r>
+              <a:rPr lang="en-US" sz="2400" dirty="0" smtClean="0">
+                <a:solidFill>
+                  <a:srgbClr val="00B050"/>
+                </a:solidFill>
+              </a:rPr>
+              <a:t>true</a:t>
+            </a:r>
+          </a:p>
+          <a:p>
+            <a:r>
+              <a:rPr lang="en-US" sz="2400" dirty="0" smtClean="0">
+                <a:solidFill>
+                  <a:srgbClr val="FF0000"/>
+                </a:solidFill>
+              </a:rPr>
+              <a:t>}</a:t>
+            </a:r>
+            <a:r>
+              <a:rPr lang="en-US" sz="2400" dirty="0"/>
+              <a:t> </a:t>
+            </a:r>
+            <a:r>
+              <a:rPr lang="en-US" sz="2400" b="1" dirty="0" smtClean="0">
+                <a:solidFill>
+                  <a:srgbClr val="0070C0"/>
+                </a:solidFill>
+              </a:rPr>
+              <a:t>else</a:t>
+            </a:r>
+            <a:r>
+              <a:rPr lang="en-US" sz="2400" dirty="0" smtClean="0"/>
+              <a:t> </a:t>
+            </a:r>
+            <a:r>
+              <a:rPr lang="en-US" sz="2400" dirty="0" smtClean="0">
+                <a:solidFill>
+                  <a:srgbClr val="FF0000"/>
+                </a:solidFill>
+              </a:rPr>
+              <a:t>{</a:t>
+            </a:r>
+          </a:p>
+          <a:p>
+            <a:r>
+              <a:rPr lang="en-US" sz="2400" dirty="0" smtClean="0"/>
+              <a:t>	</a:t>
+            </a:r>
+            <a:r>
+              <a:rPr lang="en-US" sz="2400" dirty="0" smtClean="0">
+                <a:solidFill>
+                  <a:srgbClr val="00B050"/>
+                </a:solidFill>
+              </a:rPr>
+              <a:t>//</a:t>
+            </a:r>
+            <a:r>
+              <a:rPr lang="bg-BG" sz="2400" dirty="0" smtClean="0">
+                <a:solidFill>
+                  <a:srgbClr val="00B050"/>
+                </a:solidFill>
+              </a:rPr>
+              <a:t>код, изпълняван ако </a:t>
+            </a:r>
+            <a:r>
+              <a:rPr lang="en-US" sz="2400" dirty="0" smtClean="0">
+                <a:solidFill>
+                  <a:srgbClr val="00B050"/>
+                </a:solidFill>
+              </a:rPr>
+              <a:t>bool ==</a:t>
+            </a:r>
+            <a:r>
+              <a:rPr lang="bg-BG" sz="2400" dirty="0" smtClean="0">
+                <a:solidFill>
+                  <a:srgbClr val="00B050"/>
+                </a:solidFill>
+              </a:rPr>
+              <a:t> </a:t>
+            </a:r>
+            <a:r>
+              <a:rPr lang="en-US" sz="2400" dirty="0" smtClean="0">
+                <a:solidFill>
+                  <a:srgbClr val="00B050"/>
+                </a:solidFill>
+              </a:rPr>
+              <a:t>false</a:t>
+            </a:r>
+            <a:endParaRPr lang="en-US" sz="2400" dirty="0">
+              <a:solidFill>
+                <a:srgbClr val="00B050"/>
+              </a:solidFill>
+            </a:endParaRPr>
+          </a:p>
+          <a:p>
+            <a:r>
+              <a:rPr lang="en-US" sz="2400" dirty="0" smtClean="0">
+                <a:solidFill>
+                  <a:srgbClr val="FF0000"/>
+                </a:solidFill>
+              </a:rPr>
+              <a:t>}</a:t>
+            </a:r>
+            <a:endParaRPr lang="bg-BG" sz="2400" dirty="0">
+              <a:solidFill>
+                <a:srgbClr val="FF0000"/>
+              </a:solidFill>
+            </a:endParaRPr>
           </a:p>
         </p:txBody>
       </p:sp>
       <p:pic>
         <p:nvPicPr>
-          <p:cNvPr id="4" name="Picture 3"/>
+          <p:cNvPr id="6" name="Picture 2" descr="Scratch Decisions"/>
           <p:cNvPicPr>
-            <a:picLocks noChangeAspect="1"/>
+            <a:picLocks noChangeAspect="1" noChangeArrowheads="1"/>
           </p:cNvPicPr>
           <p:nvPr/>
         </p:nvPicPr>
-        <p:blipFill rotWithShape="1">
+        <p:blipFill>
           <a:blip r:embed="rId2">
             <a:extLst>
+              <a:ext uri="{BEBA8EAE-BF5A-486C-A8C5-ECC9F3942E4B}">
+                <a14:imgProps xmlns:a14="http://schemas.microsoft.com/office/drawing/2010/main">
+                  <a14:imgLayer r:embed="rId3">
+                    <a14:imgEffect>
+                      <a14:backgroundRemoval t="0" b="100000" l="0" r="100000">
+                        <a14:foregroundMark x1="9048" y1="14198" x2="86190" y2="17901"/>
+                        <a14:foregroundMark x1="4762" y1="44444" x2="10476" y2="58025"/>
+                        <a14:foregroundMark x1="14286" y1="53704" x2="34762" y2="54321"/>
+                      </a14:backgroundRemoval>
+                    </a14:imgEffect>
+                  </a14:imgLayer>
+                </a14:imgProps>
+              </a:ext>
               <a:ext uri="{28A0092B-C50C-407E-A947-70E740481C1C}">
                 <a14:useLocalDpi xmlns:a14="http://schemas.microsoft.com/office/drawing/2010/main" val="0"/>
               </a:ext>
             </a:extLst>
           </a:blip>
-          <a:srcRect t="9605" r="46226"/>
-          <a:stretch/>
+          <a:srcRect/>
+          <a:stretch>
+            <a:fillRect/>
+          </a:stretch>
         </p:blipFill>
-        <p:spPr>
+        <p:spPr bwMode="auto">
           <a:xfrm>
-            <a:off x="4201064" y="1526874"/>
-            <a:ext cx="5408762" cy="5114387"/>
+            <a:off x="8666030" y="2401283"/>
+            <a:ext cx="2944346" cy="2271354"/>
           </a:xfrm>
           <a:prstGeom prst="rect">
             <a:avLst/>
@@ -4288,30 +4015,30 @@
               </a:srgbClr>
             </a:outerShdw>
           </a:effectLst>
+          <a:extLst>
+            <a:ext uri="{909E8E84-426E-40DD-AFC4-6F175D3DCCD1}">
+              <a14:hiddenFill xmlns:a14="http://schemas.microsoft.com/office/drawing/2010/main">
+                <a:solidFill>
+                  <a:srgbClr val="FFFFFF"/>
+                </a:solidFill>
+              </a14:hiddenFill>
+            </a:ext>
+          </a:extLst>
         </p:spPr>
       </p:pic>
     </p:spTree>
     <p:extLst>
       <p:ext uri="{BB962C8B-B14F-4D97-AF65-F5344CB8AC3E}">
-        <p14:creationId xmlns:p14="http://schemas.microsoft.com/office/powerpoint/2010/main" val="1622977625"/>
+        <p14:creationId xmlns:p14="http://schemas.microsoft.com/office/powerpoint/2010/main" val="217451944"/>
       </p:ext>
     </p:extLst>
   </p:cSld>
   <p:clrMapOvr>
     <a:masterClrMapping/>
   </p:clrMapOvr>
-  <mc:AlternateContent xmlns:mc="http://schemas.openxmlformats.org/markup-compatibility/2006" xmlns:p14="http://schemas.microsoft.com/office/powerpoint/2010/main">
-    <mc:Choice Requires="p14">
-      <p:transition spd="slow" p14:dur="1200">
-        <p:dissolve/>
-      </p:transition>
-    </mc:Choice>
-    <mc:Fallback xmlns="">
-      <p:transition spd="slow">
-        <p:dissolve/>
-      </p:transition>
-    </mc:Fallback>
-  </mc:AlternateContent>
+  <p:transition>
+    <p:dissolve/>
+  </p:transition>
   <p:timing>
     <p:tnLst>
       <p:par>
@@ -4372,25 +4099,16 @@
     </p:spTree>
     <p:extLst>
       <p:ext uri="{BB962C8B-B14F-4D97-AF65-F5344CB8AC3E}">
-        <p14:creationId xmlns:p14="http://schemas.microsoft.com/office/powerpoint/2010/main" val="1222036392"/>
+        <p14:creationId xmlns:p14="http://schemas.microsoft.com/office/powerpoint/2010/main" val="2151158472"/>
       </p:ext>
     </p:extLst>
   </p:cSld>
   <p:clrMapOvr>
     <a:masterClrMapping/>
   </p:clrMapOvr>
-  <mc:AlternateContent xmlns:mc="http://schemas.openxmlformats.org/markup-compatibility/2006" xmlns:p14="http://schemas.microsoft.com/office/powerpoint/2010/main">
-    <mc:Choice Requires="p14">
-      <p:transition spd="slow" p14:dur="1200">
-        <p:dissolve/>
-      </p:transition>
-    </mc:Choice>
-    <mc:Fallback xmlns="">
-      <p:transition spd="slow">
-        <p:dissolve/>
-      </p:transition>
-    </mc:Fallback>
-  </mc:AlternateContent>
+  <p:transition>
+    <p:dissolve/>
+  </p:transition>
   <p:timing>
     <p:tnLst>
       <p:par>
@@ -4553,405 +4271,72 @@
           <a:lstStyle/>
           <a:p>
             <a:r>
-              <a:rPr lang="en-US" dirty="0" smtClean="0"/>
-              <a:t>Switch – Case - Break</a:t>
+              <a:rPr lang="bg-BG" dirty="0" smtClean="0"/>
+              <a:t>Кога има дъга?</a:t>
             </a:r>
             <a:endParaRPr lang="bg-BG" dirty="0"/>
           </a:p>
         </p:txBody>
       </p:sp>
-      <p:sp>
-        <p:nvSpPr>
-          <p:cNvPr id="4" name="TextBox 3"/>
-          <p:cNvSpPr txBox="1"/>
+      <p:pic>
+        <p:nvPicPr>
+          <p:cNvPr id="4" name="Picture 3"/>
+          <p:cNvPicPr>
+            <a:picLocks noChangeAspect="1"/>
+          </p:cNvPicPr>
           <p:nvPr/>
-        </p:nvSpPr>
+        </p:nvPicPr>
+        <p:blipFill rotWithShape="1">
+          <a:blip r:embed="rId2">
+            <a:extLst>
+              <a:ext uri="{28A0092B-C50C-407E-A947-70E740481C1C}">
+                <a14:useLocalDpi xmlns:a14="http://schemas.microsoft.com/office/drawing/2010/main" val="0"/>
+              </a:ext>
+            </a:extLst>
+          </a:blip>
+          <a:srcRect t="9605" r="46226"/>
+          <a:stretch/>
+        </p:blipFill>
         <p:spPr>
           <a:xfrm>
-            <a:off x="2193805" y="1483744"/>
-            <a:ext cx="9796912" cy="4893647"/>
+            <a:off x="4201064" y="1526874"/>
+            <a:ext cx="5408762" cy="5114387"/>
           </a:xfrm>
           <a:prstGeom prst="rect">
             <a:avLst/>
           </a:prstGeom>
-          <a:solidFill>
-            <a:schemeClr val="bg1">
-              <a:lumMod val="95000"/>
-            </a:schemeClr>
-          </a:solidFill>
           <a:ln>
-            <a:solidFill>
-              <a:schemeClr val="tx1"/>
-            </a:solidFill>
+            <a:noFill/>
           </a:ln>
+          <a:effectLst>
+            <a:outerShdw blurRad="292100" dist="139700" dir="2700000" algn="tl" rotWithShape="0">
+              <a:srgbClr val="333333">
+                <a:alpha val="65000"/>
+              </a:srgbClr>
+            </a:outerShdw>
+          </a:effectLst>
         </p:spPr>
-        <p:txBody>
-          <a:bodyPr wrap="square" rtlCol="0">
-            <a:spAutoFit/>
-          </a:bodyPr>
-          <a:lstStyle/>
-          <a:p>
-            <a:r>
-              <a:rPr lang="en-US" sz="2400" b="1" dirty="0" err="1" smtClean="0">
-                <a:solidFill>
-                  <a:srgbClr val="0070C0"/>
-                </a:solidFill>
-              </a:rPr>
-              <a:t>int</a:t>
-            </a:r>
-            <a:r>
-              <a:rPr lang="en-US" sz="2400" b="1" dirty="0" smtClean="0">
-                <a:solidFill>
-                  <a:srgbClr val="0070C0"/>
-                </a:solidFill>
-              </a:rPr>
-              <a:t> </a:t>
-            </a:r>
-            <a:r>
-              <a:rPr lang="en-US" sz="2400" dirty="0" smtClean="0"/>
-              <a:t>number</a:t>
-            </a:r>
-            <a:r>
-              <a:rPr lang="en-US" sz="2400" b="1" dirty="0" smtClean="0">
-                <a:solidFill>
-                  <a:srgbClr val="0070C0"/>
-                </a:solidFill>
-              </a:rPr>
-              <a:t> </a:t>
-            </a:r>
-            <a:r>
-              <a:rPr lang="en-US" sz="2400" b="1" dirty="0" smtClean="0">
-                <a:solidFill>
-                  <a:srgbClr val="FF0000"/>
-                </a:solidFill>
-              </a:rPr>
-              <a:t>=</a:t>
-            </a:r>
-            <a:r>
-              <a:rPr lang="en-US" sz="2400" b="1" dirty="0" smtClean="0">
-                <a:solidFill>
-                  <a:srgbClr val="0070C0"/>
-                </a:solidFill>
-              </a:rPr>
-              <a:t> 5</a:t>
-            </a:r>
-            <a:r>
-              <a:rPr lang="en-US" sz="2400" b="1" dirty="0" smtClean="0">
-                <a:solidFill>
-                  <a:srgbClr val="FF0000"/>
-                </a:solidFill>
-              </a:rPr>
-              <a:t>;</a:t>
-            </a:r>
-            <a:endParaRPr lang="bg-BG" sz="2400" dirty="0" smtClean="0">
-              <a:solidFill>
-                <a:srgbClr val="FF0000"/>
-              </a:solidFill>
-            </a:endParaRPr>
-          </a:p>
-          <a:p>
-            <a:endParaRPr lang="en-US" sz="2400" dirty="0" smtClean="0"/>
-          </a:p>
-          <a:p>
-            <a:r>
-              <a:rPr lang="en-US" sz="2400" dirty="0" smtClean="0"/>
-              <a:t>…</a:t>
-            </a:r>
-            <a:endParaRPr lang="en-US" sz="2400" dirty="0"/>
-          </a:p>
-          <a:p>
-            <a:endParaRPr lang="bg-BG" sz="2400" dirty="0"/>
-          </a:p>
-          <a:p>
-            <a:r>
-              <a:rPr lang="en-US" sz="2400" b="1" dirty="0" smtClean="0">
-                <a:solidFill>
-                  <a:srgbClr val="0070C0"/>
-                </a:solidFill>
-              </a:rPr>
-              <a:t>switch </a:t>
-            </a:r>
-            <a:r>
-              <a:rPr lang="en-US" sz="2400" b="1" dirty="0" smtClean="0"/>
-              <a:t>(</a:t>
-            </a:r>
-            <a:r>
-              <a:rPr lang="en-US" sz="2400" i="1" dirty="0" smtClean="0"/>
-              <a:t>number</a:t>
-            </a:r>
-            <a:r>
-              <a:rPr lang="en-US" sz="2400" b="1" dirty="0" smtClean="0"/>
-              <a:t>)</a:t>
-            </a:r>
-            <a:r>
-              <a:rPr lang="en-US" sz="2400" b="1" dirty="0" smtClean="0">
-                <a:solidFill>
-                  <a:srgbClr val="FF0000"/>
-                </a:solidFill>
-              </a:rPr>
-              <a:t>{</a:t>
-            </a:r>
-          </a:p>
-          <a:p>
-            <a:r>
-              <a:rPr lang="en-US" sz="2400" b="1" dirty="0" smtClean="0">
-                <a:solidFill>
-                  <a:srgbClr val="0070C0"/>
-                </a:solidFill>
-              </a:rPr>
-              <a:t>	case </a:t>
-            </a:r>
-            <a:r>
-              <a:rPr lang="en-US" sz="2400" dirty="0" smtClean="0"/>
-              <a:t>1</a:t>
-            </a:r>
-            <a:r>
-              <a:rPr lang="en-US" sz="2400" dirty="0" smtClean="0">
-                <a:solidFill>
-                  <a:srgbClr val="FF0000"/>
-                </a:solidFill>
-              </a:rPr>
-              <a:t>:</a:t>
-            </a:r>
-          </a:p>
-          <a:p>
-            <a:r>
-              <a:rPr lang="en-US" sz="2400" b="1" dirty="0">
-                <a:solidFill>
-                  <a:srgbClr val="0070C0"/>
-                </a:solidFill>
-              </a:rPr>
-              <a:t>	</a:t>
-            </a:r>
-            <a:r>
-              <a:rPr lang="en-US" sz="2400" b="1" dirty="0" smtClean="0">
-                <a:solidFill>
-                  <a:srgbClr val="0070C0"/>
-                </a:solidFill>
-              </a:rPr>
-              <a:t>	</a:t>
-            </a:r>
-            <a:r>
-              <a:rPr lang="en-US" sz="2400" dirty="0" smtClean="0">
-                <a:solidFill>
-                  <a:srgbClr val="00B050"/>
-                </a:solidFill>
-              </a:rPr>
-              <a:t>//</a:t>
-            </a:r>
-            <a:r>
-              <a:rPr lang="bg-BG" sz="2400" dirty="0" smtClean="0">
-                <a:solidFill>
-                  <a:srgbClr val="00B050"/>
-                </a:solidFill>
-              </a:rPr>
-              <a:t>код, който се изпълнява ако </a:t>
-            </a:r>
-            <a:r>
-              <a:rPr lang="en-US" sz="2400" dirty="0" smtClean="0">
-                <a:solidFill>
-                  <a:srgbClr val="00B050"/>
-                </a:solidFill>
-              </a:rPr>
-              <a:t>number == 1</a:t>
-            </a:r>
-            <a:endParaRPr lang="en-US" sz="2400" b="1" dirty="0" smtClean="0">
-              <a:solidFill>
-                <a:srgbClr val="0070C0"/>
-              </a:solidFill>
-            </a:endParaRPr>
-          </a:p>
-          <a:p>
-            <a:r>
-              <a:rPr lang="en-US" sz="2400" b="1" dirty="0">
-                <a:solidFill>
-                  <a:srgbClr val="0070C0"/>
-                </a:solidFill>
-              </a:rPr>
-              <a:t>	</a:t>
-            </a:r>
-            <a:r>
-              <a:rPr lang="en-US" sz="2400" b="1" dirty="0" smtClean="0">
-                <a:solidFill>
-                  <a:srgbClr val="0070C0"/>
-                </a:solidFill>
-              </a:rPr>
-              <a:t>	break</a:t>
-            </a:r>
-            <a:r>
-              <a:rPr lang="en-US" sz="2400" b="1" dirty="0" smtClean="0">
-                <a:solidFill>
-                  <a:srgbClr val="FF0000"/>
-                </a:solidFill>
-              </a:rPr>
-              <a:t>;</a:t>
-            </a:r>
-          </a:p>
-          <a:p>
-            <a:r>
-              <a:rPr lang="en-US" sz="2400" b="1" dirty="0">
-                <a:solidFill>
-                  <a:srgbClr val="0070C0"/>
-                </a:solidFill>
-              </a:rPr>
-              <a:t>	</a:t>
-            </a:r>
-            <a:r>
-              <a:rPr lang="en-US" sz="2400" b="1" dirty="0" smtClean="0">
-                <a:solidFill>
-                  <a:srgbClr val="0070C0"/>
-                </a:solidFill>
-              </a:rPr>
-              <a:t>…</a:t>
-            </a:r>
-          </a:p>
-          <a:p>
-            <a:r>
-              <a:rPr lang="en-US" sz="2400" b="1" dirty="0">
-                <a:solidFill>
-                  <a:srgbClr val="0070C0"/>
-                </a:solidFill>
-              </a:rPr>
-              <a:t>	</a:t>
-            </a:r>
-            <a:r>
-              <a:rPr lang="en-US" sz="2400" b="1" dirty="0" smtClean="0">
-                <a:solidFill>
-                  <a:srgbClr val="0070C0"/>
-                </a:solidFill>
-              </a:rPr>
-              <a:t>case </a:t>
-            </a:r>
-            <a:r>
-              <a:rPr lang="en-US" sz="2400" dirty="0" smtClean="0"/>
-              <a:t>5</a:t>
-            </a:r>
-            <a:r>
-              <a:rPr lang="en-US" sz="2400" dirty="0" smtClean="0">
-                <a:solidFill>
-                  <a:srgbClr val="FF0000"/>
-                </a:solidFill>
-              </a:rPr>
-              <a:t>:</a:t>
-            </a:r>
-          </a:p>
-          <a:p>
-            <a:r>
-              <a:rPr lang="en-US" sz="2400" b="1" dirty="0">
-                <a:solidFill>
-                  <a:srgbClr val="0070C0"/>
-                </a:solidFill>
-              </a:rPr>
-              <a:t>	</a:t>
-            </a:r>
-            <a:r>
-              <a:rPr lang="en-US" sz="2400" b="1" dirty="0" smtClean="0">
-                <a:solidFill>
-                  <a:srgbClr val="0070C0"/>
-                </a:solidFill>
-              </a:rPr>
-              <a:t>	</a:t>
-            </a:r>
-            <a:r>
-              <a:rPr lang="en-US" sz="2400" dirty="0" smtClean="0">
-                <a:solidFill>
-                  <a:srgbClr val="00B050"/>
-                </a:solidFill>
-              </a:rPr>
-              <a:t>//</a:t>
-            </a:r>
-            <a:r>
-              <a:rPr lang="bg-BG" sz="2400" dirty="0" smtClean="0">
-                <a:solidFill>
-                  <a:srgbClr val="00B050"/>
-                </a:solidFill>
-              </a:rPr>
-              <a:t>код, който се изпълнява ако </a:t>
-            </a:r>
-            <a:r>
-              <a:rPr lang="en-US" sz="2400" dirty="0" smtClean="0">
-                <a:solidFill>
-                  <a:srgbClr val="00B050"/>
-                </a:solidFill>
-              </a:rPr>
-              <a:t>number == 5</a:t>
-            </a:r>
-            <a:endParaRPr lang="en-US" sz="2400" b="1" dirty="0" smtClean="0">
-              <a:solidFill>
-                <a:srgbClr val="0070C0"/>
-              </a:solidFill>
-            </a:endParaRPr>
-          </a:p>
-          <a:p>
-            <a:r>
-              <a:rPr lang="en-US" sz="2400" b="1" dirty="0">
-                <a:solidFill>
-                  <a:srgbClr val="0070C0"/>
-                </a:solidFill>
-              </a:rPr>
-              <a:t>	</a:t>
-            </a:r>
-            <a:r>
-              <a:rPr lang="en-US" sz="2400" b="1" dirty="0" smtClean="0">
-                <a:solidFill>
-                  <a:srgbClr val="0070C0"/>
-                </a:solidFill>
-              </a:rPr>
-              <a:t>	break</a:t>
-            </a:r>
-            <a:r>
-              <a:rPr lang="en-US" sz="2400" b="1" dirty="0" smtClean="0">
-                <a:solidFill>
-                  <a:srgbClr val="FF0000"/>
-                </a:solidFill>
-              </a:rPr>
-              <a:t>;</a:t>
-            </a:r>
-            <a:endParaRPr lang="en-US" sz="2400" b="1" dirty="0">
-              <a:solidFill>
-                <a:srgbClr val="FF0000"/>
-              </a:solidFill>
-            </a:endParaRPr>
-          </a:p>
-          <a:p>
-            <a:r>
-              <a:rPr lang="en-US" sz="2400" b="1" dirty="0" smtClean="0">
-                <a:solidFill>
-                  <a:srgbClr val="FF0000"/>
-                </a:solidFill>
-              </a:rPr>
-              <a:t>}</a:t>
-            </a:r>
-            <a:endParaRPr lang="bg-BG" sz="2400" dirty="0">
-              <a:solidFill>
-                <a:srgbClr val="FF0000"/>
-              </a:solidFill>
-            </a:endParaRPr>
-          </a:p>
-        </p:txBody>
-      </p:sp>
+      </p:pic>
     </p:spTree>
     <p:extLst>
       <p:ext uri="{BB962C8B-B14F-4D97-AF65-F5344CB8AC3E}">
-        <p14:creationId xmlns:p14="http://schemas.microsoft.com/office/powerpoint/2010/main" val="1370583354"/>
+        <p14:creationId xmlns:p14="http://schemas.microsoft.com/office/powerpoint/2010/main" val="1622977625"/>
       </p:ext>
     </p:extLst>
   </p:cSld>
   <p:clrMapOvr>
     <a:masterClrMapping/>
   </p:clrMapOvr>
-  <mc:AlternateContent xmlns:mc="http://schemas.openxmlformats.org/markup-compatibility/2006" xmlns:p14="http://schemas.microsoft.com/office/powerpoint/2010/main">
-    <mc:Choice Requires="p14">
-      <p:transition spd="slow" p14:dur="1200">
-        <p:dissolve/>
-      </p:transition>
-    </mc:Choice>
-    <mc:Fallback xmlns="">
-      <p:transition spd="slow">
-        <p:dissolve/>
-      </p:transition>
-    </mc:Fallback>
-  </mc:AlternateContent>
+  <p:transition>
+    <p:dissolve/>
+  </p:transition>
+  <p:timing>
+    <p:tnLst>
+      <p:par>
+        <p:cTn id="1" dur="indefinite" restart="never" nodeType="tmRoot"/>
+      </p:par>
+    </p:tnLst>
+  </p:timing>
 </p:sld>
 </file>
 
@@ -4972,6 +4357,628 @@
           <a:chExt cx="0" cy="0"/>
         </a:xfrm>
       </p:grpSpPr>
+      <p:pic>
+        <p:nvPicPr>
+          <p:cNvPr id="4" name="Picture 3"/>
+          <p:cNvPicPr>
+            <a:picLocks noChangeAspect="1"/>
+          </p:cNvPicPr>
+          <p:nvPr/>
+        </p:nvPicPr>
+        <p:blipFill>
+          <a:blip r:embed="rId2" cstate="print">
+            <a:extLst>
+              <a:ext uri="{28A0092B-C50C-407E-A947-70E740481C1C}">
+                <a14:useLocalDpi xmlns:a14="http://schemas.microsoft.com/office/drawing/2010/main" val="0"/>
+              </a:ext>
+            </a:extLst>
+          </a:blip>
+          <a:stretch>
+            <a:fillRect/>
+          </a:stretch>
+        </p:blipFill>
+        <p:spPr>
+          <a:xfrm>
+            <a:off x="-6121861" y="2346960"/>
+            <a:ext cx="4344221" cy="2444438"/>
+          </a:xfrm>
+          <a:prstGeom prst="rect">
+            <a:avLst/>
+          </a:prstGeom>
+        </p:spPr>
+      </p:pic>
+    </p:spTree>
+    <p:extLst>
+      <p:ext uri="{BB962C8B-B14F-4D97-AF65-F5344CB8AC3E}">
+        <p14:creationId xmlns:p14="http://schemas.microsoft.com/office/powerpoint/2010/main" val="1222036392"/>
+      </p:ext>
+    </p:extLst>
+  </p:cSld>
+  <p:clrMapOvr>
+    <a:masterClrMapping/>
+  </p:clrMapOvr>
+  <p:transition>
+    <p:dissolve/>
+  </p:transition>
+  <p:timing>
+    <p:tnLst>
+      <p:par>
+        <p:cTn id="1" dur="indefinite" restart="never" nodeType="tmRoot">
+          <p:childTnLst>
+            <p:seq concurrent="1" nextAc="seek">
+              <p:cTn id="2" dur="indefinite" nodeType="mainSeq">
+                <p:childTnLst>
+                  <p:par>
+                    <p:cTn id="3" fill="hold">
+                      <p:stCondLst>
+                        <p:cond delay="indefinite"/>
+                        <p:cond evt="onBegin" delay="0">
+                          <p:tn val="2"/>
+                        </p:cond>
+                      </p:stCondLst>
+                      <p:childTnLst>
+                        <p:par>
+                          <p:cTn id="4" fill="hold">
+                            <p:stCondLst>
+                              <p:cond delay="0"/>
+                            </p:stCondLst>
+                            <p:childTnLst>
+                              <p:par>
+                                <p:cTn id="5" presetID="63" presetClass="path" presetSubtype="0" accel="50000" decel="50000" fill="hold" nodeType="withEffect">
+                                  <p:stCondLst>
+                                    <p:cond delay="0"/>
+                                  </p:stCondLst>
+                                  <p:childTnLst>
+                                    <p:animMotion origin="layout" path="M -1.66667E-6 -3.7037E-7 L 0.88932 0.00556 " pathEditMode="relative" rAng="0" ptsTypes="AA">
+                                      <p:cBhvr>
+                                        <p:cTn id="6" dur="2000" fill="hold"/>
+                                        <p:tgtEl>
+                                          <p:spTgt spid="4"/>
+                                        </p:tgtEl>
+                                        <p:attrNameLst>
+                                          <p:attrName>ppt_x</p:attrName>
+                                          <p:attrName>ppt_y</p:attrName>
+                                        </p:attrNameLst>
+                                      </p:cBhvr>
+                                      <p:rCtr x="44466" y="278"/>
+                                    </p:animMotion>
+                                  </p:childTnLst>
+                                </p:cTn>
+                              </p:par>
+                              <p:par>
+                                <p:cTn id="7" presetID="10" presetClass="entr" presetSubtype="0" fill="hold" nodeType="withEffect">
+                                  <p:stCondLst>
+                                    <p:cond delay="0"/>
+                                  </p:stCondLst>
+                                  <p:childTnLst>
+                                    <p:set>
+                                      <p:cBhvr>
+                                        <p:cTn id="8" dur="1" fill="hold">
+                                          <p:stCondLst>
+                                            <p:cond delay="0"/>
+                                          </p:stCondLst>
+                                        </p:cTn>
+                                        <p:tgtEl>
+                                          <p:spTgt spid="4"/>
+                                        </p:tgtEl>
+                                        <p:attrNameLst>
+                                          <p:attrName>style.visibility</p:attrName>
+                                        </p:attrNameLst>
+                                      </p:cBhvr>
+                                      <p:to>
+                                        <p:strVal val="visible"/>
+                                      </p:to>
+                                    </p:set>
+                                    <p:animEffect transition="in" filter="fade">
+                                      <p:cBhvr>
+                                        <p:cTn id="9" dur="2000"/>
+                                        <p:tgtEl>
+                                          <p:spTgt spid="4"/>
+                                        </p:tgtEl>
+                                      </p:cBhvr>
+                                    </p:animEffect>
+                                  </p:childTnLst>
+                                </p:cTn>
+                              </p:par>
+                              <p:par>
+                                <p:cTn id="10" presetID="6" presetClass="emph" presetSubtype="0" fill="hold" nodeType="withEffect">
+                                  <p:stCondLst>
+                                    <p:cond delay="0"/>
+                                  </p:stCondLst>
+                                  <p:childTnLst>
+                                    <p:animScale>
+                                      <p:cBhvr>
+                                        <p:cTn id="11" dur="2000" fill="hold"/>
+                                        <p:tgtEl>
+                                          <p:spTgt spid="4"/>
+                                        </p:tgtEl>
+                                      </p:cBhvr>
+                                      <p:by x="150000" y="150000"/>
+                                    </p:animScale>
+                                  </p:childTnLst>
+                                </p:cTn>
+                              </p:par>
+                            </p:childTnLst>
+                          </p:cTn>
+                        </p:par>
+                      </p:childTnLst>
+                    </p:cTn>
+                  </p:par>
+                </p:childTnLst>
+              </p:cTn>
+              <p:prevCondLst>
+                <p:cond evt="onPrev" delay="0">
+                  <p:tgtEl>
+                    <p:sldTgt/>
+                  </p:tgtEl>
+                </p:cond>
+              </p:prevCondLst>
+              <p:nextCondLst>
+                <p:cond evt="onNext" delay="0">
+                  <p:tgtEl>
+                    <p:sldTgt/>
+                  </p:tgtEl>
+                </p:cond>
+              </p:nextCondLst>
+            </p:seq>
+          </p:childTnLst>
+        </p:cTn>
+      </p:par>
+    </p:tnLst>
+  </p:timing>
+</p:sld>
+</file>
+
+<file path=ppt/slides/slide17.xml><?xml version="1.0" encoding="utf-8"?>
+<p:sld xmlns:a="http://schemas.openxmlformats.org/drawingml/2006/main" xmlns:r="http://schemas.openxmlformats.org/officeDocument/2006/relationships" xmlns:p="http://schemas.openxmlformats.org/presentationml/2006/main">
+  <p:cSld>
+    <p:spTree>
+      <p:nvGrpSpPr>
+        <p:cNvPr id="1" name=""/>
+        <p:cNvGrpSpPr/>
+        <p:nvPr/>
+      </p:nvGrpSpPr>
+      <p:grpSpPr>
+        <a:xfrm>
+          <a:off x="0" y="0"/>
+          <a:ext cx="0" cy="0"/>
+          <a:chOff x="0" y="0"/>
+          <a:chExt cx="0" cy="0"/>
+        </a:xfrm>
+      </p:grpSpPr>
+      <p:sp>
+        <p:nvSpPr>
+          <p:cNvPr id="2" name="Title 1"/>
+          <p:cNvSpPr>
+            <a:spLocks noGrp="1"/>
+          </p:cNvSpPr>
+          <p:nvPr>
+            <p:ph type="title"/>
+          </p:nvPr>
+        </p:nvSpPr>
+        <p:spPr/>
+        <p:txBody>
+          <a:bodyPr/>
+          <a:lstStyle/>
+          <a:p>
+            <a:r>
+              <a:rPr lang="en-US" dirty="0" smtClean="0"/>
+              <a:t>Switch – Case - Break</a:t>
+            </a:r>
+            <a:endParaRPr lang="bg-BG" dirty="0"/>
+          </a:p>
+        </p:txBody>
+      </p:sp>
+      <p:sp>
+        <p:nvSpPr>
+          <p:cNvPr id="4" name="TextBox 3"/>
+          <p:cNvSpPr txBox="1"/>
+          <p:nvPr/>
+        </p:nvSpPr>
+        <p:spPr>
+          <a:xfrm>
+            <a:off x="2193805" y="1483744"/>
+            <a:ext cx="9796912" cy="4893647"/>
+          </a:xfrm>
+          <a:prstGeom prst="rect">
+            <a:avLst/>
+          </a:prstGeom>
+          <a:solidFill>
+            <a:schemeClr val="bg1">
+              <a:lumMod val="95000"/>
+            </a:schemeClr>
+          </a:solidFill>
+          <a:ln>
+            <a:solidFill>
+              <a:schemeClr val="tx1"/>
+            </a:solidFill>
+          </a:ln>
+        </p:spPr>
+        <p:txBody>
+          <a:bodyPr wrap="square" rtlCol="0">
+            <a:spAutoFit/>
+          </a:bodyPr>
+          <a:lstStyle/>
+          <a:p>
+            <a:r>
+              <a:rPr lang="en-US" sz="2400" b="1" dirty="0" err="1" smtClean="0">
+                <a:solidFill>
+                  <a:srgbClr val="0070C0"/>
+                </a:solidFill>
+              </a:rPr>
+              <a:t>int</a:t>
+            </a:r>
+            <a:r>
+              <a:rPr lang="en-US" sz="2400" b="1" dirty="0" smtClean="0">
+                <a:solidFill>
+                  <a:srgbClr val="0070C0"/>
+                </a:solidFill>
+              </a:rPr>
+              <a:t> </a:t>
+            </a:r>
+            <a:r>
+              <a:rPr lang="en-US" sz="2400" dirty="0" smtClean="0"/>
+              <a:t>number</a:t>
+            </a:r>
+            <a:r>
+              <a:rPr lang="en-US" sz="2400" b="1" dirty="0" smtClean="0">
+                <a:solidFill>
+                  <a:srgbClr val="0070C0"/>
+                </a:solidFill>
+              </a:rPr>
+              <a:t> </a:t>
+            </a:r>
+            <a:r>
+              <a:rPr lang="en-US" sz="2400" b="1" dirty="0" smtClean="0">
+                <a:solidFill>
+                  <a:srgbClr val="FF0000"/>
+                </a:solidFill>
+              </a:rPr>
+              <a:t>=</a:t>
+            </a:r>
+            <a:r>
+              <a:rPr lang="en-US" sz="2400" b="1" dirty="0" smtClean="0">
+                <a:solidFill>
+                  <a:srgbClr val="0070C0"/>
+                </a:solidFill>
+              </a:rPr>
+              <a:t> 5</a:t>
+            </a:r>
+            <a:r>
+              <a:rPr lang="en-US" sz="2400" b="1" dirty="0" smtClean="0">
+                <a:solidFill>
+                  <a:srgbClr val="FF0000"/>
+                </a:solidFill>
+              </a:rPr>
+              <a:t>;</a:t>
+            </a:r>
+            <a:endParaRPr lang="bg-BG" sz="2400" dirty="0" smtClean="0">
+              <a:solidFill>
+                <a:srgbClr val="FF0000"/>
+              </a:solidFill>
+            </a:endParaRPr>
+          </a:p>
+          <a:p>
+            <a:endParaRPr lang="en-US" sz="2400" dirty="0" smtClean="0"/>
+          </a:p>
+          <a:p>
+            <a:r>
+              <a:rPr lang="en-US" sz="2400" dirty="0" smtClean="0"/>
+              <a:t>…</a:t>
+            </a:r>
+            <a:endParaRPr lang="en-US" sz="2400" dirty="0"/>
+          </a:p>
+          <a:p>
+            <a:endParaRPr lang="bg-BG" sz="2400" dirty="0"/>
+          </a:p>
+          <a:p>
+            <a:r>
+              <a:rPr lang="en-US" sz="2400" b="1" dirty="0" smtClean="0">
+                <a:solidFill>
+                  <a:srgbClr val="0070C0"/>
+                </a:solidFill>
+              </a:rPr>
+              <a:t>switch </a:t>
+            </a:r>
+            <a:r>
+              <a:rPr lang="en-US" sz="2400" b="1" dirty="0" smtClean="0"/>
+              <a:t>(</a:t>
+            </a:r>
+            <a:r>
+              <a:rPr lang="en-US" sz="2400" i="1" dirty="0" smtClean="0"/>
+              <a:t>number</a:t>
+            </a:r>
+            <a:r>
+              <a:rPr lang="en-US" sz="2400" b="1" dirty="0" smtClean="0"/>
+              <a:t>)</a:t>
+            </a:r>
+            <a:r>
+              <a:rPr lang="en-US" sz="2400" b="1" dirty="0" smtClean="0">
+                <a:solidFill>
+                  <a:srgbClr val="FF0000"/>
+                </a:solidFill>
+              </a:rPr>
+              <a:t>{</a:t>
+            </a:r>
+          </a:p>
+          <a:p>
+            <a:r>
+              <a:rPr lang="en-US" sz="2400" b="1" dirty="0" smtClean="0">
+                <a:solidFill>
+                  <a:srgbClr val="0070C0"/>
+                </a:solidFill>
+              </a:rPr>
+              <a:t>	case </a:t>
+            </a:r>
+            <a:r>
+              <a:rPr lang="en-US" sz="2400" dirty="0" smtClean="0"/>
+              <a:t>1</a:t>
+            </a:r>
+            <a:r>
+              <a:rPr lang="en-US" sz="2400" dirty="0" smtClean="0">
+                <a:solidFill>
+                  <a:srgbClr val="FF0000"/>
+                </a:solidFill>
+              </a:rPr>
+              <a:t>:</a:t>
+            </a:r>
+          </a:p>
+          <a:p>
+            <a:r>
+              <a:rPr lang="en-US" sz="2400" b="1" dirty="0">
+                <a:solidFill>
+                  <a:srgbClr val="0070C0"/>
+                </a:solidFill>
+              </a:rPr>
+              <a:t>	</a:t>
+            </a:r>
+            <a:r>
+              <a:rPr lang="en-US" sz="2400" b="1" dirty="0" smtClean="0">
+                <a:solidFill>
+                  <a:srgbClr val="0070C0"/>
+                </a:solidFill>
+              </a:rPr>
+              <a:t>	</a:t>
+            </a:r>
+            <a:r>
+              <a:rPr lang="en-US" sz="2400" dirty="0" smtClean="0">
+                <a:solidFill>
+                  <a:srgbClr val="00B050"/>
+                </a:solidFill>
+              </a:rPr>
+              <a:t>//</a:t>
+            </a:r>
+            <a:r>
+              <a:rPr lang="bg-BG" sz="2400" dirty="0" smtClean="0">
+                <a:solidFill>
+                  <a:srgbClr val="00B050"/>
+                </a:solidFill>
+              </a:rPr>
+              <a:t>код, който се изпълнява ако </a:t>
+            </a:r>
+            <a:r>
+              <a:rPr lang="en-US" sz="2400" dirty="0" smtClean="0">
+                <a:solidFill>
+                  <a:srgbClr val="00B050"/>
+                </a:solidFill>
+              </a:rPr>
+              <a:t>number == 1</a:t>
+            </a:r>
+            <a:endParaRPr lang="en-US" sz="2400" b="1" dirty="0" smtClean="0">
+              <a:solidFill>
+                <a:srgbClr val="0070C0"/>
+              </a:solidFill>
+            </a:endParaRPr>
+          </a:p>
+          <a:p>
+            <a:r>
+              <a:rPr lang="en-US" sz="2400" b="1" dirty="0">
+                <a:solidFill>
+                  <a:srgbClr val="0070C0"/>
+                </a:solidFill>
+              </a:rPr>
+              <a:t>	</a:t>
+            </a:r>
+            <a:r>
+              <a:rPr lang="en-US" sz="2400" b="1" dirty="0" smtClean="0">
+                <a:solidFill>
+                  <a:srgbClr val="0070C0"/>
+                </a:solidFill>
+              </a:rPr>
+              <a:t>	break</a:t>
+            </a:r>
+            <a:r>
+              <a:rPr lang="en-US" sz="2400" b="1" dirty="0" smtClean="0">
+                <a:solidFill>
+                  <a:srgbClr val="FF0000"/>
+                </a:solidFill>
+              </a:rPr>
+              <a:t>;</a:t>
+            </a:r>
+          </a:p>
+          <a:p>
+            <a:r>
+              <a:rPr lang="en-US" sz="2400" b="1" dirty="0">
+                <a:solidFill>
+                  <a:srgbClr val="0070C0"/>
+                </a:solidFill>
+              </a:rPr>
+              <a:t>	</a:t>
+            </a:r>
+            <a:r>
+              <a:rPr lang="en-US" sz="2400" b="1" dirty="0" smtClean="0">
+                <a:solidFill>
+                  <a:srgbClr val="0070C0"/>
+                </a:solidFill>
+              </a:rPr>
+              <a:t>…</a:t>
+            </a:r>
+          </a:p>
+          <a:p>
+            <a:r>
+              <a:rPr lang="en-US" sz="2400" b="1" dirty="0">
+                <a:solidFill>
+                  <a:srgbClr val="0070C0"/>
+                </a:solidFill>
+              </a:rPr>
+              <a:t>	</a:t>
+            </a:r>
+            <a:r>
+              <a:rPr lang="en-US" sz="2400" b="1" dirty="0" smtClean="0">
+                <a:solidFill>
+                  <a:srgbClr val="0070C0"/>
+                </a:solidFill>
+              </a:rPr>
+              <a:t>case </a:t>
+            </a:r>
+            <a:r>
+              <a:rPr lang="en-US" sz="2400" dirty="0" smtClean="0"/>
+              <a:t>5</a:t>
+            </a:r>
+            <a:r>
+              <a:rPr lang="en-US" sz="2400" dirty="0" smtClean="0">
+                <a:solidFill>
+                  <a:srgbClr val="FF0000"/>
+                </a:solidFill>
+              </a:rPr>
+              <a:t>:</a:t>
+            </a:r>
+          </a:p>
+          <a:p>
+            <a:r>
+              <a:rPr lang="en-US" sz="2400" b="1" dirty="0">
+                <a:solidFill>
+                  <a:srgbClr val="0070C0"/>
+                </a:solidFill>
+              </a:rPr>
+              <a:t>	</a:t>
+            </a:r>
+            <a:r>
+              <a:rPr lang="en-US" sz="2400" b="1" dirty="0" smtClean="0">
+                <a:solidFill>
+                  <a:srgbClr val="0070C0"/>
+                </a:solidFill>
+              </a:rPr>
+              <a:t>	</a:t>
+            </a:r>
+            <a:r>
+              <a:rPr lang="en-US" sz="2400" dirty="0" smtClean="0">
+                <a:solidFill>
+                  <a:srgbClr val="00B050"/>
+                </a:solidFill>
+              </a:rPr>
+              <a:t>//</a:t>
+            </a:r>
+            <a:r>
+              <a:rPr lang="bg-BG" sz="2400" dirty="0" smtClean="0">
+                <a:solidFill>
+                  <a:srgbClr val="00B050"/>
+                </a:solidFill>
+              </a:rPr>
+              <a:t>код, който се изпълнява ако </a:t>
+            </a:r>
+            <a:r>
+              <a:rPr lang="en-US" sz="2400" dirty="0" smtClean="0">
+                <a:solidFill>
+                  <a:srgbClr val="00B050"/>
+                </a:solidFill>
+              </a:rPr>
+              <a:t>number == 5</a:t>
+            </a:r>
+            <a:endParaRPr lang="en-US" sz="2400" b="1" dirty="0" smtClean="0">
+              <a:solidFill>
+                <a:srgbClr val="0070C0"/>
+              </a:solidFill>
+            </a:endParaRPr>
+          </a:p>
+          <a:p>
+            <a:r>
+              <a:rPr lang="en-US" sz="2400" b="1" dirty="0">
+                <a:solidFill>
+                  <a:srgbClr val="0070C0"/>
+                </a:solidFill>
+              </a:rPr>
+              <a:t>	</a:t>
+            </a:r>
+            <a:r>
+              <a:rPr lang="en-US" sz="2400" b="1" dirty="0" smtClean="0">
+                <a:solidFill>
+                  <a:srgbClr val="0070C0"/>
+                </a:solidFill>
+              </a:rPr>
+              <a:t>	break</a:t>
+            </a:r>
+            <a:r>
+              <a:rPr lang="en-US" sz="2400" b="1" dirty="0" smtClean="0">
+                <a:solidFill>
+                  <a:srgbClr val="FF0000"/>
+                </a:solidFill>
+              </a:rPr>
+              <a:t>;</a:t>
+            </a:r>
+            <a:endParaRPr lang="en-US" sz="2400" b="1" dirty="0">
+              <a:solidFill>
+                <a:srgbClr val="FF0000"/>
+              </a:solidFill>
+            </a:endParaRPr>
+          </a:p>
+          <a:p>
+            <a:r>
+              <a:rPr lang="en-US" sz="2400" b="1" dirty="0" smtClean="0">
+                <a:solidFill>
+                  <a:srgbClr val="FF0000"/>
+                </a:solidFill>
+              </a:rPr>
+              <a:t>}</a:t>
+            </a:r>
+            <a:endParaRPr lang="bg-BG" sz="2400" dirty="0">
+              <a:solidFill>
+                <a:srgbClr val="FF0000"/>
+              </a:solidFill>
+            </a:endParaRPr>
+          </a:p>
+        </p:txBody>
+      </p:sp>
+    </p:spTree>
+    <p:extLst>
+      <p:ext uri="{BB962C8B-B14F-4D97-AF65-F5344CB8AC3E}">
+        <p14:creationId xmlns:p14="http://schemas.microsoft.com/office/powerpoint/2010/main" val="1370583354"/>
+      </p:ext>
+    </p:extLst>
+  </p:cSld>
+  <p:clrMapOvr>
+    <a:masterClrMapping/>
+  </p:clrMapOvr>
+  <p:transition>
+    <p:dissolve/>
+  </p:transition>
+  <p:timing>
+    <p:tnLst>
+      <p:par>
+        <p:cTn id="1" dur="indefinite" restart="never" nodeType="tmRoot"/>
+      </p:par>
+    </p:tnLst>
+  </p:timing>
+</p:sld>
+</file>
+
+<file path=ppt/slides/slide18.xml><?xml version="1.0" encoding="utf-8"?>
+<p:sld xmlns:a="http://schemas.openxmlformats.org/drawingml/2006/main" xmlns:r="http://schemas.openxmlformats.org/officeDocument/2006/relationships" xmlns:p="http://schemas.openxmlformats.org/presentationml/2006/main">
+  <p:cSld>
+    <p:spTree>
+      <p:nvGrpSpPr>
+        <p:cNvPr id="1" name=""/>
+        <p:cNvGrpSpPr/>
+        <p:nvPr/>
+      </p:nvGrpSpPr>
+      <p:grpSpPr>
+        <a:xfrm>
+          <a:off x="0" y="0"/>
+          <a:ext cx="0" cy="0"/>
+          <a:chOff x="0" y="0"/>
+          <a:chExt cx="0" cy="0"/>
+        </a:xfrm>
+      </p:grpSpPr>
       <p:sp>
         <p:nvSpPr>
           <p:cNvPr id="2" name="Title 1"/>
@@ -5016,8 +5023,99 @@
           <a:lstStyle/>
           <a:p>
             <a:r>
+              <a:rPr lang="bg-BG" sz="3200" b="1" dirty="0" smtClean="0">
+                <a:solidFill>
+                  <a:srgbClr val="00B050"/>
+                </a:solidFill>
+              </a:rPr>
+              <a:t>Използвайте </a:t>
+            </a:r>
+            <a:r>
+              <a:rPr lang="en-US" sz="3200" b="1" dirty="0" err="1" smtClean="0">
+                <a:solidFill>
+                  <a:srgbClr val="00B050"/>
+                </a:solidFill>
+              </a:rPr>
+              <a:t>System.exit</a:t>
+            </a:r>
+            <a:r>
+              <a:rPr lang="en-US" sz="3200" b="1" dirty="0" smtClean="0">
+                <a:solidFill>
+                  <a:srgbClr val="00B050"/>
+                </a:solidFill>
+              </a:rPr>
+              <a:t>(</a:t>
+            </a:r>
+            <a:r>
+              <a:rPr lang="bg-BG" sz="3200" b="1" i="1" dirty="0" smtClean="0">
+                <a:solidFill>
+                  <a:srgbClr val="00B050"/>
+                </a:solidFill>
+              </a:rPr>
+              <a:t>стойност</a:t>
+            </a:r>
+            <a:r>
+              <a:rPr lang="en-US" sz="3200" b="1" dirty="0" smtClean="0">
+                <a:solidFill>
+                  <a:srgbClr val="00B050"/>
+                </a:solidFill>
+              </a:rPr>
+              <a:t>) </a:t>
+            </a:r>
+            <a:r>
+              <a:rPr lang="bg-BG" sz="3200" b="1" dirty="0" smtClean="0">
+                <a:solidFill>
+                  <a:srgbClr val="00B050"/>
+                </a:solidFill>
+              </a:rPr>
+              <a:t>вместо </a:t>
+            </a:r>
+            <a:r>
+              <a:rPr lang="en-US" sz="3200" b="1" dirty="0" err="1" smtClean="0">
+                <a:solidFill>
+                  <a:srgbClr val="00B050"/>
+                </a:solidFill>
+              </a:rPr>
+              <a:t>System.out.prinln</a:t>
+            </a:r>
+            <a:r>
+              <a:rPr lang="en-US" sz="3200" b="1" dirty="0" smtClean="0">
+                <a:solidFill>
+                  <a:srgbClr val="00B050"/>
+                </a:solidFill>
+              </a:rPr>
+              <a:t>(</a:t>
+            </a:r>
+            <a:r>
+              <a:rPr lang="bg-BG" sz="3200" b="1" i="1" dirty="0" smtClean="0">
+                <a:solidFill>
+                  <a:srgbClr val="00B050"/>
+                </a:solidFill>
+              </a:rPr>
+              <a:t>стойност</a:t>
+            </a:r>
+            <a:r>
+              <a:rPr lang="en-US" sz="3200" b="1" dirty="0" smtClean="0">
+                <a:solidFill>
+                  <a:srgbClr val="00B050"/>
+                </a:solidFill>
+              </a:rPr>
+              <a:t>)</a:t>
+            </a:r>
+            <a:endParaRPr lang="en-US" sz="3200" b="1" dirty="0" smtClean="0">
+              <a:solidFill>
+                <a:srgbClr val="00B050"/>
+              </a:solidFill>
+            </a:endParaRPr>
+          </a:p>
+          <a:p>
+            <a:r>
               <a:rPr lang="bg-BG" b="1" u="sng" dirty="0" smtClean="0"/>
-              <a:t>Задача 1:</a:t>
+              <a:t>Задача </a:t>
+            </a:r>
+            <a:r>
+              <a:rPr lang="bg-BG" b="1" u="sng" dirty="0" smtClean="0"/>
+              <a:t>1:</a:t>
             </a:r>
             <a:r>
               <a:rPr lang="bg-BG" dirty="0" smtClean="0"/>
@@ -5055,14 +5153,38 @@
             </a:r>
             <a:r>
               <a:rPr lang="bg-BG" dirty="0" smtClean="0"/>
-              <a:t> Преработете Задача 2-ра от домашното от миналия път като добавите проверка а да се дели на </a:t>
+              <a:t> Преработете Задача 2-ра от домашното от миналия път като добавите проверка а </a:t>
+            </a:r>
+            <a:r>
+              <a:rPr lang="bg-BG" dirty="0" smtClean="0"/>
+              <a:t>да</a:t>
+            </a:r>
+            <a:r>
+              <a:rPr lang="bg-BG" dirty="0" smtClean="0"/>
+              <a:t>ли</a:t>
+            </a:r>
+            <a:r>
+              <a:rPr lang="bg-BG" dirty="0" smtClean="0"/>
+              <a:t> </a:t>
+            </a:r>
+            <a:r>
+              <a:rPr lang="bg-BG" dirty="0" smtClean="0"/>
+              <a:t>се дели на </a:t>
             </a:r>
             <a:r>
               <a:rPr lang="en-US" dirty="0" smtClean="0"/>
               <a:t>b</a:t>
             </a:r>
             <a:r>
-              <a:rPr lang="en-US" dirty="0"/>
+              <a:rPr lang="bg-BG" dirty="0" smtClean="0"/>
+              <a:t> и ако не се, отпечатайте </a:t>
+            </a:r>
+            <a:r>
+              <a:rPr lang="bg-BG" dirty="0" smtClean="0"/>
+              <a:t>-1</a:t>
+            </a:r>
+            <a:r>
+              <a:rPr lang="en-US" dirty="0" smtClean="0"/>
               <a:t>.</a:t>
             </a:r>
             <a:r>
@@ -5083,15 +5205,15 @@
   <p:clrMapOvr>
     <a:masterClrMapping/>
   </p:clrMapOvr>
-  <mc:AlternateContent xmlns:mc="http://schemas.openxmlformats.org/markup-compatibility/2006" xmlns:p14="http://schemas.microsoft.com/office/powerpoint/2010/main">
-    <mc:Choice Requires="p14">
-      <p:transition spd="slow" p14:dur="1200">
-        <p:dissolve/>
+  <mc:AlternateContent xmlns:mc="http://schemas.openxmlformats.org/markup-compatibility/2006">
+    <mc:Choice xmlns:p14="http://schemas.microsoft.com/office/powerpoint/2010/main" Requires="p14">
+      <p:transition spd="slow" p14:dur="3000">
+        <p14:shred/>
       </p:transition>
     </mc:Choice>
-    <mc:Fallback xmlns="">
+    <mc:Fallback>
       <p:transition spd="slow">
-        <p:dissolve/>
+        <p:fade/>
       </p:transition>
     </mc:Fallback>
   </mc:AlternateContent>
@@ -5105,7 +5227,7 @@
 </p:sld>
 </file>
 
-<file path=ppt/slides/slide17.xml><?xml version="1.0" encoding="utf-8"?>
+<file path=ppt/slides/slide19.xml><?xml version="1.0" encoding="utf-8"?>
 <p:sld xmlns:a="http://schemas.openxmlformats.org/drawingml/2006/main" xmlns:r="http://schemas.openxmlformats.org/officeDocument/2006/relationships" xmlns:p="http://schemas.openxmlformats.org/presentationml/2006/main">
   <p:cSld>
     <p:spTree>
@@ -5442,15 +5564,266 @@
   <p:clrMapOvr>
     <a:masterClrMapping/>
   </p:clrMapOvr>
-  <mc:AlternateContent xmlns:mc="http://schemas.openxmlformats.org/markup-compatibility/2006" xmlns:p14="http://schemas.microsoft.com/office/powerpoint/2010/main">
-    <mc:Choice Requires="p14">
-      <p:transition spd="slow" p14:dur="1200">
-        <p:dissolve/>
+  <p:transition>
+    <p:dissolve/>
+  </p:transition>
+  <p:timing>
+    <p:tnLst>
+      <p:par>
+        <p:cTn id="1" dur="indefinite" restart="never" nodeType="tmRoot"/>
+      </p:par>
+    </p:tnLst>
+  </p:timing>
+</p:sld>
+</file>
+
+<file path=ppt/slides/slide2.xml><?xml version="1.0" encoding="utf-8"?>
+<p:sld xmlns:a="http://schemas.openxmlformats.org/drawingml/2006/main" xmlns:r="http://schemas.openxmlformats.org/officeDocument/2006/relationships" xmlns:p="http://schemas.openxmlformats.org/presentationml/2006/main">
+  <p:cSld>
+    <p:spTree>
+      <p:nvGrpSpPr>
+        <p:cNvPr id="1" name=""/>
+        <p:cNvGrpSpPr/>
+        <p:nvPr/>
+      </p:nvGrpSpPr>
+      <p:grpSpPr>
+        <a:xfrm>
+          <a:off x="0" y="0"/>
+          <a:ext cx="0" cy="0"/>
+          <a:chOff x="0" y="0"/>
+          <a:chExt cx="0" cy="0"/>
+        </a:xfrm>
+      </p:grpSpPr>
+      <p:sp>
+        <p:nvSpPr>
+          <p:cNvPr id="2" name="Title 1"/>
+          <p:cNvSpPr>
+            <a:spLocks noGrp="1"/>
+          </p:cNvSpPr>
+          <p:nvPr>
+            <p:ph type="title"/>
+          </p:nvPr>
+        </p:nvSpPr>
+        <p:spPr>
+          <a:xfrm>
+            <a:off x="2314575" y="391004"/>
+            <a:ext cx="10515600" cy="1325563"/>
+          </a:xfrm>
+        </p:spPr>
+        <p:txBody>
+          <a:bodyPr/>
+          <a:lstStyle/>
+          <a:p>
+            <a:r>
+              <a:rPr lang="bg-BG" dirty="0" smtClean="0"/>
+              <a:t>Речник</a:t>
+            </a:r>
+            <a:endParaRPr lang="bg-BG" dirty="0"/>
+          </a:p>
+        </p:txBody>
+      </p:sp>
+      <p:sp>
+        <p:nvSpPr>
+          <p:cNvPr id="3" name="Content Placeholder 2"/>
+          <p:cNvSpPr>
+            <a:spLocks noGrp="1"/>
+          </p:cNvSpPr>
+          <p:nvPr>
+            <p:ph idx="1"/>
+          </p:nvPr>
+        </p:nvSpPr>
+        <p:spPr>
+          <a:xfrm>
+            <a:off x="2324100" y="1851504"/>
+            <a:ext cx="9269802" cy="4351338"/>
+          </a:xfrm>
+        </p:spPr>
+        <p:txBody>
+          <a:bodyPr/>
+          <a:lstStyle/>
+          <a:p>
+            <a:pPr algn="just"/>
+            <a:r>
+              <a:rPr lang="bg-BG" b="1" dirty="0" smtClean="0"/>
+              <a:t>Алгоритъм </a:t>
+            </a:r>
+            <a:r>
+              <a:rPr lang="bg-BG" dirty="0" smtClean="0"/>
+              <a:t>– поредица от стъпки</a:t>
+            </a:r>
+          </a:p>
+          <a:p>
+            <a:pPr algn="just"/>
+            <a:r>
+              <a:rPr lang="bg-BG" b="1" dirty="0" smtClean="0"/>
+              <a:t>Код </a:t>
+            </a:r>
+            <a:r>
+              <a:rPr lang="bg-BG" dirty="0" smtClean="0"/>
+              <a:t>– </a:t>
+            </a:r>
+            <a:r>
+              <a:rPr lang="bg-BG" i="1" dirty="0" smtClean="0"/>
+              <a:t>Алгоритъм</a:t>
+            </a:r>
+            <a:r>
+              <a:rPr lang="bg-BG" dirty="0" smtClean="0"/>
+              <a:t>, записан в текстов файл на език за програмиране</a:t>
+            </a:r>
+            <a:endParaRPr lang="bg-BG" b="1" dirty="0" smtClean="0"/>
+          </a:p>
+          <a:p>
+            <a:pPr algn="just"/>
+            <a:r>
+              <a:rPr lang="bg-BG" b="1" dirty="0" smtClean="0"/>
+              <a:t>Променлива </a:t>
+            </a:r>
+            <a:r>
+              <a:rPr lang="bg-BG" dirty="0" smtClean="0"/>
+              <a:t>– стойност с име</a:t>
+            </a:r>
+            <a:endParaRPr lang="bg-BG" b="1" dirty="0"/>
+          </a:p>
+        </p:txBody>
+      </p:sp>
+      <p:pic>
+        <p:nvPicPr>
+          <p:cNvPr id="4" name="Picture 3"/>
+          <p:cNvPicPr>
+            <a:picLocks noChangeAspect="1"/>
+          </p:cNvPicPr>
+          <p:nvPr/>
+        </p:nvPicPr>
+        <p:blipFill>
+          <a:blip r:embed="rId2" cstate="print">
+            <a:extLst>
+              <a:ext uri="{BEBA8EAE-BF5A-486C-A8C5-ECC9F3942E4B}">
+                <a14:imgProps xmlns:a14="http://schemas.microsoft.com/office/drawing/2010/main">
+                  <a14:imgLayer r:embed="rId3">
+                    <a14:imgEffect>
+                      <a14:backgroundRemoval t="0" b="100000" l="10000" r="90000">
+                        <a14:foregroundMark x1="59277" y1="68605" x2="61325" y2="85271"/>
+                        <a14:foregroundMark x1="64819" y1="62791" x2="67952" y2="81589"/>
+                        <a14:foregroundMark x1="75301" y1="48643" x2="80361" y2="68605"/>
+                        <a14:foregroundMark x1="82048" y1="46899" x2="82892" y2="67248"/>
+                        <a14:foregroundMark x1="84337" y1="45930" x2="85422" y2="50969"/>
+                        <a14:foregroundMark x1="85663" y1="50581" x2="86747" y2="44767"/>
+                      </a14:backgroundRemoval>
+                    </a14:imgEffect>
+                  </a14:imgLayer>
+                </a14:imgProps>
+              </a:ext>
+              <a:ext uri="{28A0092B-C50C-407E-A947-70E740481C1C}">
+                <a14:useLocalDpi xmlns:a14="http://schemas.microsoft.com/office/drawing/2010/main" val="0"/>
+              </a:ext>
+            </a:extLst>
+          </a:blip>
+          <a:stretch>
+            <a:fillRect/>
+          </a:stretch>
+        </p:blipFill>
+        <p:spPr>
+          <a:xfrm rot="1693641">
+            <a:off x="7902746" y="4070841"/>
+            <a:ext cx="3393983" cy="2109994"/>
+          </a:xfrm>
+          <a:prstGeom prst="rect">
+            <a:avLst/>
+          </a:prstGeom>
+          <a:ln>
+            <a:noFill/>
+          </a:ln>
+          <a:effectLst>
+            <a:outerShdw blurRad="292100" dist="139700" dir="2700000" algn="tl" rotWithShape="0">
+              <a:srgbClr val="333333">
+                <a:alpha val="65000"/>
+              </a:srgbClr>
+            </a:outerShdw>
+          </a:effectLst>
+        </p:spPr>
+      </p:pic>
+      <p:pic>
+        <p:nvPicPr>
+          <p:cNvPr id="1026" name="Picture 2" descr="Google Code Icons - Code Icon Png Clipart (#1385368) - PinClipart"/>
+          <p:cNvPicPr>
+            <a:picLocks noChangeAspect="1" noChangeArrowheads="1"/>
+          </p:cNvPicPr>
+          <p:nvPr/>
+        </p:nvPicPr>
+        <p:blipFill>
+          <a:blip r:embed="rId4" cstate="print">
+            <a:extLst>
+              <a:ext uri="{BEBA8EAE-BF5A-486C-A8C5-ECC9F3942E4B}">
+                <a14:imgProps xmlns:a14="http://schemas.microsoft.com/office/drawing/2010/main">
+                  <a14:imgLayer r:embed="rId5">
+                    <a14:imgEffect>
+                      <a14:backgroundRemoval t="2211" b="96314" l="2500" r="97614">
+                        <a14:foregroundMark x1="23068" y1="48034" x2="23068" y2="48034"/>
+                        <a14:foregroundMark x1="52159" y1="43366" x2="52159" y2="43366"/>
+                        <a14:foregroundMark x1="70114" y1="44595" x2="70114" y2="44595"/>
+                      </a14:backgroundRemoval>
+                    </a14:imgEffect>
+                  </a14:imgLayer>
+                </a14:imgProps>
+              </a:ext>
+              <a:ext uri="{28A0092B-C50C-407E-A947-70E740481C1C}">
+                <a14:useLocalDpi xmlns:a14="http://schemas.microsoft.com/office/drawing/2010/main" val="0"/>
+              </a:ext>
+            </a:extLst>
+          </a:blip>
+          <a:srcRect/>
+          <a:stretch>
+            <a:fillRect/>
+          </a:stretch>
+        </p:blipFill>
+        <p:spPr bwMode="auto">
+          <a:xfrm rot="1185757">
+            <a:off x="3310080" y="4494843"/>
+            <a:ext cx="1727500" cy="1597938"/>
+          </a:xfrm>
+          <a:prstGeom prst="rect">
+            <a:avLst/>
+          </a:prstGeom>
+          <a:ln>
+            <a:noFill/>
+          </a:ln>
+          <a:effectLst>
+            <a:outerShdw blurRad="292100" dist="139700" dir="2700000" algn="tl" rotWithShape="0">
+              <a:srgbClr val="333333">
+                <a:alpha val="65000"/>
+              </a:srgbClr>
+            </a:outerShdw>
+          </a:effectLst>
+          <a:extLst>
+            <a:ext uri="{909E8E84-426E-40DD-AFC4-6F175D3DCCD1}">
+              <a14:hiddenFill xmlns:a14="http://schemas.microsoft.com/office/drawing/2010/main">
+                <a:solidFill>
+                  <a:srgbClr val="FFFFFF"/>
+                </a:solidFill>
+              </a14:hiddenFill>
+            </a:ext>
+          </a:extLst>
+        </p:spPr>
+      </p:pic>
+    </p:spTree>
+    <p:extLst>
+      <p:ext uri="{BB962C8B-B14F-4D97-AF65-F5344CB8AC3E}">
+        <p14:creationId xmlns:p14="http://schemas.microsoft.com/office/powerpoint/2010/main" val="982441980"/>
+      </p:ext>
+    </p:extLst>
+  </p:cSld>
+  <p:clrMapOvr>
+    <a:masterClrMapping/>
+  </p:clrMapOvr>
+  <mc:AlternateContent xmlns:mc="http://schemas.openxmlformats.org/markup-compatibility/2006">
+    <mc:Choice xmlns:p14="http://schemas.microsoft.com/office/powerpoint/2010/main" Requires="p14">
+      <p:transition spd="slow" p14:dur="3000">
+        <p14:shred/>
       </p:transition>
     </mc:Choice>
-    <mc:Fallback xmlns="">
+    <mc:Fallback>
       <p:transition spd="slow">
-        <p:dissolve/>
+        <p:fade/>
       </p:transition>
     </mc:Fallback>
   </mc:AlternateContent>
@@ -5464,7 +5837,7 @@
 </p:sld>
 </file>
 
-<file path=ppt/slides/slide18.xml><?xml version="1.0" encoding="utf-8"?>
+<file path=ppt/slides/slide20.xml><?xml version="1.0" encoding="utf-8"?>
 <p:sld xmlns:a="http://schemas.openxmlformats.org/drawingml/2006/main" xmlns:r="http://schemas.openxmlformats.org/officeDocument/2006/relationships" xmlns:p="http://schemas.openxmlformats.org/presentationml/2006/main">
   <p:cSld>
     <p:spTree>
@@ -5623,18 +5996,9 @@
   <p:clrMapOvr>
     <a:masterClrMapping/>
   </p:clrMapOvr>
-  <mc:AlternateContent xmlns:mc="http://schemas.openxmlformats.org/markup-compatibility/2006" xmlns:p14="http://schemas.microsoft.com/office/powerpoint/2010/main">
-    <mc:Choice Requires="p14">
-      <p:transition spd="slow" p14:dur="1200">
-        <p:dissolve/>
-      </p:transition>
-    </mc:Choice>
-    <mc:Fallback xmlns="">
-      <p:transition spd="slow">
-        <p:dissolve/>
-      </p:transition>
-    </mc:Fallback>
-  </mc:AlternateContent>
+  <p:transition>
+    <p:dissolve/>
+  </p:transition>
   <p:timing>
     <p:tnLst>
       <p:par>
@@ -5645,7 +6009,7 @@
 </p:sld>
 </file>
 
-<file path=ppt/slides/slide19.xml><?xml version="1.0" encoding="utf-8"?>
+<file path=ppt/slides/slide21.xml><?xml version="1.0" encoding="utf-8"?>
 <p:sld xmlns:a="http://schemas.openxmlformats.org/drawingml/2006/main" xmlns:r="http://schemas.openxmlformats.org/officeDocument/2006/relationships" xmlns:p="http://schemas.openxmlformats.org/presentationml/2006/main">
   <p:cSld>
     <p:spTree>
@@ -5842,18 +6206,9 @@
   <p:clrMapOvr>
     <a:masterClrMapping/>
   </p:clrMapOvr>
-  <mc:AlternateContent xmlns:mc="http://schemas.openxmlformats.org/markup-compatibility/2006" xmlns:p14="http://schemas.microsoft.com/office/powerpoint/2010/main">
-    <mc:Choice Requires="p14">
-      <p:transition spd="slow" p14:dur="1200">
-        <p:dissolve/>
-      </p:transition>
-    </mc:Choice>
-    <mc:Fallback xmlns="">
-      <p:transition spd="slow">
-        <p:dissolve/>
-      </p:transition>
-    </mc:Fallback>
-  </mc:AlternateContent>
+  <p:transition>
+    <p:dissolve/>
+  </p:transition>
   <p:timing>
     <p:tnLst>
       <p:par>
@@ -5864,7 +6219,7 @@
 </p:sld>
 </file>
 
-<file path=ppt/slides/slide2.xml><?xml version="1.0" encoding="utf-8"?>
+<file path=ppt/slides/slide3.xml><?xml version="1.0" encoding="utf-8"?>
 <p:sld xmlns:a="http://schemas.openxmlformats.org/drawingml/2006/main" xmlns:r="http://schemas.openxmlformats.org/officeDocument/2006/relationships" xmlns:p="http://schemas.openxmlformats.org/presentationml/2006/main">
   <p:cSld>
     <p:spTree>
@@ -6084,18 +6439,9 @@
   <p:clrMapOvr>
     <a:masterClrMapping/>
   </p:clrMapOvr>
-  <mc:AlternateContent xmlns:mc="http://schemas.openxmlformats.org/markup-compatibility/2006" xmlns:p14="http://schemas.microsoft.com/office/powerpoint/2010/main">
-    <mc:Choice Requires="p14">
-      <p:transition spd="slow" p14:dur="1200">
-        <p:dissolve/>
-      </p:transition>
-    </mc:Choice>
-    <mc:Fallback xmlns="">
-      <p:transition spd="slow">
-        <p:dissolve/>
-      </p:transition>
-    </mc:Fallback>
-  </mc:AlternateContent>
+  <p:transition>
+    <p:dissolve/>
+  </p:transition>
   <p:timing>
     <p:tnLst>
       <p:par>
@@ -6106,7 +6452,7 @@
 </p:sld>
 </file>
 
-<file path=ppt/slides/slide3.xml><?xml version="1.0" encoding="utf-8"?>
+<file path=ppt/slides/slide4.xml><?xml version="1.0" encoding="utf-8"?>
 <p:sld xmlns:a="http://schemas.openxmlformats.org/drawingml/2006/main" xmlns:r="http://schemas.openxmlformats.org/officeDocument/2006/relationships" xmlns:p="http://schemas.openxmlformats.org/presentationml/2006/main">
   <p:cSld>
     <p:spTree>
@@ -6212,18 +6558,9 @@
   <p:clrMapOvr>
     <a:masterClrMapping/>
   </p:clrMapOvr>
-  <mc:AlternateContent xmlns:mc="http://schemas.openxmlformats.org/markup-compatibility/2006" xmlns:p14="http://schemas.microsoft.com/office/powerpoint/2010/main">
-    <mc:Choice Requires="p14">
-      <p:transition spd="slow" p14:dur="1200">
-        <p:dissolve/>
-      </p:transition>
-    </mc:Choice>
-    <mc:Fallback xmlns="">
-      <p:transition spd="slow">
-        <p:dissolve/>
-      </p:transition>
-    </mc:Fallback>
-  </mc:AlternateContent>
+  <p:transition>
+    <p:dissolve/>
+  </p:transition>
   <p:timing>
     <p:tnLst>
       <p:par>
@@ -6353,7 +6690,587 @@
 </p:sld>
 </file>
 
-<file path=ppt/slides/slide4.xml><?xml version="1.0" encoding="utf-8"?>
+<file path=ppt/slides/slide5.xml><?xml version="1.0" encoding="utf-8"?>
+<p:sld xmlns:a="http://schemas.openxmlformats.org/drawingml/2006/main" xmlns:r="http://schemas.openxmlformats.org/officeDocument/2006/relationships" xmlns:p="http://schemas.openxmlformats.org/presentationml/2006/main">
+  <p:cSld>
+    <p:bg>
+      <p:bgPr>
+        <a:blipFill dpi="0" rotWithShape="1">
+          <a:blip r:embed="rId2"/>
+          <a:srcRect/>
+          <a:stretch>
+            <a:fillRect/>
+          </a:stretch>
+        </a:blipFill>
+        <a:effectLst/>
+      </p:bgPr>
+    </p:bg>
+    <p:spTree>
+      <p:nvGrpSpPr>
+        <p:cNvPr id="1" name=""/>
+        <p:cNvGrpSpPr/>
+        <p:nvPr/>
+      </p:nvGrpSpPr>
+      <p:grpSpPr>
+        <a:xfrm>
+          <a:off x="0" y="0"/>
+          <a:ext cx="0" cy="0"/>
+          <a:chOff x="0" y="0"/>
+          <a:chExt cx="0" cy="0"/>
+        </a:xfrm>
+      </p:grpSpPr>
+      <p:sp>
+        <p:nvSpPr>
+          <p:cNvPr id="2" name="Title 1"/>
+          <p:cNvSpPr>
+            <a:spLocks noGrp="1"/>
+          </p:cNvSpPr>
+          <p:nvPr>
+            <p:ph type="ctrTitle"/>
+          </p:nvPr>
+        </p:nvSpPr>
+        <p:spPr/>
+        <p:txBody>
+          <a:bodyPr/>
+          <a:lstStyle/>
+          <a:p>
+            <a:r>
+              <a:rPr lang="bg-BG" dirty="0" smtClean="0"/>
+              <a:t>Условия и проверки</a:t>
+            </a:r>
+            <a:endParaRPr lang="bg-BG" dirty="0"/>
+          </a:p>
+        </p:txBody>
+      </p:sp>
+      <p:sp>
+        <p:nvSpPr>
+          <p:cNvPr id="3" name="Subtitle 2"/>
+          <p:cNvSpPr>
+            <a:spLocks noGrp="1"/>
+          </p:cNvSpPr>
+          <p:nvPr>
+            <p:ph type="subTitle" idx="1"/>
+          </p:nvPr>
+        </p:nvSpPr>
+        <p:spPr/>
+        <p:txBody>
+          <a:bodyPr/>
+          <a:lstStyle/>
+          <a:p>
+            <a:r>
+              <a:rPr lang="bg-BG" dirty="0" smtClean="0"/>
+              <a:t>Симеон Петков</a:t>
+            </a:r>
+            <a:endParaRPr lang="bg-BG" dirty="0"/>
+          </a:p>
+        </p:txBody>
+      </p:sp>
+      <p:pic>
+        <p:nvPicPr>
+          <p:cNvPr id="2050" name="Picture 2" descr="Red Question Mark PNG Images, Transparent Red Question Mark Image Download  - PNGitem"/>
+          <p:cNvPicPr>
+            <a:picLocks noChangeAspect="1" noChangeArrowheads="1"/>
+          </p:cNvPicPr>
+          <p:nvPr/>
+        </p:nvPicPr>
+        <p:blipFill>
+          <a:blip r:embed="rId3">
+            <a:duotone>
+              <a:schemeClr val="accent6">
+                <a:shade val="45000"/>
+                <a:satMod val="135000"/>
+              </a:schemeClr>
+              <a:prstClr val="white"/>
+            </a:duotone>
+            <a:extLst>
+              <a:ext uri="{BEBA8EAE-BF5A-486C-A8C5-ECC9F3942E4B}">
+                <a14:imgProps xmlns:a14="http://schemas.microsoft.com/office/drawing/2010/main">
+                  <a14:imgLayer r:embed="rId4">
+                    <a14:imgEffect>
+                      <a14:backgroundRemoval t="0" b="100000" l="9375" r="89286">
+                        <a14:foregroundMark x1="43304" y1="86786" x2="50000" y2="86786"/>
+                      </a14:backgroundRemoval>
+                    </a14:imgEffect>
+                    <a14:imgEffect>
+                      <a14:sharpenSoften amount="-100000"/>
+                    </a14:imgEffect>
+                    <a14:imgEffect>
+                      <a14:brightnessContrast bright="26000" contrast="-50000"/>
+                    </a14:imgEffect>
+                  </a14:imgLayer>
+                </a14:imgProps>
+              </a:ext>
+              <a:ext uri="{28A0092B-C50C-407E-A947-70E740481C1C}">
+                <a14:useLocalDpi xmlns:a14="http://schemas.microsoft.com/office/drawing/2010/main" val="0"/>
+              </a:ext>
+            </a:extLst>
+          </a:blip>
+          <a:srcRect/>
+          <a:stretch>
+            <a:fillRect/>
+          </a:stretch>
+        </p:blipFill>
+        <p:spPr bwMode="auto">
+          <a:xfrm rot="1025810">
+            <a:off x="2678856" y="3764661"/>
+            <a:ext cx="2133600" cy="2667000"/>
+          </a:xfrm>
+          <a:prstGeom prst="rect">
+            <a:avLst/>
+          </a:prstGeom>
+          <a:ln>
+            <a:noFill/>
+          </a:ln>
+          <a:effectLst>
+            <a:outerShdw blurRad="292100" dist="139700" dir="2700000" algn="tl" rotWithShape="0">
+              <a:srgbClr val="333333">
+                <a:alpha val="65000"/>
+              </a:srgbClr>
+            </a:outerShdw>
+          </a:effectLst>
+          <a:extLst>
+            <a:ext uri="{909E8E84-426E-40DD-AFC4-6F175D3DCCD1}">
+              <a14:hiddenFill xmlns:a14="http://schemas.microsoft.com/office/drawing/2010/main">
+                <a:solidFill>
+                  <a:srgbClr val="FFFFFF"/>
+                </a:solidFill>
+              </a14:hiddenFill>
+            </a:ext>
+          </a:extLst>
+        </p:spPr>
+      </p:pic>
+      <p:pic>
+        <p:nvPicPr>
+          <p:cNvPr id="7" name="Picture 6"/>
+          <p:cNvPicPr>
+            <a:picLocks noChangeAspect="1"/>
+          </p:cNvPicPr>
+          <p:nvPr/>
+        </p:nvPicPr>
+        <p:blipFill rotWithShape="1">
+          <a:blip r:embed="rId5" cstate="print">
+            <a:extLst>
+              <a:ext uri="{28A0092B-C50C-407E-A947-70E740481C1C}">
+                <a14:useLocalDpi xmlns:a14="http://schemas.microsoft.com/office/drawing/2010/main" val="0"/>
+              </a:ext>
+            </a:extLst>
+          </a:blip>
+          <a:srcRect t="45927"/>
+          <a:stretch/>
+        </p:blipFill>
+        <p:spPr>
+          <a:xfrm rot="21153127">
+            <a:off x="7020658" y="698084"/>
+            <a:ext cx="5092434" cy="1548935"/>
+          </a:xfrm>
+          <a:prstGeom prst="rect">
+            <a:avLst/>
+          </a:prstGeom>
+          <a:ln>
+            <a:noFill/>
+          </a:ln>
+          <a:effectLst>
+            <a:outerShdw blurRad="292100" dist="139700" dir="2700000" algn="tl" rotWithShape="0">
+              <a:srgbClr val="333333">
+                <a:alpha val="65000"/>
+              </a:srgbClr>
+            </a:outerShdw>
+          </a:effectLst>
+        </p:spPr>
+      </p:pic>
+      <p:pic>
+        <p:nvPicPr>
+          <p:cNvPr id="8" name="Picture 7"/>
+          <p:cNvPicPr>
+            <a:picLocks noChangeAspect="1"/>
+          </p:cNvPicPr>
+          <p:nvPr/>
+        </p:nvPicPr>
+        <p:blipFill>
+          <a:blip r:embed="rId6" cstate="print">
+            <a:extLst>
+              <a:ext uri="{28A0092B-C50C-407E-A947-70E740481C1C}">
+                <a14:useLocalDpi xmlns:a14="http://schemas.microsoft.com/office/drawing/2010/main" val="0"/>
+              </a:ext>
+            </a:extLst>
+          </a:blip>
+          <a:stretch>
+            <a:fillRect/>
+          </a:stretch>
+        </p:blipFill>
+        <p:spPr>
+          <a:xfrm>
+            <a:off x="7696849" y="4257760"/>
+            <a:ext cx="2940095" cy="1857227"/>
+          </a:xfrm>
+          <a:prstGeom prst="rect">
+            <a:avLst/>
+          </a:prstGeom>
+          <a:ln>
+            <a:noFill/>
+          </a:ln>
+          <a:effectLst>
+            <a:outerShdw blurRad="292100" dist="139700" dir="2700000" algn="tl" rotWithShape="0">
+              <a:srgbClr val="333333">
+                <a:alpha val="65000"/>
+              </a:srgbClr>
+            </a:outerShdw>
+          </a:effectLst>
+        </p:spPr>
+      </p:pic>
+      <p:pic>
+        <p:nvPicPr>
+          <p:cNvPr id="9" name="Picture 2" descr="Scratch Decisions"/>
+          <p:cNvPicPr>
+            <a:picLocks noChangeAspect="1" noChangeArrowheads="1"/>
+          </p:cNvPicPr>
+          <p:nvPr/>
+        </p:nvPicPr>
+        <p:blipFill>
+          <a:blip r:embed="rId7">
+            <a:extLst>
+              <a:ext uri="{BEBA8EAE-BF5A-486C-A8C5-ECC9F3942E4B}">
+                <a14:imgProps xmlns:a14="http://schemas.microsoft.com/office/drawing/2010/main">
+                  <a14:imgLayer r:embed="rId8">
+                    <a14:imgEffect>
+                      <a14:backgroundRemoval t="0" b="100000" l="0" r="100000">
+                        <a14:foregroundMark x1="9048" y1="14198" x2="86190" y2="17901"/>
+                        <a14:foregroundMark x1="4762" y1="44444" x2="10476" y2="58025"/>
+                        <a14:foregroundMark x1="14286" y1="53704" x2="34762" y2="54321"/>
+                      </a14:backgroundRemoval>
+                    </a14:imgEffect>
+                  </a14:imgLayer>
+                </a14:imgProps>
+              </a:ext>
+              <a:ext uri="{28A0092B-C50C-407E-A947-70E740481C1C}">
+                <a14:useLocalDpi xmlns:a14="http://schemas.microsoft.com/office/drawing/2010/main" val="0"/>
+              </a:ext>
+            </a:extLst>
+          </a:blip>
+          <a:srcRect/>
+          <a:stretch>
+            <a:fillRect/>
+          </a:stretch>
+        </p:blipFill>
+        <p:spPr bwMode="auto">
+          <a:xfrm rot="748844">
+            <a:off x="3884731" y="878547"/>
+            <a:ext cx="1943990" cy="1499650"/>
+          </a:xfrm>
+          <a:prstGeom prst="rect">
+            <a:avLst/>
+          </a:prstGeom>
+          <a:ln>
+            <a:noFill/>
+          </a:ln>
+          <a:effectLst>
+            <a:outerShdw blurRad="292100" dist="139700" dir="2700000" algn="tl" rotWithShape="0">
+              <a:srgbClr val="333333">
+                <a:alpha val="65000"/>
+              </a:srgbClr>
+            </a:outerShdw>
+          </a:effectLst>
+          <a:extLst>
+            <a:ext uri="{909E8E84-426E-40DD-AFC4-6F175D3DCCD1}">
+              <a14:hiddenFill xmlns:a14="http://schemas.microsoft.com/office/drawing/2010/main">
+                <a:solidFill>
+                  <a:srgbClr val="FFFFFF"/>
+                </a:solidFill>
+              </a14:hiddenFill>
+            </a:ext>
+          </a:extLst>
+        </p:spPr>
+      </p:pic>
+    </p:spTree>
+    <p:extLst>
+      <p:ext uri="{BB962C8B-B14F-4D97-AF65-F5344CB8AC3E}">
+        <p14:creationId xmlns:p14="http://schemas.microsoft.com/office/powerpoint/2010/main" val="29679905"/>
+      </p:ext>
+    </p:extLst>
+  </p:cSld>
+  <p:clrMapOvr>
+    <a:masterClrMapping/>
+  </p:clrMapOvr>
+  <p:transition>
+    <p:dissolve/>
+  </p:transition>
+  <p:timing>
+    <p:tnLst>
+      <p:par>
+        <p:cTn id="1" dur="indefinite" restart="never" nodeType="tmRoot">
+          <p:childTnLst>
+            <p:seq concurrent="1" nextAc="seek">
+              <p:cTn id="2" dur="indefinite" nodeType="mainSeq">
+                <p:childTnLst>
+                  <p:par>
+                    <p:cTn id="3" fill="hold">
+                      <p:stCondLst>
+                        <p:cond delay="indefinite"/>
+                        <p:cond evt="onBegin" delay="0">
+                          <p:tn val="2"/>
+                        </p:cond>
+                      </p:stCondLst>
+                      <p:childTnLst>
+                        <p:par>
+                          <p:cTn id="4" fill="hold">
+                            <p:stCondLst>
+                              <p:cond delay="0"/>
+                            </p:stCondLst>
+                            <p:childTnLst>
+                              <p:par>
+                                <p:cTn id="5" presetID="14" presetClass="entr" presetSubtype="10" fill="hold" grpId="0" nodeType="withEffect">
+                                  <p:stCondLst>
+                                    <p:cond delay="0"/>
+                                  </p:stCondLst>
+                                  <p:childTnLst>
+                                    <p:set>
+                                      <p:cBhvr>
+                                        <p:cTn id="6" dur="1" fill="hold">
+                                          <p:stCondLst>
+                                            <p:cond delay="0"/>
+                                          </p:stCondLst>
+                                        </p:cTn>
+                                        <p:tgtEl>
+                                          <p:spTgt spid="3">
+                                            <p:txEl>
+                                              <p:pRg st="0" end="0"/>
+                                            </p:txEl>
+                                          </p:spTgt>
+                                        </p:tgtEl>
+                                        <p:attrNameLst>
+                                          <p:attrName>style.visibility</p:attrName>
+                                        </p:attrNameLst>
+                                      </p:cBhvr>
+                                      <p:to>
+                                        <p:strVal val="visible"/>
+                                      </p:to>
+                                    </p:set>
+                                    <p:animEffect transition="in" filter="randombar(horizontal)">
+                                      <p:cBhvr>
+                                        <p:cTn id="7" dur="1000"/>
+                                        <p:tgtEl>
+                                          <p:spTgt spid="3">
+                                            <p:txEl>
+                                              <p:pRg st="0" end="0"/>
+                                            </p:txEl>
+                                          </p:spTgt>
+                                        </p:tgtEl>
+                                      </p:cBhvr>
+                                    </p:animEffect>
+                                  </p:childTnLst>
+                                </p:cTn>
+                              </p:par>
+                              <p:par>
+                                <p:cTn id="8" presetID="14" presetClass="entr" presetSubtype="10" fill="hold" grpId="0" nodeType="withEffect">
+                                  <p:stCondLst>
+                                    <p:cond delay="0"/>
+                                  </p:stCondLst>
+                                  <p:childTnLst>
+                                    <p:set>
+                                      <p:cBhvr>
+                                        <p:cTn id="9" dur="1" fill="hold">
+                                          <p:stCondLst>
+                                            <p:cond delay="0"/>
+                                          </p:stCondLst>
+                                        </p:cTn>
+                                        <p:tgtEl>
+                                          <p:spTgt spid="2"/>
+                                        </p:tgtEl>
+                                        <p:attrNameLst>
+                                          <p:attrName>style.visibility</p:attrName>
+                                        </p:attrNameLst>
+                                      </p:cBhvr>
+                                      <p:to>
+                                        <p:strVal val="visible"/>
+                                      </p:to>
+                                    </p:set>
+                                    <p:animEffect transition="in" filter="randombar(horizontal)">
+                                      <p:cBhvr>
+                                        <p:cTn id="10" dur="1000"/>
+                                        <p:tgtEl>
+                                          <p:spTgt spid="2"/>
+                                        </p:tgtEl>
+                                      </p:cBhvr>
+                                    </p:animEffect>
+                                  </p:childTnLst>
+                                </p:cTn>
+                              </p:par>
+                              <p:par>
+                                <p:cTn id="11" presetID="10" presetClass="entr" presetSubtype="0" fill="hold" nodeType="withEffect">
+                                  <p:stCondLst>
+                                    <p:cond delay="0"/>
+                                  </p:stCondLst>
+                                  <p:childTnLst>
+                                    <p:set>
+                                      <p:cBhvr>
+                                        <p:cTn id="12" dur="1" fill="hold">
+                                          <p:stCondLst>
+                                            <p:cond delay="0"/>
+                                          </p:stCondLst>
+                                        </p:cTn>
+                                        <p:tgtEl>
+                                          <p:spTgt spid="9"/>
+                                        </p:tgtEl>
+                                        <p:attrNameLst>
+                                          <p:attrName>style.visibility</p:attrName>
+                                        </p:attrNameLst>
+                                      </p:cBhvr>
+                                      <p:to>
+                                        <p:strVal val="visible"/>
+                                      </p:to>
+                                    </p:set>
+                                    <p:animEffect transition="in" filter="fade">
+                                      <p:cBhvr>
+                                        <p:cTn id="13" dur="500"/>
+                                        <p:tgtEl>
+                                          <p:spTgt spid="9"/>
+                                        </p:tgtEl>
+                                      </p:cBhvr>
+                                    </p:animEffect>
+                                  </p:childTnLst>
+                                </p:cTn>
+                              </p:par>
+                              <p:par>
+                                <p:cTn id="14" presetID="10" presetClass="entr" presetSubtype="0" fill="hold" nodeType="withEffect">
+                                  <p:stCondLst>
+                                    <p:cond delay="0"/>
+                                  </p:stCondLst>
+                                  <p:childTnLst>
+                                    <p:set>
+                                      <p:cBhvr>
+                                        <p:cTn id="15" dur="1" fill="hold">
+                                          <p:stCondLst>
+                                            <p:cond delay="0"/>
+                                          </p:stCondLst>
+                                        </p:cTn>
+                                        <p:tgtEl>
+                                          <p:spTgt spid="7"/>
+                                        </p:tgtEl>
+                                        <p:attrNameLst>
+                                          <p:attrName>style.visibility</p:attrName>
+                                        </p:attrNameLst>
+                                      </p:cBhvr>
+                                      <p:to>
+                                        <p:strVal val="visible"/>
+                                      </p:to>
+                                    </p:set>
+                                    <p:animEffect transition="in" filter="fade">
+                                      <p:cBhvr>
+                                        <p:cTn id="16" dur="500"/>
+                                        <p:tgtEl>
+                                          <p:spTgt spid="7"/>
+                                        </p:tgtEl>
+                                      </p:cBhvr>
+                                    </p:animEffect>
+                                  </p:childTnLst>
+                                </p:cTn>
+                              </p:par>
+                              <p:par>
+                                <p:cTn id="17" presetID="10" presetClass="entr" presetSubtype="0" fill="hold" nodeType="withEffect">
+                                  <p:stCondLst>
+                                    <p:cond delay="0"/>
+                                  </p:stCondLst>
+                                  <p:childTnLst>
+                                    <p:set>
+                                      <p:cBhvr>
+                                        <p:cTn id="18" dur="1" fill="hold">
+                                          <p:stCondLst>
+                                            <p:cond delay="0"/>
+                                          </p:stCondLst>
+                                        </p:cTn>
+                                        <p:tgtEl>
+                                          <p:spTgt spid="2050"/>
+                                        </p:tgtEl>
+                                        <p:attrNameLst>
+                                          <p:attrName>style.visibility</p:attrName>
+                                        </p:attrNameLst>
+                                      </p:cBhvr>
+                                      <p:to>
+                                        <p:strVal val="visible"/>
+                                      </p:to>
+                                    </p:set>
+                                    <p:animEffect transition="in" filter="fade">
+                                      <p:cBhvr>
+                                        <p:cTn id="19" dur="500"/>
+                                        <p:tgtEl>
+                                          <p:spTgt spid="2050"/>
+                                        </p:tgtEl>
+                                      </p:cBhvr>
+                                    </p:animEffect>
+                                  </p:childTnLst>
+                                </p:cTn>
+                              </p:par>
+                              <p:par>
+                                <p:cTn id="20" presetID="10" presetClass="entr" presetSubtype="0" fill="hold" nodeType="withEffect">
+                                  <p:stCondLst>
+                                    <p:cond delay="0"/>
+                                  </p:stCondLst>
+                                  <p:childTnLst>
+                                    <p:set>
+                                      <p:cBhvr>
+                                        <p:cTn id="21" dur="1" fill="hold">
+                                          <p:stCondLst>
+                                            <p:cond delay="0"/>
+                                          </p:stCondLst>
+                                        </p:cTn>
+                                        <p:tgtEl>
+                                          <p:spTgt spid="8"/>
+                                        </p:tgtEl>
+                                        <p:attrNameLst>
+                                          <p:attrName>style.visibility</p:attrName>
+                                        </p:attrNameLst>
+                                      </p:cBhvr>
+                                      <p:to>
+                                        <p:strVal val="visible"/>
+                                      </p:to>
+                                    </p:set>
+                                    <p:animEffect transition="in" filter="fade">
+                                      <p:cBhvr>
+                                        <p:cTn id="22" dur="500"/>
+                                        <p:tgtEl>
+                                          <p:spTgt spid="8"/>
+                                        </p:tgtEl>
+                                      </p:cBhvr>
+                                    </p:animEffect>
+                                  </p:childTnLst>
+                                </p:cTn>
+                              </p:par>
+                            </p:childTnLst>
+                          </p:cTn>
+                        </p:par>
+                      </p:childTnLst>
+                    </p:cTn>
+                  </p:par>
+                </p:childTnLst>
+              </p:cTn>
+              <p:prevCondLst>
+                <p:cond evt="onPrev" delay="0">
+                  <p:tgtEl>
+                    <p:sldTgt/>
+                  </p:tgtEl>
+                </p:cond>
+              </p:prevCondLst>
+              <p:nextCondLst>
+                <p:cond evt="onNext" delay="0">
+                  <p:tgtEl>
+                    <p:sldTgt/>
+                  </p:tgtEl>
+                </p:cond>
+              </p:nextCondLst>
+            </p:seq>
+          </p:childTnLst>
+        </p:cTn>
+      </p:par>
+    </p:tnLst>
+    <p:bldLst>
+      <p:bldP spid="2" grpId="0"/>
+      <p:bldP spid="3" grpId="0" build="p"/>
+    </p:bldLst>
+  </p:timing>
+</p:sld>
+</file>
+
+<file path=ppt/slides/slide6.xml><?xml version="1.0" encoding="utf-8"?>
 <p:sld xmlns:a="http://schemas.openxmlformats.org/drawingml/2006/main" xmlns:r="http://schemas.openxmlformats.org/officeDocument/2006/relationships" xmlns:p="http://schemas.openxmlformats.org/presentationml/2006/main">
   <p:cSld>
     <p:spTree>
@@ -6377,7 +7294,7 @@
             <a:spLocks noGrp="1"/>
           </p:cNvSpPr>
           <p:nvPr>
-            <p:ph type="ctrTitle"/>
+            <p:ph type="title"/>
           </p:nvPr>
         </p:nvSpPr>
         <p:spPr/>
@@ -6387,7 +7304,7 @@
           <a:p>
             <a:r>
               <a:rPr lang="bg-BG" dirty="0" smtClean="0"/>
-              <a:t>Условия и проверки</a:t>
+              <a:t>Съдържание</a:t>
             </a:r>
             <a:endParaRPr lang="bg-BG" dirty="0"/>
           </a:p>
@@ -6395,49 +7312,198 @@
       </p:sp>
       <p:sp>
         <p:nvSpPr>
-          <p:cNvPr id="3" name="Subtitle 2"/>
-          <p:cNvSpPr>
-            <a:spLocks noGrp="1"/>
-          </p:cNvSpPr>
-          <p:nvPr>
-            <p:ph type="subTitle" idx="1"/>
-          </p:nvPr>
-        </p:nvSpPr>
-        <p:spPr/>
+          <p:cNvPr id="3" name="Content Placeholder 2"/>
+          <p:cNvSpPr>
+            <a:spLocks noGrp="1"/>
+          </p:cNvSpPr>
+          <p:nvPr>
+            <p:ph idx="1"/>
+          </p:nvPr>
+        </p:nvSpPr>
+        <p:spPr>
+          <a:xfrm>
+            <a:off x="2314575" y="1690688"/>
+            <a:ext cx="10515600" cy="4351338"/>
+          </a:xfrm>
+          <a:noFill/>
+          <a:effectLst>
+            <a:outerShdw blurRad="825500" dist="215900" dir="5460000" sx="104000" sy="104000" algn="ctr" rotWithShape="0">
+              <a:schemeClr val="tx1">
+                <a:alpha val="32000"/>
+              </a:schemeClr>
+            </a:outerShdw>
+          </a:effectLst>
+        </p:spPr>
         <p:txBody>
           <a:bodyPr/>
           <a:lstStyle/>
           <a:p>
+            <a:pPr algn="just"/>
             <a:r>
               <a:rPr lang="bg-BG" dirty="0" smtClean="0"/>
-              <a:t>Симеон Петков</a:t>
+              <a:t>Блок схеми</a:t>
+            </a:r>
+            <a:r>
+              <a:rPr lang="en-US" dirty="0" smtClean="0"/>
+              <a:t> – </a:t>
+            </a:r>
+            <a:r>
+              <a:rPr lang="bg-BG" dirty="0" smtClean="0"/>
+              <a:t>Вход/Изход, Стъпка, Условие</a:t>
+            </a:r>
+          </a:p>
+          <a:p>
+            <a:pPr algn="just"/>
+            <a:r>
+              <a:rPr lang="bg-BG" dirty="0" smtClean="0"/>
+              <a:t>Тип </a:t>
+            </a:r>
+            <a:r>
+              <a:rPr lang="en-US" dirty="0" smtClean="0"/>
+              <a:t>Boolean</a:t>
+            </a:r>
+            <a:r>
+              <a:rPr lang="bg-BG" dirty="0" smtClean="0"/>
+              <a:t> – </a:t>
+            </a:r>
+            <a:r>
+              <a:rPr lang="en-US" dirty="0" smtClean="0"/>
+              <a:t>true / false</a:t>
+            </a:r>
+          </a:p>
+          <a:p>
+            <a:pPr algn="just"/>
+            <a:r>
+              <a:rPr lang="bg-BG" dirty="0" smtClean="0"/>
+              <a:t>Оператори за сравнение и булеви оператори</a:t>
+            </a:r>
+            <a:endParaRPr lang="en-US" dirty="0" smtClean="0"/>
+          </a:p>
+          <a:p>
+            <a:pPr algn="just"/>
+            <a:r>
+              <a:rPr lang="en-US" dirty="0" smtClean="0"/>
+              <a:t>if(</a:t>
+            </a:r>
+            <a:r>
+              <a:rPr lang="bg-BG" i="1" dirty="0" smtClean="0"/>
+              <a:t>булев израз</a:t>
+            </a:r>
+            <a:r>
+              <a:rPr lang="en-US" dirty="0" smtClean="0"/>
+              <a:t>){…}else{…}</a:t>
             </a:r>
             <a:endParaRPr lang="bg-BG" dirty="0"/>
           </a:p>
-        </p:txBody>
-      </p:sp>
+          <a:p>
+            <a:pPr algn="just"/>
+            <a:r>
+              <a:rPr lang="en-US" dirty="0" smtClean="0"/>
+              <a:t>Switch</a:t>
+            </a:r>
+            <a:r>
+              <a:rPr lang="bg-BG" dirty="0" smtClean="0"/>
+              <a:t>(</a:t>
+            </a:r>
+            <a:r>
+              <a:rPr lang="bg-BG" i="1" dirty="0" smtClean="0"/>
+              <a:t>променлива</a:t>
+            </a:r>
+            <a:r>
+              <a:rPr lang="bg-BG" dirty="0" smtClean="0"/>
+              <a:t>) – </a:t>
+            </a:r>
+            <a:r>
+              <a:rPr lang="en-US" dirty="0" smtClean="0"/>
+              <a:t>case</a:t>
+            </a:r>
+            <a:r>
+              <a:rPr lang="bg-BG" dirty="0" smtClean="0"/>
+              <a:t> </a:t>
+            </a:r>
+            <a:r>
+              <a:rPr lang="bg-BG" i="1" dirty="0" smtClean="0"/>
+              <a:t>стойност</a:t>
+            </a:r>
+            <a:r>
+              <a:rPr lang="en-US" dirty="0" smtClean="0"/>
+              <a:t> </a:t>
+            </a:r>
+            <a:r>
+              <a:rPr lang="bg-BG" dirty="0" smtClean="0"/>
+              <a:t>и </a:t>
+            </a:r>
+            <a:r>
+              <a:rPr lang="en-US" dirty="0" smtClean="0"/>
+              <a:t>break</a:t>
+            </a:r>
+            <a:endParaRPr lang="bg-BG" dirty="0"/>
+          </a:p>
+        </p:txBody>
+      </p:sp>
+      <p:pic>
+        <p:nvPicPr>
+          <p:cNvPr id="1026" name="Picture 2" descr="Table Of Contents Icon For Kids - Icon Clipart - Full Size Clipart  (#2086740) - PinClipart"/>
+          <p:cNvPicPr>
+            <a:picLocks noChangeAspect="1" noChangeArrowheads="1"/>
+          </p:cNvPicPr>
+          <p:nvPr/>
+        </p:nvPicPr>
+        <p:blipFill>
+          <a:blip r:embed="rId2" cstate="print">
+            <a:extLst>
+              <a:ext uri="{28A0092B-C50C-407E-A947-70E740481C1C}">
+                <a14:useLocalDpi xmlns:a14="http://schemas.microsoft.com/office/drawing/2010/main" val="0"/>
+              </a:ext>
+            </a:extLst>
+          </a:blip>
+          <a:srcRect/>
+          <a:stretch>
+            <a:fillRect/>
+          </a:stretch>
+        </p:blipFill>
+        <p:spPr bwMode="auto">
+          <a:xfrm rot="20762139" flipH="1">
+            <a:off x="9990571" y="5051428"/>
+            <a:ext cx="1548789" cy="1212142"/>
+          </a:xfrm>
+          <a:prstGeom prst="rect">
+            <a:avLst/>
+          </a:prstGeom>
+          <a:ln>
+            <a:noFill/>
+          </a:ln>
+          <a:effectLst>
+            <a:outerShdw blurRad="292100" dist="139700" dir="2700000" algn="tl" rotWithShape="0">
+              <a:srgbClr val="333333">
+                <a:alpha val="65000"/>
+              </a:srgbClr>
+            </a:outerShdw>
+          </a:effectLst>
+          <a:extLst>
+            <a:ext uri="{909E8E84-426E-40DD-AFC4-6F175D3DCCD1}">
+              <a14:hiddenFill xmlns:a14="http://schemas.microsoft.com/office/drawing/2010/main">
+                <a:solidFill>
+                  <a:srgbClr val="FFFFFF"/>
+                </a:solidFill>
+              </a14:hiddenFill>
+            </a:ext>
+          </a:extLst>
+        </p:spPr>
+      </p:pic>
     </p:spTree>
     <p:extLst>
       <p:ext uri="{BB962C8B-B14F-4D97-AF65-F5344CB8AC3E}">
-        <p14:creationId xmlns:p14="http://schemas.microsoft.com/office/powerpoint/2010/main" val="29679905"/>
+        <p14:creationId xmlns:p14="http://schemas.microsoft.com/office/powerpoint/2010/main" val="1277709790"/>
       </p:ext>
     </p:extLst>
   </p:cSld>
   <p:clrMapOvr>
     <a:masterClrMapping/>
   </p:clrMapOvr>
-  <mc:AlternateContent xmlns:mc="http://schemas.openxmlformats.org/markup-compatibility/2006" xmlns:p14="http://schemas.microsoft.com/office/powerpoint/2010/main">
-    <mc:Choice Requires="p14">
-      <p:transition spd="slow" p14:dur="1200">
-        <p:dissolve/>
-      </p:transition>
-    </mc:Choice>
-    <mc:Fallback xmlns="">
-      <p:transition spd="slow">
-        <p:dissolve/>
-      </p:transition>
-    </mc:Fallback>
-  </mc:AlternateContent>
+  <p:transition>
+    <p:dissolve/>
+  </p:transition>
   <p:timing>
     <p:tnLst>
       <p:par>
@@ -6448,7 +7514,7 @@
 </p:sld>
 </file>
 
-<file path=ppt/slides/slide5.xml><?xml version="1.0" encoding="utf-8"?>
+<file path=ppt/slides/slide7.xml><?xml version="1.0" encoding="utf-8"?>
 <p:sld xmlns:a="http://schemas.openxmlformats.org/drawingml/2006/main" xmlns:r="http://schemas.openxmlformats.org/officeDocument/2006/relationships" xmlns:p="http://schemas.openxmlformats.org/presentationml/2006/main">
   <p:cSld>
     <p:spTree>
@@ -6567,15 +7633,15 @@
   <p:clrMapOvr>
     <a:masterClrMapping/>
   </p:clrMapOvr>
-  <mc:AlternateContent xmlns:mc="http://schemas.openxmlformats.org/markup-compatibility/2006" xmlns:p14="http://schemas.microsoft.com/office/powerpoint/2010/main">
-    <mc:Choice Requires="p14">
-      <p:transition spd="slow" p14:dur="1200">
-        <p:dissolve/>
+  <mc:AlternateContent xmlns:mc="http://schemas.openxmlformats.org/markup-compatibility/2006">
+    <mc:Choice xmlns:p14="http://schemas.microsoft.com/office/powerpoint/2010/main" Requires="p14">
+      <p:transition spd="slow" p14:dur="3000">
+        <p14:shred/>
       </p:transition>
     </mc:Choice>
-    <mc:Fallback xmlns="">
+    <mc:Fallback>
       <p:transition spd="slow">
-        <p:dissolve/>
+        <p:fade/>
       </p:transition>
     </mc:Fallback>
   </mc:AlternateContent>
@@ -6589,7 +7655,7 @@
 </p:sld>
 </file>
 
-<file path=ppt/slides/slide6.xml><?xml version="1.0" encoding="utf-8"?>
+<file path=ppt/slides/slide8.xml><?xml version="1.0" encoding="utf-8"?>
 <p:sld xmlns:a="http://schemas.openxmlformats.org/drawingml/2006/main" xmlns:r="http://schemas.openxmlformats.org/officeDocument/2006/relationships" xmlns:p="http://schemas.openxmlformats.org/presentationml/2006/main">
   <p:cSld>
     <p:spTree>
@@ -6679,18 +7745,9 @@
   <p:clrMapOvr>
     <a:masterClrMapping/>
   </p:clrMapOvr>
-  <mc:AlternateContent xmlns:mc="http://schemas.openxmlformats.org/markup-compatibility/2006" xmlns:p14="http://schemas.microsoft.com/office/powerpoint/2010/main">
-    <mc:Choice Requires="p14">
-      <p:transition spd="slow" p14:dur="1200">
-        <p:dissolve/>
-      </p:transition>
-    </mc:Choice>
-    <mc:Fallback xmlns="">
-      <p:transition spd="slow">
-        <p:dissolve/>
-      </p:transition>
-    </mc:Fallback>
-  </mc:AlternateContent>
+  <p:transition>
+    <p:dissolve/>
+  </p:transition>
   <p:timing>
     <p:tnLst>
       <p:par>
@@ -6823,7 +7880,7 @@
 </p:sld>
 </file>
 
-<file path=ppt/slides/slide7.xml><?xml version="1.0" encoding="utf-8"?>
+<file path=ppt/slides/slide9.xml><?xml version="1.0" encoding="utf-8"?>
 <p:sld xmlns:a="http://schemas.openxmlformats.org/drawingml/2006/main" xmlns:r="http://schemas.openxmlformats.org/officeDocument/2006/relationships" xmlns:p="http://schemas.openxmlformats.org/presentationml/2006/main">
   <p:cSld>
     <p:spTree>
@@ -7195,387 +8252,9 @@
   <p:clrMapOvr>
     <a:masterClrMapping/>
   </p:clrMapOvr>
-  <mc:AlternateContent xmlns:mc="http://schemas.openxmlformats.org/markup-compatibility/2006" xmlns:p14="http://schemas.microsoft.com/office/powerpoint/2010/main">
-    <mc:Choice Requires="p14">
-      <p:transition spd="slow" p14:dur="1200">
-        <p:dissolve/>
-      </p:transition>
-    </mc:Choice>
-    <mc:Fallback xmlns="">
-      <p:transition spd="slow">
-        <p:dissolve/>
-      </p:transition>
-    </mc:Fallback>
-  </mc:AlternateContent>
-  <p:timing>
-    <p:tnLst>
-      <p:par>
-        <p:cTn id="1" dur="indefinite" restart="never" nodeType="tmRoot"/>
-      </p:par>
-    </p:tnLst>
-  </p:timing>
-</p:sld>
-</file>
-
-<file path=ppt/slides/slide8.xml><?xml version="1.0" encoding="utf-8"?>
-<p:sld xmlns:a="http://schemas.openxmlformats.org/drawingml/2006/main" xmlns:r="http://schemas.openxmlformats.org/officeDocument/2006/relationships" xmlns:p="http://schemas.openxmlformats.org/presentationml/2006/main">
-  <p:cSld>
-    <p:spTree>
-      <p:nvGrpSpPr>
-        <p:cNvPr id="1" name=""/>
-        <p:cNvGrpSpPr/>
-        <p:nvPr/>
-      </p:nvGrpSpPr>
-      <p:grpSpPr>
-        <a:xfrm>
-          <a:off x="0" y="0"/>
-          <a:ext cx="0" cy="0"/>
-          <a:chOff x="0" y="0"/>
-          <a:chExt cx="0" cy="0"/>
-        </a:xfrm>
-      </p:grpSpPr>
-      <p:pic>
-        <p:nvPicPr>
-          <p:cNvPr id="4" name="Picture 3"/>
-          <p:cNvPicPr>
-            <a:picLocks noChangeAspect="1"/>
-          </p:cNvPicPr>
-          <p:nvPr/>
-        </p:nvPicPr>
-        <p:blipFill>
-          <a:blip r:embed="rId2" cstate="print">
-            <a:extLst>
-              <a:ext uri="{28A0092B-C50C-407E-A947-70E740481C1C}">
-                <a14:useLocalDpi xmlns:a14="http://schemas.microsoft.com/office/drawing/2010/main" val="0"/>
-              </a:ext>
-            </a:extLst>
-          </a:blip>
-          <a:stretch>
-            <a:fillRect/>
-          </a:stretch>
-        </p:blipFill>
-        <p:spPr>
-          <a:xfrm>
-            <a:off x="-6121861" y="2346960"/>
-            <a:ext cx="4344221" cy="2444438"/>
-          </a:xfrm>
-          <a:prstGeom prst="rect">
-            <a:avLst/>
-          </a:prstGeom>
-        </p:spPr>
-      </p:pic>
-    </p:spTree>
-    <p:extLst>
-      <p:ext uri="{BB962C8B-B14F-4D97-AF65-F5344CB8AC3E}">
-        <p14:creationId xmlns:p14="http://schemas.microsoft.com/office/powerpoint/2010/main" val="3135747298"/>
-      </p:ext>
-    </p:extLst>
-  </p:cSld>
-  <p:clrMapOvr>
-    <a:masterClrMapping/>
-  </p:clrMapOvr>
-  <mc:AlternateContent xmlns:mc="http://schemas.openxmlformats.org/markup-compatibility/2006" xmlns:p14="http://schemas.microsoft.com/office/powerpoint/2010/main">
-    <mc:Choice Requires="p14">
-      <p:transition spd="slow" p14:dur="1200">
-        <p:dissolve/>
-      </p:transition>
-    </mc:Choice>
-    <mc:Fallback xmlns="">
-      <p:transition spd="slow">
-        <p:dissolve/>
-      </p:transition>
-    </mc:Fallback>
-  </mc:AlternateContent>
-  <p:timing>
-    <p:tnLst>
-      <p:par>
-        <p:cTn id="1" dur="indefinite" restart="never" nodeType="tmRoot">
-          <p:childTnLst>
-            <p:seq concurrent="1" nextAc="seek">
-              <p:cTn id="2" dur="indefinite" nodeType="mainSeq">
-                <p:childTnLst>
-                  <p:par>
-                    <p:cTn id="3" fill="hold">
-                      <p:stCondLst>
-                        <p:cond delay="indefinite"/>
-                        <p:cond evt="onBegin" delay="0">
-                          <p:tn val="2"/>
-                        </p:cond>
-                      </p:stCondLst>
-                      <p:childTnLst>
-                        <p:par>
-                          <p:cTn id="4" fill="hold">
-                            <p:stCondLst>
-                              <p:cond delay="0"/>
-                            </p:stCondLst>
-                            <p:childTnLst>
-                              <p:par>
-                                <p:cTn id="5" presetID="63" presetClass="path" presetSubtype="0" accel="50000" decel="50000" fill="hold" nodeType="withEffect">
-                                  <p:stCondLst>
-                                    <p:cond delay="0"/>
-                                  </p:stCondLst>
-                                  <p:childTnLst>
-                                    <p:animMotion origin="layout" path="M -1.66667E-6 -3.7037E-7 L 0.88932 0.00556 " pathEditMode="relative" rAng="0" ptsTypes="AA">
-                                      <p:cBhvr>
-                                        <p:cTn id="6" dur="2000" fill="hold"/>
-                                        <p:tgtEl>
-                                          <p:spTgt spid="4"/>
-                                        </p:tgtEl>
-                                        <p:attrNameLst>
-                                          <p:attrName>ppt_x</p:attrName>
-                                          <p:attrName>ppt_y</p:attrName>
-                                        </p:attrNameLst>
-                                      </p:cBhvr>
-                                      <p:rCtr x="44466" y="278"/>
-                                    </p:animMotion>
-                                  </p:childTnLst>
-                                </p:cTn>
-                              </p:par>
-                              <p:par>
-                                <p:cTn id="7" presetID="10" presetClass="entr" presetSubtype="0" fill="hold" nodeType="withEffect">
-                                  <p:stCondLst>
-                                    <p:cond delay="0"/>
-                                  </p:stCondLst>
-                                  <p:childTnLst>
-                                    <p:set>
-                                      <p:cBhvr>
-                                        <p:cTn id="8" dur="1" fill="hold">
-                                          <p:stCondLst>
-                                            <p:cond delay="0"/>
-                                          </p:stCondLst>
-                                        </p:cTn>
-                                        <p:tgtEl>
-                                          <p:spTgt spid="4"/>
-                                        </p:tgtEl>
-                                        <p:attrNameLst>
-                                          <p:attrName>style.visibility</p:attrName>
-                                        </p:attrNameLst>
-                                      </p:cBhvr>
-                                      <p:to>
-                                        <p:strVal val="visible"/>
-                                      </p:to>
-                                    </p:set>
-                                    <p:animEffect transition="in" filter="fade">
-                                      <p:cBhvr>
-                                        <p:cTn id="9" dur="2000"/>
-                                        <p:tgtEl>
-                                          <p:spTgt spid="4"/>
-                                        </p:tgtEl>
-                                      </p:cBhvr>
-                                    </p:animEffect>
-                                  </p:childTnLst>
-                                </p:cTn>
-                              </p:par>
-                              <p:par>
-                                <p:cTn id="10" presetID="6" presetClass="emph" presetSubtype="0" fill="hold" nodeType="withEffect">
-                                  <p:stCondLst>
-                                    <p:cond delay="0"/>
-                                  </p:stCondLst>
-                                  <p:childTnLst>
-                                    <p:animScale>
-                                      <p:cBhvr>
-                                        <p:cTn id="11" dur="2000" fill="hold"/>
-                                        <p:tgtEl>
-                                          <p:spTgt spid="4"/>
-                                        </p:tgtEl>
-                                      </p:cBhvr>
-                                      <p:by x="150000" y="150000"/>
-                                    </p:animScale>
-                                  </p:childTnLst>
-                                </p:cTn>
-                              </p:par>
-                            </p:childTnLst>
-                          </p:cTn>
-                        </p:par>
-                      </p:childTnLst>
-                    </p:cTn>
-                  </p:par>
-                </p:childTnLst>
-              </p:cTn>
-              <p:prevCondLst>
-                <p:cond evt="onPrev" delay="0">
-                  <p:tgtEl>
-                    <p:sldTgt/>
-                  </p:tgtEl>
-                </p:cond>
-              </p:prevCondLst>
-              <p:nextCondLst>
-                <p:cond evt="onNext" delay="0">
-                  <p:tgtEl>
-                    <p:sldTgt/>
-                  </p:tgtEl>
-                </p:cond>
-              </p:nextCondLst>
-            </p:seq>
-          </p:childTnLst>
-        </p:cTn>
-      </p:par>
-    </p:tnLst>
-  </p:timing>
-</p:sld>
-</file>
-
-<file path=ppt/slides/slide9.xml><?xml version="1.0" encoding="utf-8"?>
-<p:sld xmlns:a="http://schemas.openxmlformats.org/drawingml/2006/main" xmlns:r="http://schemas.openxmlformats.org/officeDocument/2006/relationships" xmlns:p="http://schemas.openxmlformats.org/presentationml/2006/main">
-  <p:cSld>
-    <p:spTree>
-      <p:nvGrpSpPr>
-        <p:cNvPr id="1" name=""/>
-        <p:cNvGrpSpPr/>
-        <p:nvPr/>
-      </p:nvGrpSpPr>
-      <p:grpSpPr>
-        <a:xfrm>
-          <a:off x="0" y="0"/>
-          <a:ext cx="0" cy="0"/>
-          <a:chOff x="0" y="0"/>
-          <a:chExt cx="0" cy="0"/>
-        </a:xfrm>
-      </p:grpSpPr>
-      <p:sp>
-        <p:nvSpPr>
-          <p:cNvPr id="2" name="Title 1"/>
-          <p:cNvSpPr>
-            <a:spLocks noGrp="1"/>
-          </p:cNvSpPr>
-          <p:nvPr>
-            <p:ph type="title"/>
-          </p:nvPr>
-        </p:nvSpPr>
-        <p:spPr/>
-        <p:txBody>
-          <a:bodyPr/>
-          <a:lstStyle/>
-          <a:p>
-            <a:r>
-              <a:rPr lang="bg-BG" dirty="0" smtClean="0"/>
-              <a:t>Оператори</a:t>
-            </a:r>
-            <a:endParaRPr lang="bg-BG" dirty="0"/>
-          </a:p>
-        </p:txBody>
-      </p:sp>
-      <p:pic>
-        <p:nvPicPr>
-          <p:cNvPr id="4" name="Picture 2" descr="Java Beginners Tutorials #13 Operators and Precedence in Java - YouTube"/>
-          <p:cNvPicPr>
-            <a:picLocks noChangeAspect="1" noChangeArrowheads="1"/>
-          </p:cNvPicPr>
-          <p:nvPr/>
-        </p:nvPicPr>
-        <p:blipFill rotWithShape="1">
-          <a:blip r:embed="rId2">
-            <a:extLst>
-              <a:ext uri="{28A0092B-C50C-407E-A947-70E740481C1C}">
-                <a14:useLocalDpi xmlns:a14="http://schemas.microsoft.com/office/drawing/2010/main" val="0"/>
-              </a:ext>
-            </a:extLst>
-          </a:blip>
-          <a:srcRect t="46540" b="26184"/>
-          <a:stretch/>
-        </p:blipFill>
-        <p:spPr bwMode="auto">
-          <a:xfrm>
-            <a:off x="2138696" y="1621677"/>
-            <a:ext cx="9727116" cy="1492370"/>
-          </a:xfrm>
-          <a:prstGeom prst="rect">
-            <a:avLst/>
-          </a:prstGeom>
-          <a:noFill/>
-          <a:extLst>
-            <a:ext uri="{909E8E84-426E-40DD-AFC4-6F175D3DCCD1}">
-              <a14:hiddenFill xmlns:a14="http://schemas.microsoft.com/office/drawing/2010/main">
-                <a:solidFill>
-                  <a:srgbClr val="FFFFFF"/>
-                </a:solidFill>
-              </a14:hiddenFill>
-            </a:ext>
-          </a:extLst>
-        </p:spPr>
-      </p:pic>
-      <p:pic>
-        <p:nvPicPr>
-          <p:cNvPr id="5" name="Picture 4"/>
-          <p:cNvPicPr>
-            <a:picLocks noChangeAspect="1"/>
-          </p:cNvPicPr>
-          <p:nvPr/>
-        </p:nvPicPr>
-        <p:blipFill>
-          <a:blip r:embed="rId3">
-            <a:extLst>
-              <a:ext uri="{28A0092B-C50C-407E-A947-70E740481C1C}">
-                <a14:useLocalDpi xmlns:a14="http://schemas.microsoft.com/office/drawing/2010/main" val="0"/>
-              </a:ext>
-            </a:extLst>
-          </a:blip>
-          <a:stretch>
-            <a:fillRect/>
-          </a:stretch>
-        </p:blipFill>
-        <p:spPr>
-          <a:xfrm>
-            <a:off x="2439871" y="3585296"/>
-            <a:ext cx="4150710" cy="2463647"/>
-          </a:xfrm>
-          <a:prstGeom prst="rect">
-            <a:avLst/>
-          </a:prstGeom>
-        </p:spPr>
-      </p:pic>
-      <p:pic>
-        <p:nvPicPr>
-          <p:cNvPr id="6" name="Picture 5"/>
-          <p:cNvPicPr>
-            <a:picLocks noChangeAspect="1"/>
-          </p:cNvPicPr>
-          <p:nvPr/>
-        </p:nvPicPr>
-        <p:blipFill>
-          <a:blip r:embed="rId4">
-            <a:extLst>
-              <a:ext uri="{28A0092B-C50C-407E-A947-70E740481C1C}">
-                <a14:useLocalDpi xmlns:a14="http://schemas.microsoft.com/office/drawing/2010/main" val="0"/>
-              </a:ext>
-            </a:extLst>
-          </a:blip>
-          <a:stretch>
-            <a:fillRect/>
-          </a:stretch>
-        </p:blipFill>
-        <p:spPr>
-          <a:xfrm>
-            <a:off x="7248946" y="3585296"/>
-            <a:ext cx="4140845" cy="2457792"/>
-          </a:xfrm>
-          <a:prstGeom prst="rect">
-            <a:avLst/>
-          </a:prstGeom>
-        </p:spPr>
-      </p:pic>
-    </p:spTree>
-    <p:extLst>
-      <p:ext uri="{BB962C8B-B14F-4D97-AF65-F5344CB8AC3E}">
-        <p14:creationId xmlns:p14="http://schemas.microsoft.com/office/powerpoint/2010/main" val="2041450013"/>
-      </p:ext>
-    </p:extLst>
-  </p:cSld>
-  <p:clrMapOvr>
-    <a:masterClrMapping/>
-  </p:clrMapOvr>
-  <mc:AlternateContent xmlns:mc="http://schemas.openxmlformats.org/markup-compatibility/2006" xmlns:p14="http://schemas.microsoft.com/office/powerpoint/2010/main">
-    <mc:Choice Requires="p14">
-      <p:transition spd="slow" p14:dur="1200">
-        <p:dissolve/>
-      </p:transition>
-    </mc:Choice>
-    <mc:Fallback xmlns="">
-      <p:transition spd="slow">
-        <p:dissolve/>
-      </p:transition>
-    </mc:Fallback>
-  </mc:AlternateContent>
+  <p:transition>
+    <p:dissolve/>
+  </p:transition>
   <p:timing>
     <p:tnLst>
       <p:par>

--- a/Algo_Coding_Java/Presentations/Statements_and_Conditions.pptx
+++ b/Algo_Coding_Java/Presentations/Statements_and_Conditions.pptx
@@ -263,7 +263,7 @@
           <a:p>
             <a:fld id="{E1CEDC59-3853-4717-9AE1-3CCAC803990E}" type="datetimeFigureOut">
               <a:rPr lang="bg-BG" smtClean="0"/>
-              <a:t>23.10.2020 г.</a:t>
+              <a:t>24.10.2020 г.</a:t>
             </a:fld>
             <a:endParaRPr lang="bg-BG"/>
           </a:p>
@@ -436,7 +436,7 @@
           <a:p>
             <a:fld id="{E1CEDC59-3853-4717-9AE1-3CCAC803990E}" type="datetimeFigureOut">
               <a:rPr lang="bg-BG" smtClean="0"/>
-              <a:t>23.10.2020 г.</a:t>
+              <a:t>24.10.2020 г.</a:t>
             </a:fld>
             <a:endParaRPr lang="bg-BG"/>
           </a:p>
@@ -619,7 +619,7 @@
           <a:p>
             <a:fld id="{E1CEDC59-3853-4717-9AE1-3CCAC803990E}" type="datetimeFigureOut">
               <a:rPr lang="bg-BG" smtClean="0"/>
-              <a:t>23.10.2020 г.</a:t>
+              <a:t>24.10.2020 г.</a:t>
             </a:fld>
             <a:endParaRPr lang="bg-BG"/>
           </a:p>
@@ -792,7 +792,7 @@
           <a:p>
             <a:fld id="{E1CEDC59-3853-4717-9AE1-3CCAC803990E}" type="datetimeFigureOut">
               <a:rPr lang="bg-BG" smtClean="0"/>
-              <a:t>23.10.2020 г.</a:t>
+              <a:t>24.10.2020 г.</a:t>
             </a:fld>
             <a:endParaRPr lang="bg-BG"/>
           </a:p>
@@ -1041,7 +1041,7 @@
           <a:p>
             <a:fld id="{E1CEDC59-3853-4717-9AE1-3CCAC803990E}" type="datetimeFigureOut">
               <a:rPr lang="bg-BG" smtClean="0"/>
-              <a:t>23.10.2020 г.</a:t>
+              <a:t>24.10.2020 г.</a:t>
             </a:fld>
             <a:endParaRPr lang="bg-BG"/>
           </a:p>
@@ -1276,7 +1276,7 @@
           <a:p>
             <a:fld id="{E1CEDC59-3853-4717-9AE1-3CCAC803990E}" type="datetimeFigureOut">
               <a:rPr lang="bg-BG" smtClean="0"/>
-              <a:t>23.10.2020 г.</a:t>
+              <a:t>24.10.2020 г.</a:t>
             </a:fld>
             <a:endParaRPr lang="bg-BG"/>
           </a:p>
@@ -1646,7 +1646,7 @@
           <a:p>
             <a:fld id="{E1CEDC59-3853-4717-9AE1-3CCAC803990E}" type="datetimeFigureOut">
               <a:rPr lang="bg-BG" smtClean="0"/>
-              <a:t>23.10.2020 г.</a:t>
+              <a:t>24.10.2020 г.</a:t>
             </a:fld>
             <a:endParaRPr lang="bg-BG"/>
           </a:p>
@@ -1767,7 +1767,7 @@
           <a:p>
             <a:fld id="{E1CEDC59-3853-4717-9AE1-3CCAC803990E}" type="datetimeFigureOut">
               <a:rPr lang="bg-BG" smtClean="0"/>
-              <a:t>23.10.2020 г.</a:t>
+              <a:t>24.10.2020 г.</a:t>
             </a:fld>
             <a:endParaRPr lang="bg-BG"/>
           </a:p>
@@ -1865,7 +1865,7 @@
           <a:p>
             <a:fld id="{E1CEDC59-3853-4717-9AE1-3CCAC803990E}" type="datetimeFigureOut">
               <a:rPr lang="bg-BG" smtClean="0"/>
-              <a:t>23.10.2020 г.</a:t>
+              <a:t>24.10.2020 г.</a:t>
             </a:fld>
             <a:endParaRPr lang="bg-BG"/>
           </a:p>
@@ -2145,7 +2145,7 @@
           <a:p>
             <a:fld id="{E1CEDC59-3853-4717-9AE1-3CCAC803990E}" type="datetimeFigureOut">
               <a:rPr lang="bg-BG" smtClean="0"/>
-              <a:t>23.10.2020 г.</a:t>
+              <a:t>24.10.2020 г.</a:t>
             </a:fld>
             <a:endParaRPr lang="bg-BG"/>
           </a:p>
@@ -2401,7 +2401,7 @@
           <a:p>
             <a:fld id="{E1CEDC59-3853-4717-9AE1-3CCAC803990E}" type="datetimeFigureOut">
               <a:rPr lang="bg-BG" smtClean="0"/>
-              <a:t>23.10.2020 г.</a:t>
+              <a:t>24.10.2020 г.</a:t>
             </a:fld>
             <a:endParaRPr lang="bg-BG"/>
           </a:p>
@@ -2626,7 +2626,7 @@
           <a:p>
             <a:fld id="{E1CEDC59-3853-4717-9AE1-3CCAC803990E}" type="datetimeFigureOut">
               <a:rPr lang="bg-BG" smtClean="0"/>
-              <a:t>23.10.2020 г.</a:t>
+              <a:t>24.10.2020 г.</a:t>
             </a:fld>
             <a:endParaRPr lang="bg-BG"/>
           </a:p>
@@ -5023,93 +5023,6 @@
           <a:lstStyle/>
           <a:p>
             <a:r>
-              <a:rPr lang="bg-BG" sz="3200" b="1" dirty="0" smtClean="0">
-                <a:solidFill>
-                  <a:srgbClr val="00B050"/>
-                </a:solidFill>
-              </a:rPr>
-              <a:t>Използвайте </a:t>
-            </a:r>
-            <a:r>
-              <a:rPr lang="en-US" sz="3200" b="1" dirty="0" err="1" smtClean="0">
-                <a:solidFill>
-                  <a:srgbClr val="00B050"/>
-                </a:solidFill>
-              </a:rPr>
-              <a:t>System.exit</a:t>
-            </a:r>
-            <a:r>
-              <a:rPr lang="en-US" sz="3200" b="1" dirty="0" smtClean="0">
-                <a:solidFill>
-                  <a:srgbClr val="00B050"/>
-                </a:solidFill>
-              </a:rPr>
-              <a:t>(</a:t>
-            </a:r>
-            <a:r>
-              <a:rPr lang="bg-BG" sz="3200" b="1" i="1" dirty="0" smtClean="0">
-                <a:solidFill>
-                  <a:srgbClr val="00B050"/>
-                </a:solidFill>
-              </a:rPr>
-              <a:t>стойност</a:t>
-            </a:r>
-            <a:r>
-              <a:rPr lang="en-US" sz="3200" b="1" dirty="0" smtClean="0">
-                <a:solidFill>
-                  <a:srgbClr val="00B050"/>
-                </a:solidFill>
-              </a:rPr>
-              <a:t>) </a:t>
-            </a:r>
-            <a:r>
-              <a:rPr lang="bg-BG" sz="3200" b="1" dirty="0" smtClean="0">
-                <a:solidFill>
-                  <a:srgbClr val="00B050"/>
-                </a:solidFill>
-              </a:rPr>
-              <a:t>вместо </a:t>
-            </a:r>
-            <a:r>
-              <a:rPr lang="en-US" sz="3200" b="1" dirty="0" err="1" smtClean="0">
-                <a:solidFill>
-                  <a:srgbClr val="00B050"/>
-                </a:solidFill>
-              </a:rPr>
-              <a:t>System.out.prinln</a:t>
-            </a:r>
-            <a:r>
-              <a:rPr lang="en-US" sz="3200" b="1" dirty="0" smtClean="0">
-                <a:solidFill>
-                  <a:srgbClr val="00B050"/>
-                </a:solidFill>
-              </a:rPr>
-              <a:t>(</a:t>
-            </a:r>
-            <a:r>
-              <a:rPr lang="bg-BG" sz="3200" b="1" i="1" dirty="0" smtClean="0">
-                <a:solidFill>
-                  <a:srgbClr val="00B050"/>
-                </a:solidFill>
-              </a:rPr>
-              <a:t>стойност</a:t>
-            </a:r>
-            <a:r>
-              <a:rPr lang="en-US" sz="3200" b="1" dirty="0" smtClean="0">
-                <a:solidFill>
-                  <a:srgbClr val="00B050"/>
-                </a:solidFill>
-              </a:rPr>
-              <a:t>)</a:t>
-            </a:r>
-            <a:endParaRPr lang="en-US" sz="3200" b="1" dirty="0" smtClean="0">
-              <a:solidFill>
-                <a:srgbClr val="00B050"/>
-              </a:solidFill>
-            </a:endParaRPr>
-          </a:p>
-          <a:p>
-            <a:r>
               <a:rPr lang="bg-BG" b="1" u="sng" dirty="0" smtClean="0"/>
               <a:t>Задача </a:t>
             </a:r>
@@ -5153,48 +5066,128 @@
             </a:r>
             <a:r>
               <a:rPr lang="bg-BG" dirty="0" smtClean="0"/>
-              <a:t> Преработете Задача 2-ра от домашното от миналия път като добавите проверка а </a:t>
+              <a:t> Преработете Задача 2-ра от домашното от миналия път като добавите проверка а дали се дели на </a:t>
+            </a:r>
+            <a:r>
+              <a:rPr lang="en-US" dirty="0" smtClean="0"/>
+              <a:t>b</a:t>
             </a:r>
             <a:r>
               <a:rPr lang="bg-BG" dirty="0" smtClean="0"/>
-              <a:t>да</a:t>
-            </a:r>
-            <a:r>
-              <a:rPr lang="bg-BG" dirty="0" smtClean="0"/>
-              <a:t>ли</a:t>
+              <a:t> и ако не се, отпечатайте </a:t>
+            </a:r>
+            <a:r>
+              <a:rPr lang="en-US" dirty="0" smtClean="0"/>
+              <a:t>NO.</a:t>
             </a:r>
             <a:r>
               <a:rPr lang="bg-BG" dirty="0" smtClean="0"/>
               <a:t> </a:t>
             </a:r>
-            <a:r>
-              <a:rPr lang="bg-BG" dirty="0" smtClean="0"/>
-              <a:t>се дели на </a:t>
-            </a:r>
-            <a:r>
-              <a:rPr lang="en-US" dirty="0" smtClean="0"/>
-              <a:t>b</a:t>
-            </a:r>
-            <a:r>
-              <a:rPr lang="bg-BG" dirty="0" smtClean="0"/>
-              <a:t> и ако не се, отпечатайте </a:t>
-            </a:r>
-            <a:r>
-              <a:rPr lang="bg-BG" dirty="0" smtClean="0"/>
-              <a:t>-1</a:t>
-            </a:r>
-            <a:r>
-              <a:rPr lang="en-US" dirty="0" smtClean="0"/>
-              <a:t>.</a:t>
-            </a:r>
-            <a:r>
-              <a:rPr lang="bg-BG" dirty="0" smtClean="0"/>
-              <a:t> </a:t>
-            </a:r>
             <a:endParaRPr lang="bg-BG" b="1" u="sng" dirty="0"/>
           </a:p>
         </p:txBody>
       </p:sp>
+      <p:pic>
+        <p:nvPicPr>
+          <p:cNvPr id="1026" name="Picture 2" descr="Green Icon Transparent Free - Task Png, Png Download , Transparent Png  Image - PNGitem"/>
+          <p:cNvPicPr>
+            <a:picLocks noChangeAspect="1" noChangeArrowheads="1"/>
+          </p:cNvPicPr>
+          <p:nvPr/>
+        </p:nvPicPr>
+        <p:blipFill>
+          <a:blip r:embed="rId2" cstate="print">
+            <a:extLst>
+              <a:ext uri="{BEBA8EAE-BF5A-486C-A8C5-ECC9F3942E4B}">
+                <a14:imgProps xmlns:a14="http://schemas.microsoft.com/office/drawing/2010/main">
+                  <a14:imgLayer r:embed="rId3">
+                    <a14:imgEffect>
+                      <a14:backgroundRemoval t="0" b="100000" l="0" r="100000">
+                        <a14:foregroundMark x1="18488" y1="22623" x2="20349" y2="80656"/>
+                        <a14:foregroundMark x1="25930" y1="78361" x2="75698" y2="79016"/>
+                        <a14:foregroundMark x1="77093" y1="76148" x2="76395" y2="27623"/>
+                        <a14:foregroundMark x1="14884" y1="19836" x2="91279" y2="87951"/>
+                        <a14:foregroundMark x1="17209" y1="87787" x2="53837" y2="49590"/>
+                        <a14:foregroundMark x1="18721" y1="66885" x2="48605" y2="84426"/>
+                        <a14:foregroundMark x1="43140" y1="69672" x2="61977" y2="85000"/>
+                        <a14:foregroundMark x1="36860" y1="33115" x2="79767" y2="24344"/>
+                        <a14:foregroundMark x1="39419" y1="15820" x2="59651" y2="36311"/>
+                        <a14:foregroundMark x1="23140" y1="19180" x2="35116" y2="47623"/>
+                        <a14:foregroundMark x1="43837" y1="27459" x2="46744" y2="30328"/>
+                        <a14:foregroundMark x1="81860" y1="26639" x2="82791" y2="75492"/>
+                        <a14:foregroundMark x1="77791" y1="19344" x2="92209" y2="35656"/>
+                        <a14:foregroundMark x1="26395" y1="20328" x2="74070" y2="21967"/>
+                        <a14:foregroundMark x1="20581" y1="15984" x2="77326" y2="21311"/>
+                        <a14:foregroundMark x1="71744" y1="20164" x2="59186" y2="58525"/>
+                        <a14:foregroundMark x1="31395" y1="33443" x2="7791" y2="78361"/>
+                        <a14:foregroundMark x1="23140" y1="74016" x2="44302" y2="89426"/>
+                        <a14:foregroundMark x1="77791" y1="62541" x2="62791" y2="88279"/>
+                        <a14:foregroundMark x1="66279" y1="75984" x2="80465" y2="89098"/>
+                        <a14:foregroundMark x1="13721" y1="16639" x2="81628" y2="14672"/>
+                        <a14:foregroundMark x1="7326" y1="19016" x2="8023" y2="87623"/>
+                        <a14:foregroundMark x1="12558" y1="89754" x2="91047" y2="89590"/>
+                        <a14:foregroundMark x1="91047" y1="89590" x2="89419" y2="14672"/>
+                        <a14:foregroundMark x1="89186" y1="14508" x2="10930" y2="15984"/>
+                        <a14:foregroundMark x1="10930" y1="15984" x2="5233" y2="27787"/>
+                        <a14:foregroundMark x1="13023" y1="13033" x2="20349" y2="14508"/>
+                        <a14:foregroundMark x1="31395" y1="14508" x2="40581" y2="12705"/>
+                        <a14:foregroundMark x1="59186" y1="12705" x2="79419" y2="12541"/>
+                        <a14:foregroundMark x1="58488" y1="13361" x2="56395" y2="6393"/>
+                        <a14:foregroundMark x1="56395" y1="6393" x2="47442" y2="4754"/>
+                        <a14:foregroundMark x1="47442" y1="4754" x2="38488" y2="13033"/>
+                        <a14:foregroundMark x1="24535" y1="25984" x2="64884" y2="45738"/>
+                        <a14:foregroundMark x1="19419" y1="25164" x2="13256" y2="40738"/>
+                        <a14:foregroundMark x1="12558" y1="71311" x2="22209" y2="83934"/>
+                        <a14:foregroundMark x1="21279" y1="49590" x2="37326" y2="72213"/>
+                        <a14:foregroundMark x1="51860" y1="68197" x2="68140" y2="82951"/>
+                        <a14:foregroundMark x1="85116" y1="16475" x2="76628" y2="29836"/>
+                        <a14:foregroundMark x1="89651" y1="14672" x2="94070" y2="37787"/>
+                        <a14:foregroundMark x1="92907" y1="35984" x2="93605" y2="87131"/>
+                      </a14:backgroundRemoval>
+                    </a14:imgEffect>
+                  </a14:imgLayer>
+                </a14:imgProps>
+              </a:ext>
+              <a:ext uri="{28A0092B-C50C-407E-A947-70E740481C1C}">
+                <a14:useLocalDpi xmlns:a14="http://schemas.microsoft.com/office/drawing/2010/main" val="0"/>
+              </a:ext>
+            </a:extLst>
+          </a:blip>
+          <a:srcRect/>
+          <a:stretch>
+            <a:fillRect/>
+          </a:stretch>
+        </p:blipFill>
+        <p:spPr bwMode="auto">
+          <a:xfrm rot="822073">
+            <a:off x="9634946" y="4531600"/>
+            <a:ext cx="1384523" cy="1964090"/>
+          </a:xfrm>
+          <a:prstGeom prst="rect">
+            <a:avLst/>
+          </a:prstGeom>
+          <a:ln>
+            <a:noFill/>
+          </a:ln>
+          <a:effectLst>
+            <a:outerShdw blurRad="292100" dist="139700" dir="2700000" algn="tl" rotWithShape="0">
+              <a:srgbClr val="333333">
+                <a:alpha val="65000"/>
+              </a:srgbClr>
+            </a:outerShdw>
+          </a:effectLst>
+          <a:extLst>
+            <a:ext uri="{909E8E84-426E-40DD-AFC4-6F175D3DCCD1}">
+              <a14:hiddenFill xmlns:a14="http://schemas.microsoft.com/office/drawing/2010/main">
+                <a:solidFill>
+                  <a:srgbClr val="FFFFFF"/>
+                </a:solidFill>
+              </a14:hiddenFill>
+            </a:ext>
+          </a:extLst>
+        </p:spPr>
+      </p:pic>
     </p:spTree>
     <p:extLst>
       <p:ext uri="{BB962C8B-B14F-4D97-AF65-F5344CB8AC3E}">
@@ -5205,13 +5198,13 @@
   <p:clrMapOvr>
     <a:masterClrMapping/>
   </p:clrMapOvr>
-  <mc:AlternateContent xmlns:mc="http://schemas.openxmlformats.org/markup-compatibility/2006">
-    <mc:Choice xmlns:p14="http://schemas.microsoft.com/office/powerpoint/2010/main" Requires="p14">
+  <mc:AlternateContent xmlns:mc="http://schemas.openxmlformats.org/markup-compatibility/2006" xmlns:p14="http://schemas.microsoft.com/office/powerpoint/2010/main">
+    <mc:Choice Requires="p14">
       <p:transition spd="slow" p14:dur="3000">
         <p14:shred/>
       </p:transition>
     </mc:Choice>
-    <mc:Fallback>
+    <mc:Fallback xmlns="">
       <p:transition spd="slow">
         <p:fade/>
       </p:transition>
@@ -5815,13 +5808,13 @@
   <p:clrMapOvr>
     <a:masterClrMapping/>
   </p:clrMapOvr>
-  <mc:AlternateContent xmlns:mc="http://schemas.openxmlformats.org/markup-compatibility/2006">
-    <mc:Choice xmlns:p14="http://schemas.microsoft.com/office/powerpoint/2010/main" Requires="p14">
+  <mc:AlternateContent xmlns:mc="http://schemas.openxmlformats.org/markup-compatibility/2006" xmlns:p14="http://schemas.microsoft.com/office/powerpoint/2010/main">
+    <mc:Choice Requires="p14">
       <p:transition spd="slow" p14:dur="3000">
         <p14:shred/>
       </p:transition>
     </mc:Choice>
-    <mc:Fallback>
+    <mc:Fallback xmlns="">
       <p:transition spd="slow">
         <p:fade/>
       </p:transition>
@@ -7633,13 +7626,13 @@
   <p:clrMapOvr>
     <a:masterClrMapping/>
   </p:clrMapOvr>
-  <mc:AlternateContent xmlns:mc="http://schemas.openxmlformats.org/markup-compatibility/2006">
-    <mc:Choice xmlns:p14="http://schemas.microsoft.com/office/powerpoint/2010/main" Requires="p14">
+  <mc:AlternateContent xmlns:mc="http://schemas.openxmlformats.org/markup-compatibility/2006" xmlns:p14="http://schemas.microsoft.com/office/powerpoint/2010/main">
+    <mc:Choice Requires="p14">
       <p:transition spd="slow" p14:dur="3000">
         <p14:shred/>
       </p:transition>
     </mc:Choice>
-    <mc:Fallback>
+    <mc:Fallback xmlns="">
       <p:transition spd="slow">
         <p:fade/>
       </p:transition>

--- a/Algo_Coding_Java/Presentations/Statements_and_Conditions.pptx
+++ b/Algo_Coding_Java/Presentations/Statements_and_Conditions.pptx
@@ -25,7 +25,8 @@
     <p:sldId id="271" r:id="rId19"/>
     <p:sldId id="272" r:id="rId20"/>
     <p:sldId id="273" r:id="rId21"/>
-    <p:sldId id="274" r:id="rId22"/>
+    <p:sldId id="278" r:id="rId22"/>
+    <p:sldId id="274" r:id="rId23"/>
   </p:sldIdLst>
   <p:sldSz cx="12192000" cy="6858000"/>
   <p:notesSz cx="6858000" cy="9144000"/>
@@ -5024,11 +5025,7 @@
           <a:p>
             <a:r>
               <a:rPr lang="bg-BG" b="1" u="sng" dirty="0" smtClean="0"/>
-              <a:t>Задача </a:t>
-            </a:r>
-            <a:r>
-              <a:rPr lang="bg-BG" b="1" u="sng" dirty="0" smtClean="0"/>
-              <a:t>1:</a:t>
+              <a:t>Задача 1:</a:t>
             </a:r>
             <a:r>
               <a:rPr lang="bg-BG" dirty="0" smtClean="0"/>
@@ -6003,6 +6000,204 @@
 </file>
 
 <file path=ppt/slides/slide21.xml><?xml version="1.0" encoding="utf-8"?>
+<p:sld xmlns:a="http://schemas.openxmlformats.org/drawingml/2006/main" xmlns:r="http://schemas.openxmlformats.org/officeDocument/2006/relationships" xmlns:p="http://schemas.openxmlformats.org/presentationml/2006/main">
+  <p:cSld>
+    <p:spTree>
+      <p:nvGrpSpPr>
+        <p:cNvPr id="1" name=""/>
+        <p:cNvGrpSpPr/>
+        <p:nvPr/>
+      </p:nvGrpSpPr>
+      <p:grpSpPr>
+        <a:xfrm>
+          <a:off x="0" y="0"/>
+          <a:ext cx="0" cy="0"/>
+          <a:chOff x="0" y="0"/>
+          <a:chExt cx="0" cy="0"/>
+        </a:xfrm>
+      </p:grpSpPr>
+      <p:sp>
+        <p:nvSpPr>
+          <p:cNvPr id="2" name="Title 1"/>
+          <p:cNvSpPr>
+            <a:spLocks noGrp="1"/>
+          </p:cNvSpPr>
+          <p:nvPr>
+            <p:ph type="title"/>
+          </p:nvPr>
+        </p:nvSpPr>
+        <p:spPr/>
+        <p:txBody>
+          <a:bodyPr/>
+          <a:lstStyle/>
+          <a:p>
+            <a:r>
+              <a:rPr lang="bg-BG" dirty="0" smtClean="0"/>
+              <a:t>Датите през ноември</a:t>
+            </a:r>
+            <a:endParaRPr lang="bg-BG" dirty="0"/>
+          </a:p>
+        </p:txBody>
+      </p:sp>
+      <p:pic>
+        <p:nvPicPr>
+          <p:cNvPr id="5" name="Picture 2" descr="2020 Calendar Free Stock Photo - Public Domain Pictures"/>
+          <p:cNvPicPr>
+            <a:picLocks noChangeAspect="1" noChangeArrowheads="1"/>
+          </p:cNvPicPr>
+          <p:nvPr/>
+        </p:nvPicPr>
+        <p:blipFill rotWithShape="1">
+          <a:blip r:embed="rId2">
+            <a:extLst>
+              <a:ext uri="{28A0092B-C50C-407E-A947-70E740481C1C}">
+                <a14:useLocalDpi xmlns:a14="http://schemas.microsoft.com/office/drawing/2010/main" val="0"/>
+              </a:ext>
+            </a:extLst>
+          </a:blip>
+          <a:srcRect l="51302" t="68519" r="23153" b="3330"/>
+          <a:stretch/>
+        </p:blipFill>
+        <p:spPr bwMode="auto">
+          <a:xfrm>
+            <a:off x="3891280" y="1368698"/>
+            <a:ext cx="6654801" cy="5133704"/>
+          </a:xfrm>
+          <a:prstGeom prst="rect">
+            <a:avLst/>
+          </a:prstGeom>
+          <a:noFill/>
+          <a:extLst>
+            <a:ext uri="{909E8E84-426E-40DD-AFC4-6F175D3DCCD1}">
+              <a14:hiddenFill xmlns:a14="http://schemas.microsoft.com/office/drawing/2010/main">
+                <a:solidFill>
+                  <a:srgbClr val="FFFFFF"/>
+                </a:solidFill>
+              </a14:hiddenFill>
+            </a:ext>
+          </a:extLst>
+        </p:spPr>
+      </p:pic>
+      <p:sp>
+        <p:nvSpPr>
+          <p:cNvPr id="6" name="Rectangle 5"/>
+          <p:cNvSpPr/>
+          <p:nvPr/>
+        </p:nvSpPr>
+        <p:spPr>
+          <a:xfrm>
+            <a:off x="8879840" y="3596640"/>
+            <a:ext cx="609600" cy="508000"/>
+          </a:xfrm>
+          <a:prstGeom prst="rect">
+            <a:avLst/>
+          </a:prstGeom>
+          <a:solidFill>
+            <a:srgbClr val="ED7D31">
+              <a:alpha val="41961"/>
+            </a:srgbClr>
+          </a:solidFill>
+          <a:ln>
+            <a:noFill/>
+          </a:ln>
+        </p:spPr>
+        <p:style>
+          <a:lnRef idx="2">
+            <a:schemeClr val="accent1">
+              <a:shade val="50000"/>
+            </a:schemeClr>
+          </a:lnRef>
+          <a:fillRef idx="1">
+            <a:schemeClr val="accent1"/>
+          </a:fillRef>
+          <a:effectRef idx="0">
+            <a:schemeClr val="accent1"/>
+          </a:effectRef>
+          <a:fontRef idx="minor">
+            <a:schemeClr val="lt1"/>
+          </a:fontRef>
+        </p:style>
+        <p:txBody>
+          <a:bodyPr rtlCol="0" anchor="ctr"/>
+          <a:lstStyle/>
+          <a:p>
+            <a:pPr algn="ctr"/>
+            <a:endParaRPr lang="bg-BG"/>
+          </a:p>
+        </p:txBody>
+      </p:sp>
+      <p:sp>
+        <p:nvSpPr>
+          <p:cNvPr id="9" name="Rectangle 8"/>
+          <p:cNvSpPr/>
+          <p:nvPr/>
+        </p:nvSpPr>
+        <p:spPr>
+          <a:xfrm>
+            <a:off x="8900160" y="4754880"/>
+            <a:ext cx="609600" cy="508000"/>
+          </a:xfrm>
+          <a:prstGeom prst="rect">
+            <a:avLst/>
+          </a:prstGeom>
+          <a:solidFill>
+            <a:srgbClr val="ED7D31">
+              <a:alpha val="41961"/>
+            </a:srgbClr>
+          </a:solidFill>
+          <a:ln>
+            <a:noFill/>
+          </a:ln>
+        </p:spPr>
+        <p:style>
+          <a:lnRef idx="2">
+            <a:schemeClr val="accent1">
+              <a:shade val="50000"/>
+            </a:schemeClr>
+          </a:lnRef>
+          <a:fillRef idx="1">
+            <a:schemeClr val="accent1"/>
+          </a:fillRef>
+          <a:effectRef idx="0">
+            <a:schemeClr val="accent1"/>
+          </a:effectRef>
+          <a:fontRef idx="minor">
+            <a:schemeClr val="lt1"/>
+          </a:fontRef>
+        </p:style>
+        <p:txBody>
+          <a:bodyPr rtlCol="0" anchor="ctr"/>
+          <a:lstStyle/>
+          <a:p>
+            <a:pPr algn="ctr"/>
+            <a:endParaRPr lang="bg-BG"/>
+          </a:p>
+        </p:txBody>
+      </p:sp>
+    </p:spTree>
+    <p:extLst>
+      <p:ext uri="{BB962C8B-B14F-4D97-AF65-F5344CB8AC3E}">
+        <p14:creationId xmlns:p14="http://schemas.microsoft.com/office/powerpoint/2010/main" val="2254200821"/>
+      </p:ext>
+    </p:extLst>
+  </p:cSld>
+  <p:clrMapOvr>
+    <a:masterClrMapping/>
+  </p:clrMapOvr>
+  <p:transition>
+    <p:dissolve/>
+  </p:transition>
+  <p:timing>
+    <p:tnLst>
+      <p:par>
+        <p:cTn id="1" dur="indefinite" restart="never" nodeType="tmRoot"/>
+      </p:par>
+    </p:tnLst>
+  </p:timing>
+</p:sld>
+</file>
+
+<file path=ppt/slides/slide22.xml><?xml version="1.0" encoding="utf-8"?>
 <p:sld xmlns:a="http://schemas.openxmlformats.org/drawingml/2006/main" xmlns:r="http://schemas.openxmlformats.org/officeDocument/2006/relationships" xmlns:p="http://schemas.openxmlformats.org/presentationml/2006/main">
   <p:cSld>
     <p:spTree>
